--- a/Meilenstein_3/Meilenstein3 - Pr.pptx
+++ b/Meilenstein_3/Meilenstein3 - Pr.pptx
@@ -12,42 +12,43 @@
     <p:sldId id="262" r:id="rId6"/>
     <p:sldId id="263" r:id="rId7"/>
     <p:sldId id="274" r:id="rId8"/>
-    <p:sldId id="280" r:id="rId9"/>
+    <p:sldId id="307" r:id="rId9"/>
     <p:sldId id="261" r:id="rId10"/>
     <p:sldId id="275" r:id="rId11"/>
-    <p:sldId id="282" r:id="rId12"/>
-    <p:sldId id="283" r:id="rId13"/>
-    <p:sldId id="284" r:id="rId14"/>
-    <p:sldId id="285" r:id="rId15"/>
-    <p:sldId id="264" r:id="rId16"/>
-    <p:sldId id="281" r:id="rId17"/>
-    <p:sldId id="266" r:id="rId18"/>
-    <p:sldId id="286" r:id="rId19"/>
-    <p:sldId id="287" r:id="rId20"/>
-    <p:sldId id="288" r:id="rId21"/>
-    <p:sldId id="289" r:id="rId22"/>
-    <p:sldId id="290" r:id="rId23"/>
-    <p:sldId id="291" r:id="rId24"/>
-    <p:sldId id="292" r:id="rId25"/>
-    <p:sldId id="267" r:id="rId26"/>
-    <p:sldId id="293" r:id="rId27"/>
-    <p:sldId id="268" r:id="rId28"/>
-    <p:sldId id="294" r:id="rId29"/>
-    <p:sldId id="295" r:id="rId30"/>
-    <p:sldId id="296" r:id="rId31"/>
-    <p:sldId id="269" r:id="rId32"/>
-    <p:sldId id="297" r:id="rId33"/>
+    <p:sldId id="284" r:id="rId12"/>
+    <p:sldId id="285" r:id="rId13"/>
+    <p:sldId id="264" r:id="rId14"/>
+    <p:sldId id="281" r:id="rId15"/>
+    <p:sldId id="266" r:id="rId16"/>
+    <p:sldId id="286" r:id="rId17"/>
+    <p:sldId id="287" r:id="rId18"/>
+    <p:sldId id="290" r:id="rId19"/>
+    <p:sldId id="292" r:id="rId20"/>
+    <p:sldId id="267" r:id="rId21"/>
+    <p:sldId id="293" r:id="rId22"/>
+    <p:sldId id="308" r:id="rId23"/>
+    <p:sldId id="309" r:id="rId24"/>
+    <p:sldId id="310" r:id="rId25"/>
+    <p:sldId id="311" r:id="rId26"/>
+    <p:sldId id="268" r:id="rId27"/>
+    <p:sldId id="294" r:id="rId28"/>
+    <p:sldId id="295" r:id="rId29"/>
+    <p:sldId id="296" r:id="rId30"/>
+    <p:sldId id="269" r:id="rId31"/>
+    <p:sldId id="297" r:id="rId32"/>
+    <p:sldId id="305" r:id="rId33"/>
     <p:sldId id="298" r:id="rId34"/>
-    <p:sldId id="299" r:id="rId35"/>
-    <p:sldId id="300" r:id="rId36"/>
-    <p:sldId id="270" r:id="rId37"/>
-    <p:sldId id="301" r:id="rId38"/>
-    <p:sldId id="271" r:id="rId39"/>
-    <p:sldId id="302" r:id="rId40"/>
-    <p:sldId id="272" r:id="rId41"/>
-    <p:sldId id="303" r:id="rId42"/>
-    <p:sldId id="273" r:id="rId43"/>
-    <p:sldId id="304" r:id="rId44"/>
+    <p:sldId id="306" r:id="rId35"/>
+    <p:sldId id="299" r:id="rId36"/>
+    <p:sldId id="300" r:id="rId37"/>
+    <p:sldId id="270" r:id="rId38"/>
+    <p:sldId id="301" r:id="rId39"/>
+    <p:sldId id="271" r:id="rId40"/>
+    <p:sldId id="302" r:id="rId41"/>
+    <p:sldId id="272" r:id="rId42"/>
+    <p:sldId id="303" r:id="rId43"/>
+    <p:sldId id="273" r:id="rId44"/>
+    <p:sldId id="304" r:id="rId45"/>
   </p:sldIdLst>
   <p:sldSz cx="9144000" cy="6858000" type="screen4x3"/>
   <p:notesSz cx="6858000" cy="9144000"/>
@@ -3598,9 +3599,14 @@
   <p:clrMapOvr>
     <a:masterClrMapping/>
   </p:clrMapOvr>
-  <p:transition spd="slow">
-    <p:push dir="u"/>
-  </p:transition>
+  <mc:AlternateContent xmlns:mc="http://schemas.openxmlformats.org/markup-compatibility/2006">
+    <mc:Choice xmlns:p14="http://schemas.microsoft.com/office/powerpoint/2010/main" Requires="p14">
+      <p:transition p14:dur="0"/>
+    </mc:Choice>
+    <mc:Fallback>
+      <p:transition/>
+    </mc:Fallback>
+  </mc:AlternateContent>
   <p:timing>
     <p:tnLst>
       <p:par>
@@ -4110,6 +4116,198 @@
           </a:p>
         </p:txBody>
       </p:sp>
+      <p:sp>
+        <p:nvSpPr>
+          <p:cNvPr id="2" name="Textfeld 1"/>
+          <p:cNvSpPr txBox="1"/>
+          <p:nvPr/>
+        </p:nvSpPr>
+        <p:spPr>
+          <a:xfrm>
+            <a:off x="1259632" y="1588384"/>
+            <a:ext cx="5820824" cy="646331"/>
+          </a:xfrm>
+          <a:prstGeom prst="rect">
+            <a:avLst/>
+          </a:prstGeom>
+          <a:noFill/>
+        </p:spPr>
+        <p:txBody>
+          <a:bodyPr wrap="none" rtlCol="0">
+            <a:spAutoFit/>
+          </a:bodyPr>
+          <a:lstStyle/>
+          <a:p>
+            <a:pPr marL="285750" indent="-285750">
+              <a:buFont typeface="Wingdings" pitchFamily="2" charset="2"/>
+              <a:buChar char="Ø"/>
+            </a:pPr>
+            <a:r>
+              <a:rPr lang="de-DE" dirty="0" smtClean="0"/>
+              <a:t>Produkt dient zur Mitarbeiterbindung und fördert ihre</a:t>
+            </a:r>
+          </a:p>
+          <a:p>
+            <a:r>
+              <a:rPr lang="de-DE" dirty="0"/>
+              <a:t> </a:t>
+            </a:r>
+            <a:r>
+              <a:rPr lang="de-DE" dirty="0" smtClean="0"/>
+              <a:t>    Fähigkeiten</a:t>
+            </a:r>
+            <a:endParaRPr lang="de-DE" dirty="0"/>
+          </a:p>
+        </p:txBody>
+      </p:sp>
+      <p:sp>
+        <p:nvSpPr>
+          <p:cNvPr id="6" name="Textfeld 5"/>
+          <p:cNvSpPr txBox="1"/>
+          <p:nvPr/>
+        </p:nvSpPr>
+        <p:spPr>
+          <a:xfrm>
+            <a:off x="971600" y="2987660"/>
+            <a:ext cx="1890261" cy="369332"/>
+          </a:xfrm>
+          <a:prstGeom prst="rect">
+            <a:avLst/>
+          </a:prstGeom>
+          <a:noFill/>
+        </p:spPr>
+        <p:txBody>
+          <a:bodyPr wrap="none" rtlCol="0">
+            <a:spAutoFit/>
+          </a:bodyPr>
+          <a:lstStyle/>
+          <a:p>
+            <a:r>
+              <a:rPr lang="de-DE" b="1" dirty="0" smtClean="0"/>
+              <a:t>3.2 Zielgruppen</a:t>
+            </a:r>
+            <a:endParaRPr lang="de-DE" b="1" dirty="0"/>
+          </a:p>
+        </p:txBody>
+      </p:sp>
+      <p:sp>
+        <p:nvSpPr>
+          <p:cNvPr id="3" name="Textfeld 2"/>
+          <p:cNvSpPr txBox="1"/>
+          <p:nvPr/>
+        </p:nvSpPr>
+        <p:spPr>
+          <a:xfrm>
+            <a:off x="1259632" y="3563724"/>
+            <a:ext cx="4414991" cy="369332"/>
+          </a:xfrm>
+          <a:prstGeom prst="rect">
+            <a:avLst/>
+          </a:prstGeom>
+          <a:noFill/>
+        </p:spPr>
+        <p:txBody>
+          <a:bodyPr wrap="none" rtlCol="0">
+            <a:spAutoFit/>
+          </a:bodyPr>
+          <a:lstStyle/>
+          <a:p>
+            <a:pPr marL="285750" indent="-285750">
+              <a:buFont typeface="Wingdings" pitchFamily="2" charset="2"/>
+              <a:buChar char="Ø"/>
+            </a:pPr>
+            <a:r>
+              <a:rPr lang="de-DE" dirty="0" smtClean="0"/>
+              <a:t>alle Mitarbeiter der „Crowd-Innovation“</a:t>
+            </a:r>
+            <a:endParaRPr lang="de-DE" dirty="0"/>
+          </a:p>
+        </p:txBody>
+      </p:sp>
+      <p:sp>
+        <p:nvSpPr>
+          <p:cNvPr id="7" name="Textfeld 6"/>
+          <p:cNvSpPr txBox="1"/>
+          <p:nvPr/>
+        </p:nvSpPr>
+        <p:spPr>
+          <a:xfrm>
+            <a:off x="971599" y="4546484"/>
+            <a:ext cx="2941831" cy="369332"/>
+          </a:xfrm>
+          <a:prstGeom prst="rect">
+            <a:avLst/>
+          </a:prstGeom>
+          <a:noFill/>
+        </p:spPr>
+        <p:txBody>
+          <a:bodyPr wrap="none" rtlCol="0">
+            <a:spAutoFit/>
+          </a:bodyPr>
+          <a:lstStyle/>
+          <a:p>
+            <a:r>
+              <a:rPr lang="de-DE" b="1" dirty="0" smtClean="0"/>
+              <a:t>3.3 Betriebsbedingungen</a:t>
+            </a:r>
+            <a:endParaRPr lang="de-DE" b="1" dirty="0"/>
+          </a:p>
+        </p:txBody>
+      </p:sp>
+      <p:sp>
+        <p:nvSpPr>
+          <p:cNvPr id="8" name="Textfeld 7"/>
+          <p:cNvSpPr txBox="1"/>
+          <p:nvPr/>
+        </p:nvSpPr>
+        <p:spPr>
+          <a:xfrm>
+            <a:off x="1259632" y="5086925"/>
+            <a:ext cx="6684394" cy="923330"/>
+          </a:xfrm>
+          <a:prstGeom prst="rect">
+            <a:avLst/>
+          </a:prstGeom>
+          <a:noFill/>
+        </p:spPr>
+        <p:txBody>
+          <a:bodyPr wrap="none" rtlCol="0">
+            <a:spAutoFit/>
+          </a:bodyPr>
+          <a:lstStyle/>
+          <a:p>
+            <a:pPr marL="285750" indent="-285750">
+              <a:buFont typeface="Wingdings" pitchFamily="2" charset="2"/>
+              <a:buChar char="Ø"/>
+            </a:pPr>
+            <a:r>
+              <a:rPr lang="de-DE" dirty="0" smtClean="0"/>
+              <a:t>Intranet wird mit Hilfe eines Servers betrieben und für </a:t>
+            </a:r>
+          </a:p>
+          <a:p>
+            <a:r>
+              <a:rPr lang="de-DE" dirty="0"/>
+              <a:t> </a:t>
+            </a:r>
+            <a:r>
+              <a:rPr lang="de-DE" dirty="0" smtClean="0"/>
+              <a:t>    Mitarbeiter jederzeit zugänglich</a:t>
+            </a:r>
+          </a:p>
+          <a:p>
+            <a:pPr marL="285750" indent="-285750">
+              <a:buFont typeface="Wingdings" pitchFamily="2" charset="2"/>
+              <a:buChar char="Ø"/>
+            </a:pPr>
+            <a:r>
+              <a:rPr lang="de-DE" dirty="0" smtClean="0"/>
+              <a:t>Betreuung und Wartung übernimmt hausinterne Admin-Team</a:t>
+            </a:r>
+            <a:endParaRPr lang="de-DE" dirty="0"/>
+          </a:p>
+        </p:txBody>
+      </p:sp>
     </p:spTree>
     <p:extLst>
       <p:ext uri="{BB962C8B-B14F-4D97-AF65-F5344CB8AC3E}">
@@ -4120,9 +4318,18 @@
   <p:clrMapOvr>
     <a:masterClrMapping/>
   </p:clrMapOvr>
-  <p:transition spd="slow">
-    <p:push dir="u"/>
-  </p:transition>
+  <mc:AlternateContent xmlns:mc="http://schemas.openxmlformats.org/markup-compatibility/2006">
+    <mc:Choice xmlns:p14="http://schemas.microsoft.com/office/powerpoint/2010/main" Requires="p14">
+      <p:transition spd="med" p14:dur="700">
+        <p:fade/>
+      </p:transition>
+    </mc:Choice>
+    <mc:Fallback>
+      <p:transition spd="med">
+        <p:fade/>
+      </p:transition>
+    </mc:Fallback>
+  </mc:AlternateContent>
   <p:timing>
     <p:tnLst>
       <p:par>
@@ -4158,8 +4365,8 @@
         </p:nvSpPr>
         <p:spPr>
           <a:xfrm>
-            <a:off x="971600" y="967370"/>
-            <a:ext cx="1890261" cy="369332"/>
+            <a:off x="971600" y="1196752"/>
+            <a:ext cx="3937809" cy="369332"/>
           </a:xfrm>
           <a:prstGeom prst="rect">
             <a:avLst/>
@@ -4174,7 +4381,7 @@
           <a:p>
             <a:r>
               <a:rPr lang="de-DE" b="1" dirty="0" smtClean="0"/>
-              <a:t>3.2 Zielgruppen</a:t>
+              <a:t>3.4 Technische Produktumgebung</a:t>
             </a:r>
             <a:endParaRPr lang="de-DE" b="1" dirty="0"/>
           </a:p>
@@ -4226,19 +4433,201 @@
           </a:p>
         </p:txBody>
       </p:sp>
+      <p:sp>
+        <p:nvSpPr>
+          <p:cNvPr id="2" name="Textfeld 1"/>
+          <p:cNvSpPr txBox="1"/>
+          <p:nvPr/>
+        </p:nvSpPr>
+        <p:spPr>
+          <a:xfrm>
+            <a:off x="1187624" y="1915361"/>
+            <a:ext cx="6218369" cy="646331"/>
+          </a:xfrm>
+          <a:prstGeom prst="rect">
+            <a:avLst/>
+          </a:prstGeom>
+          <a:noFill/>
+        </p:spPr>
+        <p:txBody>
+          <a:bodyPr wrap="none" rtlCol="0">
+            <a:spAutoFit/>
+          </a:bodyPr>
+          <a:lstStyle/>
+          <a:p>
+            <a:pPr marL="285750" indent="-285750">
+              <a:buFont typeface="Wingdings" pitchFamily="2" charset="2"/>
+              <a:buChar char="Ø"/>
+            </a:pPr>
+            <a:r>
+              <a:rPr lang="de-DE" dirty="0" smtClean="0"/>
+              <a:t>Intranet wird mit Hilfe eines Datenbankservers betrieben</a:t>
+            </a:r>
+          </a:p>
+          <a:p>
+            <a:pPr marL="285750" indent="-285750">
+              <a:buFont typeface="Wingdings" pitchFamily="2" charset="2"/>
+              <a:buChar char="Ø"/>
+            </a:pPr>
+            <a:r>
+              <a:rPr lang="de-DE" dirty="0" smtClean="0"/>
+              <a:t>Mitarbeiter sind bereits mit der Software ausgestattet</a:t>
+            </a:r>
+            <a:endParaRPr lang="de-DE" dirty="0"/>
+          </a:p>
+        </p:txBody>
+      </p:sp>
+      <p:sp>
+        <p:nvSpPr>
+          <p:cNvPr id="6" name="Textfeld 5"/>
+          <p:cNvSpPr txBox="1"/>
+          <p:nvPr/>
+        </p:nvSpPr>
+        <p:spPr>
+          <a:xfrm>
+            <a:off x="1358019" y="2915880"/>
+            <a:ext cx="1672253" cy="369332"/>
+          </a:xfrm>
+          <a:prstGeom prst="rect">
+            <a:avLst/>
+          </a:prstGeom>
+          <a:noFill/>
+        </p:spPr>
+        <p:txBody>
+          <a:bodyPr wrap="none" rtlCol="0">
+            <a:spAutoFit/>
+          </a:bodyPr>
+          <a:lstStyle/>
+          <a:p>
+            <a:r>
+              <a:rPr lang="de-DE" dirty="0" smtClean="0"/>
+              <a:t>3.4.1 Software</a:t>
+            </a:r>
+            <a:endParaRPr lang="de-DE" dirty="0"/>
+          </a:p>
+        </p:txBody>
+      </p:sp>
+      <p:sp>
+        <p:nvSpPr>
+          <p:cNvPr id="7" name="Textfeld 6"/>
+          <p:cNvSpPr txBox="1"/>
+          <p:nvPr/>
+        </p:nvSpPr>
+        <p:spPr>
+          <a:xfrm>
+            <a:off x="1358019" y="3595893"/>
+            <a:ext cx="1762021" cy="369332"/>
+          </a:xfrm>
+          <a:prstGeom prst="rect">
+            <a:avLst/>
+          </a:prstGeom>
+          <a:noFill/>
+        </p:spPr>
+        <p:txBody>
+          <a:bodyPr wrap="none" rtlCol="0">
+            <a:spAutoFit/>
+          </a:bodyPr>
+          <a:lstStyle/>
+          <a:p>
+            <a:r>
+              <a:rPr lang="de-DE" dirty="0" smtClean="0"/>
+              <a:t>3.4.2 Hardware</a:t>
+            </a:r>
+            <a:endParaRPr lang="de-DE" dirty="0"/>
+          </a:p>
+        </p:txBody>
+      </p:sp>
+      <p:sp>
+        <p:nvSpPr>
+          <p:cNvPr id="9" name="Textfeld 8"/>
+          <p:cNvSpPr txBox="1"/>
+          <p:nvPr/>
+        </p:nvSpPr>
+        <p:spPr>
+          <a:xfrm>
+            <a:off x="1619672" y="4200672"/>
+            <a:ext cx="1544012" cy="369332"/>
+          </a:xfrm>
+          <a:prstGeom prst="rect">
+            <a:avLst/>
+          </a:prstGeom>
+          <a:noFill/>
+        </p:spPr>
+        <p:txBody>
+          <a:bodyPr wrap="none" rtlCol="0">
+            <a:spAutoFit/>
+          </a:bodyPr>
+          <a:lstStyle/>
+          <a:p>
+            <a:r>
+              <a:rPr lang="de-DE" dirty="0" smtClean="0"/>
+              <a:t>3.4.2.1 Client</a:t>
+            </a:r>
+            <a:endParaRPr lang="de-DE" dirty="0"/>
+          </a:p>
+        </p:txBody>
+      </p:sp>
+      <p:sp>
+        <p:nvSpPr>
+          <p:cNvPr id="10" name="Textfeld 9"/>
+          <p:cNvSpPr txBox="1"/>
+          <p:nvPr/>
+        </p:nvSpPr>
+        <p:spPr>
+          <a:xfrm>
+            <a:off x="1907185" y="4798893"/>
+            <a:ext cx="6013185" cy="646331"/>
+          </a:xfrm>
+          <a:prstGeom prst="rect">
+            <a:avLst/>
+          </a:prstGeom>
+          <a:noFill/>
+        </p:spPr>
+        <p:txBody>
+          <a:bodyPr wrap="none" rtlCol="0">
+            <a:spAutoFit/>
+          </a:bodyPr>
+          <a:lstStyle/>
+          <a:p>
+            <a:pPr marL="285750" indent="-285750">
+              <a:buFont typeface="Wingdings" pitchFamily="2" charset="2"/>
+              <a:buChar char="Ø"/>
+            </a:pPr>
+            <a:r>
+              <a:rPr lang="de-DE" dirty="0" smtClean="0"/>
+              <a:t>Mindestanforderung für Benutzer entspricht denen der</a:t>
+            </a:r>
+          </a:p>
+          <a:p>
+            <a:r>
+              <a:rPr lang="de-DE" dirty="0" smtClean="0"/>
+              <a:t>     Datenbank</a:t>
+            </a:r>
+          </a:p>
+        </p:txBody>
+      </p:sp>
     </p:spTree>
     <p:extLst>
       <p:ext uri="{BB962C8B-B14F-4D97-AF65-F5344CB8AC3E}">
-        <p14:creationId xmlns:p14="http://schemas.microsoft.com/office/powerpoint/2010/main" val="3652659114"/>
+        <p14:creationId xmlns:p14="http://schemas.microsoft.com/office/powerpoint/2010/main" val="3621131919"/>
       </p:ext>
     </p:extLst>
   </p:cSld>
   <p:clrMapOvr>
     <a:masterClrMapping/>
   </p:clrMapOvr>
-  <p:transition spd="slow">
-    <p:push dir="u"/>
-  </p:transition>
+  <mc:AlternateContent xmlns:mc="http://schemas.openxmlformats.org/markup-compatibility/2006">
+    <mc:Choice xmlns:p14="http://schemas.microsoft.com/office/powerpoint/2010/main" Requires="p14">
+      <p:transition spd="med" p14:dur="700">
+        <p:fade/>
+      </p:transition>
+    </mc:Choice>
+    <mc:Fallback>
+      <p:transition spd="med">
+        <p:fade/>
+      </p:transition>
+    </mc:Fallback>
+  </mc:AlternateContent>
   <p:timing>
     <p:tnLst>
       <p:par>
@@ -4274,25 +4663,25 @@
         </p:nvSpPr>
         <p:spPr>
           <a:xfrm>
-            <a:off x="971600" y="967370"/>
-            <a:ext cx="2941831" cy="369332"/>
-          </a:xfrm>
-          <a:prstGeom prst="rect">
-            <a:avLst/>
-          </a:prstGeom>
-          <a:noFill/>
-        </p:spPr>
-        <p:txBody>
-          <a:bodyPr wrap="none" rtlCol="0">
-            <a:spAutoFit/>
-          </a:bodyPr>
-          <a:lstStyle/>
-          <a:p>
-            <a:r>
-              <a:rPr lang="de-DE" b="1" dirty="0" smtClean="0"/>
-              <a:t>3.3 Betriebsbedingungen</a:t>
-            </a:r>
-            <a:endParaRPr lang="de-DE" b="1" dirty="0"/>
+            <a:off x="1394647" y="1259266"/>
+            <a:ext cx="1672253" cy="369332"/>
+          </a:xfrm>
+          <a:prstGeom prst="rect">
+            <a:avLst/>
+          </a:prstGeom>
+          <a:noFill/>
+        </p:spPr>
+        <p:txBody>
+          <a:bodyPr wrap="none" rtlCol="0">
+            <a:spAutoFit/>
+          </a:bodyPr>
+          <a:lstStyle/>
+          <a:p>
+            <a:r>
+              <a:rPr lang="de-DE" dirty="0" smtClean="0"/>
+              <a:t>3.4.2.2 Server</a:t>
+            </a:r>
+            <a:endParaRPr lang="de-DE" dirty="0"/>
           </a:p>
         </p:txBody>
       </p:sp>
@@ -4342,19 +4731,155 @@
           </a:p>
         </p:txBody>
       </p:sp>
+      <p:sp>
+        <p:nvSpPr>
+          <p:cNvPr id="2" name="Textfeld 1"/>
+          <p:cNvSpPr txBox="1"/>
+          <p:nvPr/>
+        </p:nvSpPr>
+        <p:spPr>
+          <a:xfrm>
+            <a:off x="1691680" y="1844824"/>
+            <a:ext cx="5192447" cy="1200329"/>
+          </a:xfrm>
+          <a:prstGeom prst="rect">
+            <a:avLst/>
+          </a:prstGeom>
+          <a:noFill/>
+        </p:spPr>
+        <p:txBody>
+          <a:bodyPr wrap="none" rtlCol="0">
+            <a:spAutoFit/>
+          </a:bodyPr>
+          <a:lstStyle/>
+          <a:p>
+            <a:pPr marL="285750" indent="-285750">
+              <a:buFont typeface="Wingdings" pitchFamily="2" charset="2"/>
+              <a:buChar char="Ø"/>
+            </a:pPr>
+            <a:r>
+              <a:rPr lang="de-DE" dirty="0" smtClean="0"/>
+              <a:t>Server wird mit folgender Hardware betrieben:</a:t>
+            </a:r>
+          </a:p>
+          <a:p>
+            <a:r>
+              <a:rPr lang="de-DE" dirty="0"/>
+              <a:t>	</a:t>
+            </a:r>
+            <a:r>
+              <a:rPr lang="de-DE" dirty="0" smtClean="0"/>
+              <a:t>- 2GB RAM</a:t>
+            </a:r>
+          </a:p>
+          <a:p>
+            <a:r>
+              <a:rPr lang="de-DE" dirty="0"/>
+              <a:t>	</a:t>
+            </a:r>
+            <a:r>
+              <a:rPr lang="de-DE" dirty="0" smtClean="0"/>
+              <a:t>- Prozessor mit mind. 2,0 GHz</a:t>
+            </a:r>
+          </a:p>
+          <a:p>
+            <a:r>
+              <a:rPr lang="de-DE" dirty="0"/>
+              <a:t>	</a:t>
+            </a:r>
+            <a:r>
+              <a:rPr lang="de-DE" dirty="0" smtClean="0"/>
+              <a:t>- 320GB Festplattenspeicher</a:t>
+            </a:r>
+          </a:p>
+        </p:txBody>
+      </p:sp>
+      <p:sp>
+        <p:nvSpPr>
+          <p:cNvPr id="3" name="Textfeld 2"/>
+          <p:cNvSpPr txBox="1"/>
+          <p:nvPr/>
+        </p:nvSpPr>
+        <p:spPr>
+          <a:xfrm>
+            <a:off x="1044370" y="3845133"/>
+            <a:ext cx="1697901" cy="369332"/>
+          </a:xfrm>
+          <a:prstGeom prst="rect">
+            <a:avLst/>
+          </a:prstGeom>
+          <a:noFill/>
+        </p:spPr>
+        <p:txBody>
+          <a:bodyPr wrap="none" rtlCol="0">
+            <a:spAutoFit/>
+          </a:bodyPr>
+          <a:lstStyle/>
+          <a:p>
+            <a:r>
+              <a:rPr lang="de-DE" b="1" dirty="0" smtClean="0"/>
+              <a:t>3.4.3 Orgware</a:t>
+            </a:r>
+            <a:endParaRPr lang="de-DE" b="1" dirty="0"/>
+          </a:p>
+        </p:txBody>
+      </p:sp>
+      <p:sp>
+        <p:nvSpPr>
+          <p:cNvPr id="6" name="Textfeld 5"/>
+          <p:cNvSpPr txBox="1"/>
+          <p:nvPr/>
+        </p:nvSpPr>
+        <p:spPr>
+          <a:xfrm>
+            <a:off x="1691680" y="4437112"/>
+            <a:ext cx="4380430" cy="369332"/>
+          </a:xfrm>
+          <a:prstGeom prst="rect">
+            <a:avLst/>
+          </a:prstGeom>
+          <a:noFill/>
+        </p:spPr>
+        <p:txBody>
+          <a:bodyPr wrap="none" rtlCol="0">
+            <a:spAutoFit/>
+          </a:bodyPr>
+          <a:lstStyle/>
+          <a:p>
+            <a:pPr marL="285750" indent="-285750">
+              <a:buFont typeface="Wingdings" pitchFamily="2" charset="2"/>
+              <a:buChar char="Ø"/>
+            </a:pPr>
+            <a:r>
+              <a:rPr lang="de-DE" dirty="0" smtClean="0"/>
+              <a:t>Back-Up wird alle 3 Tage durchgeführt</a:t>
+            </a:r>
+            <a:endParaRPr lang="de-DE" dirty="0"/>
+          </a:p>
+        </p:txBody>
+      </p:sp>
     </p:spTree>
     <p:extLst>
       <p:ext uri="{BB962C8B-B14F-4D97-AF65-F5344CB8AC3E}">
-        <p14:creationId xmlns:p14="http://schemas.microsoft.com/office/powerpoint/2010/main" val="177550236"/>
+        <p14:creationId xmlns:p14="http://schemas.microsoft.com/office/powerpoint/2010/main" val="1393940364"/>
       </p:ext>
     </p:extLst>
   </p:cSld>
   <p:clrMapOvr>
     <a:masterClrMapping/>
   </p:clrMapOvr>
-  <p:transition spd="slow">
-    <p:push dir="u"/>
-  </p:transition>
+  <mc:AlternateContent xmlns:mc="http://schemas.openxmlformats.org/markup-compatibility/2006">
+    <mc:Choice xmlns:p14="http://schemas.microsoft.com/office/powerpoint/2010/main" Requires="p14">
+      <p:transition spd="med" p14:dur="700">
+        <p:fade/>
+      </p:transition>
+    </mc:Choice>
+    <mc:Fallback>
+      <p:transition spd="med">
+        <p:fade/>
+      </p:transition>
+    </mc:Fallback>
+  </mc:AlternateContent>
   <p:timing>
     <p:tnLst>
       <p:par>
@@ -4382,60 +4907,78 @@
           <a:chExt cx="0" cy="0"/>
         </a:xfrm>
       </p:grpSpPr>
-      <p:sp>
-        <p:nvSpPr>
-          <p:cNvPr id="4" name="Textfeld 3"/>
-          <p:cNvSpPr txBox="1"/>
-          <p:nvPr/>
-        </p:nvSpPr>
-        <p:spPr>
-          <a:xfrm>
-            <a:off x="971600" y="967370"/>
-            <a:ext cx="3937809" cy="369332"/>
-          </a:xfrm>
-          <a:prstGeom prst="rect">
-            <a:avLst/>
-          </a:prstGeom>
-          <a:noFill/>
-        </p:spPr>
-        <p:txBody>
-          <a:bodyPr wrap="none" rtlCol="0">
-            <a:spAutoFit/>
-          </a:bodyPr>
-          <a:lstStyle/>
-          <a:p>
-            <a:r>
-              <a:rPr lang="de-DE" b="1" dirty="0" smtClean="0"/>
-              <a:t>3.4 Technische Produktumgebung</a:t>
-            </a:r>
-            <a:endParaRPr lang="de-DE" b="1" dirty="0"/>
-          </a:p>
-        </p:txBody>
-      </p:sp>
-      <p:sp>
-        <p:nvSpPr>
-          <p:cNvPr id="5" name="Textfeld 4"/>
-          <p:cNvSpPr txBox="1"/>
-          <p:nvPr/>
-        </p:nvSpPr>
-        <p:spPr>
-          <a:xfrm>
-            <a:off x="611560" y="359078"/>
-            <a:ext cx="2563522" cy="523220"/>
-          </a:xfrm>
-          <a:prstGeom prst="rect">
-            <a:avLst/>
-          </a:prstGeom>
-          <a:noFill/>
-        </p:spPr>
-        <p:txBody>
-          <a:bodyPr wrap="none" rtlCol="0">
-            <a:spAutoFit/>
-          </a:bodyPr>
-          <a:lstStyle/>
-          <a:p>
-            <a:r>
-              <a:rPr lang="de-DE" sz="2800" dirty="0" smtClean="0">
+      <p:pic>
+        <p:nvPicPr>
+          <p:cNvPr id="3" name="Picture 2" descr="C:\Users\The Lin Nguyen\crowd-innovation\Meilenstein_3\Daten\crowd_innovation.jpg"/>
+          <p:cNvPicPr>
+            <a:picLocks noChangeAspect="1" noChangeArrowheads="1"/>
+          </p:cNvPicPr>
+          <p:nvPr/>
+        </p:nvPicPr>
+        <p:blipFill>
+          <a:blip r:embed="rId2" cstate="print">
+            <a:extLst>
+              <a:ext uri="{28A0092B-C50C-407E-A947-70E740481C1C}">
+                <a14:useLocalDpi xmlns:a14="http://schemas.microsoft.com/office/drawing/2010/main" val="0"/>
+              </a:ext>
+            </a:extLst>
+          </a:blip>
+          <a:srcRect/>
+          <a:stretch>
+            <a:fillRect/>
+          </a:stretch>
+        </p:blipFill>
+        <p:spPr bwMode="auto">
+          <a:xfrm>
+            <a:off x="827584" y="997773"/>
+            <a:ext cx="6912768" cy="4887691"/>
+          </a:xfrm>
+          <a:prstGeom prst="rect">
+            <a:avLst/>
+          </a:prstGeom>
+          <a:ln>
+            <a:noFill/>
+          </a:ln>
+          <a:effectLst>
+            <a:outerShdw blurRad="292100" dist="139700" dir="2700000" algn="tl" rotWithShape="0">
+              <a:srgbClr val="333333">
+                <a:alpha val="65000"/>
+              </a:srgbClr>
+            </a:outerShdw>
+          </a:effectLst>
+          <a:extLst>
+            <a:ext uri="{909E8E84-426E-40DD-AFC4-6F175D3DCCD1}">
+              <a14:hiddenFill xmlns:a14="http://schemas.microsoft.com/office/drawing/2010/main">
+                <a:solidFill>
+                  <a:srgbClr val="FFFFFF"/>
+                </a:solidFill>
+              </a14:hiddenFill>
+            </a:ext>
+          </a:extLst>
+        </p:spPr>
+      </p:pic>
+      <p:sp>
+        <p:nvSpPr>
+          <p:cNvPr id="2" name="Titel 1"/>
+          <p:cNvSpPr>
+            <a:spLocks noGrp="1"/>
+          </p:cNvSpPr>
+          <p:nvPr>
+            <p:ph type="title"/>
+          </p:nvPr>
+        </p:nvSpPr>
+        <p:spPr>
+          <a:xfrm>
+            <a:off x="2339752" y="6021288"/>
+            <a:ext cx="5976664" cy="638836"/>
+          </a:xfrm>
+        </p:spPr>
+        <p:txBody>
+          <a:bodyPr/>
+          <a:lstStyle/>
+          <a:p>
+            <a:r>
+              <a:rPr lang="de-DE" sz="4000" b="1" dirty="0" smtClean="0">
                 <a:effectLst>
                   <a:outerShdw blurRad="38100" dist="38100" dir="2700000" algn="tl">
                     <a:srgbClr val="000000">
@@ -4443,10 +4986,11 @@
                     </a:srgbClr>
                   </a:outerShdw>
                 </a:effectLst>
+                <a:latin typeface="+mn-lt"/>
               </a:rPr>
-              <a:t>Produkteinsatz</a:t>
-            </a:r>
-            <a:endParaRPr lang="de-DE" sz="2800" dirty="0">
+              <a:t>4 Produktübersicht</a:t>
+            </a:r>
+            <a:endParaRPr lang="de-DE" sz="4000" b="1" dirty="0">
               <a:effectLst>
                 <a:outerShdw blurRad="38100" dist="38100" dir="2700000" algn="tl">
                   <a:srgbClr val="000000">
@@ -4454,6 +4998,7 @@
                   </a:srgbClr>
                 </a:outerShdw>
               </a:effectLst>
+              <a:latin typeface="+mn-lt"/>
             </a:endParaRPr>
           </a:p>
         </p:txBody>
@@ -4461,7 +5006,7 @@
     </p:spTree>
     <p:extLst>
       <p:ext uri="{BB962C8B-B14F-4D97-AF65-F5344CB8AC3E}">
-        <p14:creationId xmlns:p14="http://schemas.microsoft.com/office/powerpoint/2010/main" val="3621131919"/>
+        <p14:creationId xmlns:p14="http://schemas.microsoft.com/office/powerpoint/2010/main" val="1466988825"/>
       </p:ext>
     </p:extLst>
   </p:cSld>
@@ -4506,38 +5051,8 @@
         </p:nvSpPr>
         <p:spPr>
           <a:xfrm>
-            <a:off x="971600" y="967370"/>
-            <a:ext cx="3031599" cy="369332"/>
-          </a:xfrm>
-          <a:prstGeom prst="rect">
-            <a:avLst/>
-          </a:prstGeom>
-          <a:noFill/>
-        </p:spPr>
-        <p:txBody>
-          <a:bodyPr wrap="none" rtlCol="0">
-            <a:spAutoFit/>
-          </a:bodyPr>
-          <a:lstStyle/>
-          <a:p>
-            <a:r>
-              <a:rPr lang="de-DE" b="1" dirty="0" smtClean="0"/>
-              <a:t>3.5 Produkt-Schnittstellen</a:t>
-            </a:r>
-            <a:endParaRPr lang="de-DE" b="1" dirty="0"/>
-          </a:p>
-        </p:txBody>
-      </p:sp>
-      <p:sp>
-        <p:nvSpPr>
-          <p:cNvPr id="5" name="Textfeld 4"/>
-          <p:cNvSpPr txBox="1"/>
-          <p:nvPr/>
-        </p:nvSpPr>
-        <p:spPr>
-          <a:xfrm>
-            <a:off x="611560" y="359078"/>
-            <a:ext cx="2563522" cy="523220"/>
+            <a:off x="504884" y="285769"/>
+            <a:ext cx="2884123" cy="523220"/>
           </a:xfrm>
           <a:prstGeom prst="rect">
             <a:avLst/>
@@ -4560,7 +5075,7 @@
                   </a:outerShdw>
                 </a:effectLst>
               </a:rPr>
-              <a:t>Produkteinsatz</a:t>
+              <a:t>Produktübersicht</a:t>
             </a:r>
             <a:endParaRPr lang="de-DE" sz="2800" dirty="0">
               <a:effectLst>
@@ -4574,19 +5089,69 @@
           </a:p>
         </p:txBody>
       </p:sp>
+      <p:pic>
+        <p:nvPicPr>
+          <p:cNvPr id="1026" name="Picture 2" descr="C:\Users\The Lin Nguyen\Desktop\use1.png"/>
+          <p:cNvPicPr>
+            <a:picLocks noChangeAspect="1" noChangeArrowheads="1"/>
+          </p:cNvPicPr>
+          <p:nvPr/>
+        </p:nvPicPr>
+        <p:blipFill>
+          <a:blip r:embed="rId2" cstate="print">
+            <a:extLst>
+              <a:ext uri="{28A0092B-C50C-407E-A947-70E740481C1C}">
+                <a14:useLocalDpi xmlns:a14="http://schemas.microsoft.com/office/drawing/2010/main" val="0"/>
+              </a:ext>
+            </a:extLst>
+          </a:blip>
+          <a:srcRect/>
+          <a:stretch>
+            <a:fillRect/>
+          </a:stretch>
+        </p:blipFill>
+        <p:spPr bwMode="auto">
+          <a:xfrm>
+            <a:off x="-324544" y="1052736"/>
+            <a:ext cx="9145016" cy="8226152"/>
+          </a:xfrm>
+          <a:prstGeom prst="rect">
+            <a:avLst/>
+          </a:prstGeom>
+          <a:noFill/>
+          <a:extLst>
+            <a:ext uri="{909E8E84-426E-40DD-AFC4-6F175D3DCCD1}">
+              <a14:hiddenFill xmlns:a14="http://schemas.microsoft.com/office/drawing/2010/main">
+                <a:solidFill>
+                  <a:srgbClr val="FFFFFF"/>
+                </a:solidFill>
+              </a14:hiddenFill>
+            </a:ext>
+          </a:extLst>
+        </p:spPr>
+      </p:pic>
     </p:spTree>
     <p:extLst>
       <p:ext uri="{BB962C8B-B14F-4D97-AF65-F5344CB8AC3E}">
-        <p14:creationId xmlns:p14="http://schemas.microsoft.com/office/powerpoint/2010/main" val="1393940364"/>
+        <p14:creationId xmlns:p14="http://schemas.microsoft.com/office/powerpoint/2010/main" val="2323524899"/>
       </p:ext>
     </p:extLst>
   </p:cSld>
   <p:clrMapOvr>
     <a:masterClrMapping/>
   </p:clrMapOvr>
-  <p:transition spd="slow">
-    <p:push dir="u"/>
-  </p:transition>
+  <mc:AlternateContent xmlns:mc="http://schemas.openxmlformats.org/markup-compatibility/2006">
+    <mc:Choice xmlns:p14="http://schemas.microsoft.com/office/powerpoint/2010/main" Requires="p14">
+      <p:transition spd="med" p14:dur="700">
+        <p:fade/>
+      </p:transition>
+    </mc:Choice>
+    <mc:Fallback>
+      <p:transition spd="med">
+        <p:fade/>
+      </p:transition>
+    </mc:Fallback>
+  </mc:AlternateContent>
   <p:timing>
     <p:tnLst>
       <p:par>
@@ -4676,8 +5241,8 @@
         </p:nvSpPr>
         <p:spPr>
           <a:xfrm>
-            <a:off x="2339752" y="6021288"/>
-            <a:ext cx="5976664" cy="638836"/>
+            <a:off x="1835696" y="6021288"/>
+            <a:ext cx="6480720" cy="638836"/>
           </a:xfrm>
         </p:spPr>
         <p:txBody>
@@ -4695,7 +5260,7 @@
                 </a:effectLst>
                 <a:latin typeface="+mn-lt"/>
               </a:rPr>
-              <a:t>4 Produktübersicht</a:t>
+              <a:t>5 Produktinformation</a:t>
             </a:r>
             <a:endParaRPr lang="de-DE" sz="4000" b="1" dirty="0">
               <a:effectLst>
@@ -4713,7 +5278,7 @@
     </p:spTree>
     <p:extLst>
       <p:ext uri="{BB962C8B-B14F-4D97-AF65-F5344CB8AC3E}">
-        <p14:creationId xmlns:p14="http://schemas.microsoft.com/office/powerpoint/2010/main" val="1466988825"/>
+        <p14:creationId xmlns:p14="http://schemas.microsoft.com/office/powerpoint/2010/main" val="1760382619"/>
       </p:ext>
     </p:extLst>
   </p:cSld>
@@ -4759,7 +5324,7 @@
         <p:spPr>
           <a:xfrm>
             <a:off x="504884" y="285769"/>
-            <a:ext cx="2884123" cy="523220"/>
+            <a:ext cx="3204723" cy="523220"/>
           </a:xfrm>
           <a:prstGeom prst="rect">
             <a:avLst/>
@@ -4782,7 +5347,7 @@
                   </a:outerShdw>
                 </a:effectLst>
               </a:rPr>
-              <a:t>Produktübersicht</a:t>
+              <a:t>Produktinformation</a:t>
             </a:r>
             <a:endParaRPr lang="de-DE" sz="2800" dirty="0">
               <a:effectLst>
@@ -4796,19 +5361,284 @@
           </a:p>
         </p:txBody>
       </p:sp>
+      <p:sp>
+        <p:nvSpPr>
+          <p:cNvPr id="2" name="Textfeld 1"/>
+          <p:cNvSpPr txBox="1"/>
+          <p:nvPr/>
+        </p:nvSpPr>
+        <p:spPr>
+          <a:xfrm>
+            <a:off x="877870" y="2724798"/>
+            <a:ext cx="2458750" cy="369332"/>
+          </a:xfrm>
+          <a:prstGeom prst="rect">
+            <a:avLst/>
+          </a:prstGeom>
+          <a:noFill/>
+        </p:spPr>
+        <p:txBody>
+          <a:bodyPr wrap="none" rtlCol="0">
+            <a:spAutoFit/>
+          </a:bodyPr>
+          <a:lstStyle/>
+          <a:p>
+            <a:r>
+              <a:rPr lang="de-DE" b="1" dirty="0" smtClean="0"/>
+              <a:t>5.1 Authentifizierung</a:t>
+            </a:r>
+            <a:endParaRPr lang="de-DE" b="1" dirty="0"/>
+          </a:p>
+        </p:txBody>
+      </p:sp>
+      <p:sp>
+        <p:nvSpPr>
+          <p:cNvPr id="3" name="Textfeld 2"/>
+          <p:cNvSpPr txBox="1"/>
+          <p:nvPr/>
+        </p:nvSpPr>
+        <p:spPr>
+          <a:xfrm>
+            <a:off x="1344366" y="1124743"/>
+            <a:ext cx="6538970" cy="1200329"/>
+          </a:xfrm>
+          <a:prstGeom prst="rect">
+            <a:avLst/>
+          </a:prstGeom>
+          <a:noFill/>
+        </p:spPr>
+        <p:txBody>
+          <a:bodyPr wrap="none" rtlCol="0">
+            <a:spAutoFit/>
+          </a:bodyPr>
+          <a:lstStyle/>
+          <a:p>
+            <a:pPr marL="285750" indent="-285750">
+              <a:buFont typeface="Wingdings" pitchFamily="2" charset="2"/>
+              <a:buChar char="Ø"/>
+            </a:pPr>
+            <a:r>
+              <a:rPr lang="de-DE" dirty="0" smtClean="0"/>
+              <a:t>Benutzeroberfläche des Ideenportals soll mit Hilfe von Java</a:t>
+            </a:r>
+          </a:p>
+          <a:p>
+            <a:r>
+              <a:rPr lang="de-DE" dirty="0"/>
+              <a:t> </a:t>
+            </a:r>
+            <a:r>
+              <a:rPr lang="de-DE" dirty="0" smtClean="0"/>
+              <a:t>    generiert werden</a:t>
+            </a:r>
+          </a:p>
+          <a:p>
+            <a:pPr marL="285750" indent="-285750">
+              <a:buFont typeface="Wingdings" pitchFamily="2" charset="2"/>
+              <a:buChar char="Ø"/>
+            </a:pPr>
+            <a:r>
+              <a:rPr lang="de-DE" dirty="0" smtClean="0"/>
+              <a:t>Übertragung als HTML und CSS an die registrierten Mit-</a:t>
+            </a:r>
+          </a:p>
+          <a:p>
+            <a:r>
+              <a:rPr lang="de-DE" dirty="0"/>
+              <a:t> </a:t>
+            </a:r>
+            <a:r>
+              <a:rPr lang="de-DE" dirty="0" smtClean="0"/>
+              <a:t>    </a:t>
+            </a:r>
+            <a:r>
+              <a:rPr lang="de-DE" dirty="0" err="1" smtClean="0"/>
+              <a:t>arbeiter</a:t>
+            </a:r>
+            <a:endParaRPr lang="de-DE" dirty="0"/>
+          </a:p>
+        </p:txBody>
+      </p:sp>
+      <p:sp>
+        <p:nvSpPr>
+          <p:cNvPr id="5" name="Textfeld 4"/>
+          <p:cNvSpPr txBox="1"/>
+          <p:nvPr/>
+        </p:nvSpPr>
+        <p:spPr>
+          <a:xfrm>
+            <a:off x="1344366" y="3343943"/>
+            <a:ext cx="6179962" cy="369332"/>
+          </a:xfrm>
+          <a:prstGeom prst="rect">
+            <a:avLst/>
+          </a:prstGeom>
+          <a:noFill/>
+        </p:spPr>
+        <p:txBody>
+          <a:bodyPr wrap="none" rtlCol="0">
+            <a:spAutoFit/>
+          </a:bodyPr>
+          <a:lstStyle/>
+          <a:p>
+            <a:pPr marL="285750" indent="-285750">
+              <a:buFont typeface="Wingdings" pitchFamily="2" charset="2"/>
+              <a:buChar char="Ø"/>
+            </a:pPr>
+            <a:r>
+              <a:rPr lang="de-DE" dirty="0" smtClean="0"/>
+              <a:t>erlaubt Mitarbeitern Aktionen am System durchzuführen </a:t>
+            </a:r>
+            <a:endParaRPr lang="de-DE" dirty="0"/>
+          </a:p>
+        </p:txBody>
+      </p:sp>
+      <p:sp>
+        <p:nvSpPr>
+          <p:cNvPr id="6" name="Textfeld 5"/>
+          <p:cNvSpPr txBox="1"/>
+          <p:nvPr/>
+        </p:nvSpPr>
+        <p:spPr>
+          <a:xfrm>
+            <a:off x="1055954" y="3899502"/>
+            <a:ext cx="1326004" cy="369332"/>
+          </a:xfrm>
+          <a:prstGeom prst="rect">
+            <a:avLst/>
+          </a:prstGeom>
+          <a:noFill/>
+        </p:spPr>
+        <p:txBody>
+          <a:bodyPr wrap="none" rtlCol="0">
+            <a:spAutoFit/>
+          </a:bodyPr>
+          <a:lstStyle/>
+          <a:p>
+            <a:r>
+              <a:rPr lang="de-DE" dirty="0" smtClean="0"/>
+              <a:t>5.1.1 Login</a:t>
+            </a:r>
+            <a:endParaRPr lang="de-DE" dirty="0"/>
+          </a:p>
+        </p:txBody>
+      </p:sp>
+      <p:sp>
+        <p:nvSpPr>
+          <p:cNvPr id="7" name="Textfeld 6"/>
+          <p:cNvSpPr txBox="1"/>
+          <p:nvPr/>
+        </p:nvSpPr>
+        <p:spPr>
+          <a:xfrm>
+            <a:off x="1055954" y="5075892"/>
+            <a:ext cx="2005677" cy="369332"/>
+          </a:xfrm>
+          <a:prstGeom prst="rect">
+            <a:avLst/>
+          </a:prstGeom>
+          <a:noFill/>
+        </p:spPr>
+        <p:txBody>
+          <a:bodyPr wrap="none" rtlCol="0">
+            <a:spAutoFit/>
+          </a:bodyPr>
+          <a:lstStyle/>
+          <a:p>
+            <a:r>
+              <a:rPr lang="de-DE" dirty="0" smtClean="0"/>
+              <a:t>5.1.3 Registrieren</a:t>
+            </a:r>
+            <a:endParaRPr lang="de-DE" dirty="0"/>
+          </a:p>
+        </p:txBody>
+      </p:sp>
+      <p:sp>
+        <p:nvSpPr>
+          <p:cNvPr id="8" name="Textfeld 7"/>
+          <p:cNvSpPr txBox="1"/>
+          <p:nvPr/>
+        </p:nvSpPr>
+        <p:spPr>
+          <a:xfrm>
+            <a:off x="1055954" y="4499828"/>
+            <a:ext cx="1467068" cy="369332"/>
+          </a:xfrm>
+          <a:prstGeom prst="rect">
+            <a:avLst/>
+          </a:prstGeom>
+          <a:noFill/>
+        </p:spPr>
+        <p:txBody>
+          <a:bodyPr wrap="none" rtlCol="0">
+            <a:spAutoFit/>
+          </a:bodyPr>
+          <a:lstStyle/>
+          <a:p>
+            <a:r>
+              <a:rPr lang="de-DE" dirty="0" smtClean="0"/>
+              <a:t>5.1.2 </a:t>
+            </a:r>
+            <a:r>
+              <a:rPr lang="de-DE" dirty="0" err="1" smtClean="0"/>
+              <a:t>Logout</a:t>
+            </a:r>
+            <a:endParaRPr lang="de-DE" dirty="0"/>
+          </a:p>
+        </p:txBody>
+      </p:sp>
+      <p:sp>
+        <p:nvSpPr>
+          <p:cNvPr id="11" name="Textfeld 10"/>
+          <p:cNvSpPr txBox="1"/>
+          <p:nvPr/>
+        </p:nvSpPr>
+        <p:spPr>
+          <a:xfrm>
+            <a:off x="1055954" y="5723964"/>
+            <a:ext cx="1582484" cy="369332"/>
+          </a:xfrm>
+          <a:prstGeom prst="rect">
+            <a:avLst/>
+          </a:prstGeom>
+          <a:noFill/>
+        </p:spPr>
+        <p:txBody>
+          <a:bodyPr wrap="none" rtlCol="0">
+            <a:spAutoFit/>
+          </a:bodyPr>
+          <a:lstStyle/>
+          <a:p>
+            <a:r>
+              <a:rPr lang="de-DE" dirty="0" smtClean="0"/>
+              <a:t>5.1.4 Sperren</a:t>
+            </a:r>
+            <a:endParaRPr lang="de-DE" dirty="0"/>
+          </a:p>
+        </p:txBody>
+      </p:sp>
     </p:spTree>
     <p:extLst>
       <p:ext uri="{BB962C8B-B14F-4D97-AF65-F5344CB8AC3E}">
-        <p14:creationId xmlns:p14="http://schemas.microsoft.com/office/powerpoint/2010/main" val="2323524899"/>
+        <p14:creationId xmlns:p14="http://schemas.microsoft.com/office/powerpoint/2010/main" val="1269462012"/>
       </p:ext>
     </p:extLst>
   </p:cSld>
   <p:clrMapOvr>
     <a:masterClrMapping/>
   </p:clrMapOvr>
-  <p:transition spd="slow">
-    <p:push dir="u"/>
-  </p:transition>
+  <mc:AlternateContent xmlns:mc="http://schemas.openxmlformats.org/markup-compatibility/2006">
+    <mc:Choice xmlns:p14="http://schemas.microsoft.com/office/powerpoint/2010/main" Requires="p14">
+      <p:transition spd="med" p14:dur="700">
+        <p:fade/>
+      </p:transition>
+    </mc:Choice>
+    <mc:Fallback>
+      <p:transition spd="med">
+        <p:fade/>
+      </p:transition>
+    </mc:Fallback>
+  </mc:AlternateContent>
   <p:timing>
     <p:tnLst>
       <p:par>
@@ -4836,78 +5666,30 @@
           <a:chExt cx="0" cy="0"/>
         </a:xfrm>
       </p:grpSpPr>
-      <p:pic>
-        <p:nvPicPr>
-          <p:cNvPr id="3" name="Picture 2" descr="C:\Users\The Lin Nguyen\crowd-innovation\Meilenstein_3\Daten\crowd_innovation.jpg"/>
-          <p:cNvPicPr>
-            <a:picLocks noChangeAspect="1" noChangeArrowheads="1"/>
-          </p:cNvPicPr>
-          <p:nvPr/>
-        </p:nvPicPr>
-        <p:blipFill>
-          <a:blip r:embed="rId2" cstate="print">
-            <a:extLst>
-              <a:ext uri="{28A0092B-C50C-407E-A947-70E740481C1C}">
-                <a14:useLocalDpi xmlns:a14="http://schemas.microsoft.com/office/drawing/2010/main" val="0"/>
-              </a:ext>
-            </a:extLst>
-          </a:blip>
-          <a:srcRect/>
-          <a:stretch>
-            <a:fillRect/>
-          </a:stretch>
-        </p:blipFill>
-        <p:spPr bwMode="auto">
-          <a:xfrm>
-            <a:off x="827584" y="997773"/>
-            <a:ext cx="6912768" cy="4887691"/>
-          </a:xfrm>
-          <a:prstGeom prst="rect">
-            <a:avLst/>
-          </a:prstGeom>
-          <a:ln>
-            <a:noFill/>
-          </a:ln>
-          <a:effectLst>
-            <a:outerShdw blurRad="292100" dist="139700" dir="2700000" algn="tl" rotWithShape="0">
-              <a:srgbClr val="333333">
-                <a:alpha val="65000"/>
-              </a:srgbClr>
-            </a:outerShdw>
-          </a:effectLst>
-          <a:extLst>
-            <a:ext uri="{909E8E84-426E-40DD-AFC4-6F175D3DCCD1}">
-              <a14:hiddenFill xmlns:a14="http://schemas.microsoft.com/office/drawing/2010/main">
-                <a:solidFill>
-                  <a:srgbClr val="FFFFFF"/>
-                </a:solidFill>
-              </a14:hiddenFill>
-            </a:ext>
-          </a:extLst>
-        </p:spPr>
-      </p:pic>
-      <p:sp>
-        <p:nvSpPr>
-          <p:cNvPr id="2" name="Titel 1"/>
-          <p:cNvSpPr>
-            <a:spLocks noGrp="1"/>
-          </p:cNvSpPr>
-          <p:nvPr>
-            <p:ph type="title"/>
-          </p:nvPr>
-        </p:nvSpPr>
-        <p:spPr>
-          <a:xfrm>
-            <a:off x="1835696" y="6021288"/>
-            <a:ext cx="6480720" cy="638836"/>
-          </a:xfrm>
-        </p:spPr>
-        <p:txBody>
-          <a:bodyPr/>
-          <a:lstStyle/>
-          <a:p>
-            <a:r>
-              <a:rPr lang="de-DE" sz="4000" b="1" dirty="0" smtClean="0">
+      <p:sp>
+        <p:nvSpPr>
+          <p:cNvPr id="4" name="Textfeld 3"/>
+          <p:cNvSpPr txBox="1"/>
+          <p:nvPr/>
+        </p:nvSpPr>
+        <p:spPr>
+          <a:xfrm>
+            <a:off x="504884" y="285769"/>
+            <a:ext cx="3204723" cy="523220"/>
+          </a:xfrm>
+          <a:prstGeom prst="rect">
+            <a:avLst/>
+          </a:prstGeom>
+          <a:noFill/>
+        </p:spPr>
+        <p:txBody>
+          <a:bodyPr wrap="none" rtlCol="0">
+            <a:spAutoFit/>
+          </a:bodyPr>
+          <a:lstStyle/>
+          <a:p>
+            <a:r>
+              <a:rPr lang="de-DE" sz="2800" dirty="0" smtClean="0">
                 <a:effectLst>
                   <a:outerShdw blurRad="38100" dist="38100" dir="2700000" algn="tl">
                     <a:srgbClr val="000000">
@@ -4915,11 +5697,10 @@
                     </a:srgbClr>
                   </a:outerShdw>
                 </a:effectLst>
-                <a:latin typeface="+mn-lt"/>
               </a:rPr>
-              <a:t>5 Produktinformation</a:t>
-            </a:r>
-            <a:endParaRPr lang="de-DE" sz="4000" b="1" dirty="0">
+              <a:t>Produktinformation</a:t>
+            </a:r>
+            <a:endParaRPr lang="de-DE" sz="2800" dirty="0">
               <a:effectLst>
                 <a:outerShdw blurRad="38100" dist="38100" dir="2700000" algn="tl">
                   <a:srgbClr val="000000">
@@ -4927,24 +5708,248 @@
                   </a:srgbClr>
                 </a:outerShdw>
               </a:effectLst>
-              <a:latin typeface="+mn-lt"/>
             </a:endParaRPr>
+          </a:p>
+        </p:txBody>
+      </p:sp>
+      <p:sp>
+        <p:nvSpPr>
+          <p:cNvPr id="2" name="Textfeld 1"/>
+          <p:cNvSpPr txBox="1"/>
+          <p:nvPr/>
+        </p:nvSpPr>
+        <p:spPr>
+          <a:xfrm>
+            <a:off x="1043608" y="1506850"/>
+            <a:ext cx="2189446" cy="369332"/>
+          </a:xfrm>
+          <a:prstGeom prst="rect">
+            <a:avLst/>
+          </a:prstGeom>
+          <a:noFill/>
+        </p:spPr>
+        <p:txBody>
+          <a:bodyPr wrap="none" rtlCol="0">
+            <a:spAutoFit/>
+          </a:bodyPr>
+          <a:lstStyle/>
+          <a:p>
+            <a:r>
+              <a:rPr lang="de-DE" b="1" dirty="0" smtClean="0"/>
+              <a:t>5.2 Administration</a:t>
+            </a:r>
+            <a:endParaRPr lang="de-DE" b="1" dirty="0"/>
+          </a:p>
+        </p:txBody>
+      </p:sp>
+      <p:sp>
+        <p:nvSpPr>
+          <p:cNvPr id="3" name="Textfeld 2"/>
+          <p:cNvSpPr txBox="1"/>
+          <p:nvPr/>
+        </p:nvSpPr>
+        <p:spPr>
+          <a:xfrm>
+            <a:off x="1331640" y="2123564"/>
+            <a:ext cx="6026073" cy="369332"/>
+          </a:xfrm>
+          <a:prstGeom prst="rect">
+            <a:avLst/>
+          </a:prstGeom>
+          <a:noFill/>
+        </p:spPr>
+        <p:txBody>
+          <a:bodyPr wrap="none" rtlCol="0">
+            <a:spAutoFit/>
+          </a:bodyPr>
+          <a:lstStyle/>
+          <a:p>
+            <a:pPr marL="285750" indent="-285750">
+              <a:buFont typeface="Wingdings" pitchFamily="2" charset="2"/>
+              <a:buChar char="Ø"/>
+            </a:pPr>
+            <a:r>
+              <a:rPr lang="de-DE" dirty="0" smtClean="0"/>
+              <a:t>System wird durch Administratoren technisch gewartet</a:t>
+            </a:r>
+            <a:endParaRPr lang="de-DE" dirty="0"/>
+          </a:p>
+        </p:txBody>
+      </p:sp>
+      <p:sp>
+        <p:nvSpPr>
+          <p:cNvPr id="5" name="Textfeld 4"/>
+          <p:cNvSpPr txBox="1"/>
+          <p:nvPr/>
+        </p:nvSpPr>
+        <p:spPr>
+          <a:xfrm>
+            <a:off x="1043608" y="2994067"/>
+            <a:ext cx="2390398" cy="369332"/>
+          </a:xfrm>
+          <a:prstGeom prst="rect">
+            <a:avLst/>
+          </a:prstGeom>
+          <a:noFill/>
+        </p:spPr>
+        <p:txBody>
+          <a:bodyPr wrap="none" rtlCol="0">
+            <a:spAutoFit/>
+          </a:bodyPr>
+          <a:lstStyle/>
+          <a:p>
+            <a:r>
+              <a:rPr lang="de-DE" b="1" dirty="0" smtClean="0"/>
+              <a:t>5.3 Ideen </a:t>
+            </a:r>
+            <a:r>
+              <a:rPr lang="de-DE" b="1" dirty="0" smtClean="0"/>
+              <a:t>einreichen</a:t>
+            </a:r>
+            <a:endParaRPr lang="de-DE" b="1" dirty="0"/>
+          </a:p>
+        </p:txBody>
+      </p:sp>
+      <p:sp>
+        <p:nvSpPr>
+          <p:cNvPr id="6" name="Textfeld 5"/>
+          <p:cNvSpPr txBox="1"/>
+          <p:nvPr/>
+        </p:nvSpPr>
+        <p:spPr>
+          <a:xfrm>
+            <a:off x="1331640" y="3574757"/>
+            <a:ext cx="5064207" cy="646331"/>
+          </a:xfrm>
+          <a:prstGeom prst="rect">
+            <a:avLst/>
+          </a:prstGeom>
+          <a:noFill/>
+        </p:spPr>
+        <p:txBody>
+          <a:bodyPr wrap="none" rtlCol="0">
+            <a:spAutoFit/>
+          </a:bodyPr>
+          <a:lstStyle/>
+          <a:p>
+            <a:pPr marL="285750" indent="-285750">
+              <a:buFont typeface="Wingdings" pitchFamily="2" charset="2"/>
+              <a:buChar char="Ø"/>
+            </a:pPr>
+            <a:r>
+              <a:rPr lang="de-DE" dirty="0" smtClean="0"/>
+              <a:t>reg. Mitarbeiter können neue Ideen zu einem</a:t>
+            </a:r>
+          </a:p>
+          <a:p>
+            <a:r>
+              <a:rPr lang="de-DE" dirty="0"/>
+              <a:t> </a:t>
+            </a:r>
+            <a:r>
+              <a:rPr lang="de-DE" dirty="0" smtClean="0"/>
+              <a:t>    Wettbewerb hochladen und bearbeiten </a:t>
+            </a:r>
+            <a:endParaRPr lang="de-DE" dirty="0"/>
+          </a:p>
+        </p:txBody>
+      </p:sp>
+      <p:sp>
+        <p:nvSpPr>
+          <p:cNvPr id="8" name="Textfeld 7"/>
+          <p:cNvSpPr txBox="1"/>
+          <p:nvPr/>
+        </p:nvSpPr>
+        <p:spPr>
+          <a:xfrm>
+            <a:off x="1043608" y="4673370"/>
+            <a:ext cx="2403222" cy="369332"/>
+          </a:xfrm>
+          <a:prstGeom prst="rect">
+            <a:avLst/>
+          </a:prstGeom>
+          <a:noFill/>
+        </p:spPr>
+        <p:txBody>
+          <a:bodyPr wrap="none" rtlCol="0">
+            <a:spAutoFit/>
+          </a:bodyPr>
+          <a:lstStyle/>
+          <a:p>
+            <a:r>
+              <a:rPr lang="de-DE" b="1" dirty="0" smtClean="0"/>
+              <a:t>5.4 Ideen beisteuern</a:t>
+            </a:r>
+            <a:endParaRPr lang="de-DE" b="1" dirty="0"/>
+          </a:p>
+        </p:txBody>
+      </p:sp>
+      <p:sp>
+        <p:nvSpPr>
+          <p:cNvPr id="9" name="Textfeld 8"/>
+          <p:cNvSpPr txBox="1"/>
+          <p:nvPr/>
+        </p:nvSpPr>
+        <p:spPr>
+          <a:xfrm>
+            <a:off x="1331640" y="5219908"/>
+            <a:ext cx="5795176" cy="646331"/>
+          </a:xfrm>
+          <a:prstGeom prst="rect">
+            <a:avLst/>
+          </a:prstGeom>
+          <a:noFill/>
+        </p:spPr>
+        <p:txBody>
+          <a:bodyPr wrap="none" rtlCol="0">
+            <a:spAutoFit/>
+          </a:bodyPr>
+          <a:lstStyle/>
+          <a:p>
+            <a:pPr marL="285750" indent="-285750">
+              <a:buFont typeface="Wingdings" pitchFamily="2" charset="2"/>
+              <a:buChar char="Ø"/>
+            </a:pPr>
+            <a:r>
+              <a:rPr lang="de-DE" dirty="0" smtClean="0"/>
+              <a:t>reg. Mitarbeiter können in einem Kommentarbereich</a:t>
+            </a:r>
+          </a:p>
+          <a:p>
+            <a:r>
+              <a:rPr lang="de-DE" dirty="0"/>
+              <a:t> </a:t>
+            </a:r>
+            <a:r>
+              <a:rPr lang="de-DE" dirty="0" smtClean="0"/>
+              <a:t>    Ideen vorschlagen und verbessern </a:t>
+            </a:r>
+            <a:endParaRPr lang="de-DE" dirty="0"/>
           </a:p>
         </p:txBody>
       </p:sp>
     </p:spTree>
     <p:extLst>
       <p:ext uri="{BB962C8B-B14F-4D97-AF65-F5344CB8AC3E}">
-        <p14:creationId xmlns:p14="http://schemas.microsoft.com/office/powerpoint/2010/main" val="1760382619"/>
+        <p14:creationId xmlns:p14="http://schemas.microsoft.com/office/powerpoint/2010/main" val="2671442653"/>
       </p:ext>
     </p:extLst>
   </p:cSld>
   <p:clrMapOvr>
     <a:masterClrMapping/>
   </p:clrMapOvr>
-  <p:transition spd="slow">
-    <p:push dir="u"/>
-  </p:transition>
+  <mc:AlternateContent xmlns:mc="http://schemas.openxmlformats.org/markup-compatibility/2006">
+    <mc:Choice xmlns:p14="http://schemas.microsoft.com/office/powerpoint/2010/main" Requires="p14">
+      <p:transition spd="med" p14:dur="700">
+        <p:fade/>
+      </p:transition>
+    </mc:Choice>
+    <mc:Fallback>
+      <p:transition spd="med">
+        <p:fade/>
+      </p:transition>
+    </mc:Fallback>
+  </mc:AlternateContent>
   <p:timing>
     <p:tnLst>
       <p:par>
@@ -5026,8 +6031,8 @@
         </p:nvSpPr>
         <p:spPr>
           <a:xfrm>
-            <a:off x="1043608" y="898140"/>
-            <a:ext cx="2458750" cy="369332"/>
+            <a:off x="982578" y="1043444"/>
+            <a:ext cx="2249334" cy="369332"/>
           </a:xfrm>
           <a:prstGeom prst="rect">
             <a:avLst/>
@@ -5042,25 +6047,206 @@
           <a:p>
             <a:r>
               <a:rPr lang="de-DE" b="1" dirty="0" smtClean="0"/>
-              <a:t>5.1 Authentifizierung</a:t>
+              <a:t>5.5 Ideen bewerten</a:t>
             </a:r>
             <a:endParaRPr lang="de-DE" b="1" dirty="0"/>
+          </a:p>
+        </p:txBody>
+      </p:sp>
+      <p:sp>
+        <p:nvSpPr>
+          <p:cNvPr id="5" name="Textfeld 4"/>
+          <p:cNvSpPr txBox="1"/>
+          <p:nvPr/>
+        </p:nvSpPr>
+        <p:spPr>
+          <a:xfrm>
+            <a:off x="982578" y="2708920"/>
+            <a:ext cx="2800767" cy="369332"/>
+          </a:xfrm>
+          <a:prstGeom prst="rect">
+            <a:avLst/>
+          </a:prstGeom>
+          <a:noFill/>
+        </p:spPr>
+        <p:txBody>
+          <a:bodyPr wrap="none" rtlCol="0">
+            <a:spAutoFit/>
+          </a:bodyPr>
+          <a:lstStyle/>
+          <a:p>
+            <a:r>
+              <a:rPr lang="de-DE" b="1" dirty="0" smtClean="0"/>
+              <a:t>5.6 Mitteilungen senden</a:t>
+            </a:r>
+            <a:endParaRPr lang="de-DE" b="1" dirty="0"/>
+          </a:p>
+        </p:txBody>
+      </p:sp>
+      <p:sp>
+        <p:nvSpPr>
+          <p:cNvPr id="6" name="Textfeld 5"/>
+          <p:cNvSpPr txBox="1"/>
+          <p:nvPr/>
+        </p:nvSpPr>
+        <p:spPr>
+          <a:xfrm>
+            <a:off x="982578" y="4581128"/>
+            <a:ext cx="2582758" cy="369332"/>
+          </a:xfrm>
+          <a:prstGeom prst="rect">
+            <a:avLst/>
+          </a:prstGeom>
+          <a:noFill/>
+        </p:spPr>
+        <p:txBody>
+          <a:bodyPr wrap="none" rtlCol="0">
+            <a:spAutoFit/>
+          </a:bodyPr>
+          <a:lstStyle/>
+          <a:p>
+            <a:r>
+              <a:rPr lang="de-DE" b="1" dirty="0" smtClean="0"/>
+              <a:t>5.7 Mitteilungen lesen</a:t>
+            </a:r>
+            <a:endParaRPr lang="de-DE" b="1" dirty="0"/>
+          </a:p>
+        </p:txBody>
+      </p:sp>
+      <p:sp>
+        <p:nvSpPr>
+          <p:cNvPr id="3" name="Textfeld 2"/>
+          <p:cNvSpPr txBox="1"/>
+          <p:nvPr/>
+        </p:nvSpPr>
+        <p:spPr>
+          <a:xfrm>
+            <a:off x="1196807" y="1643953"/>
+            <a:ext cx="6462025" cy="369332"/>
+          </a:xfrm>
+          <a:prstGeom prst="rect">
+            <a:avLst/>
+          </a:prstGeom>
+          <a:noFill/>
+        </p:spPr>
+        <p:txBody>
+          <a:bodyPr wrap="none" rtlCol="0">
+            <a:spAutoFit/>
+          </a:bodyPr>
+          <a:lstStyle/>
+          <a:p>
+            <a:pPr marL="285750" indent="-285750">
+              <a:buFont typeface="Wingdings" pitchFamily="2" charset="2"/>
+              <a:buChar char="Ø"/>
+            </a:pPr>
+            <a:r>
+              <a:rPr lang="de-DE" dirty="0" smtClean="0"/>
+              <a:t>hochgeladene Ideen können bewertet und kritisiert werden</a:t>
+            </a:r>
+            <a:endParaRPr lang="de-DE" dirty="0"/>
+          </a:p>
+        </p:txBody>
+      </p:sp>
+      <p:sp>
+        <p:nvSpPr>
+          <p:cNvPr id="7" name="Textfeld 6"/>
+          <p:cNvSpPr txBox="1"/>
+          <p:nvPr/>
+        </p:nvSpPr>
+        <p:spPr>
+          <a:xfrm>
+            <a:off x="1196807" y="3284984"/>
+            <a:ext cx="6449201" cy="646331"/>
+          </a:xfrm>
+          <a:prstGeom prst="rect">
+            <a:avLst/>
+          </a:prstGeom>
+          <a:noFill/>
+        </p:spPr>
+        <p:txBody>
+          <a:bodyPr wrap="none" rtlCol="0">
+            <a:spAutoFit/>
+          </a:bodyPr>
+          <a:lstStyle/>
+          <a:p>
+            <a:pPr marL="285750" indent="-285750">
+              <a:buFont typeface="Wingdings" pitchFamily="2" charset="2"/>
+              <a:buChar char="Ø"/>
+            </a:pPr>
+            <a:r>
+              <a:rPr lang="de-DE" dirty="0" smtClean="0"/>
+              <a:t>Juroren sind verpflichtet Benutzer über News und Updates</a:t>
+            </a:r>
+          </a:p>
+          <a:p>
+            <a:r>
+              <a:rPr lang="de-DE" dirty="0"/>
+              <a:t> </a:t>
+            </a:r>
+            <a:r>
+              <a:rPr lang="de-DE" dirty="0" smtClean="0"/>
+              <a:t>    des Portals zu informieren</a:t>
+            </a:r>
+            <a:endParaRPr lang="de-DE" dirty="0"/>
+          </a:p>
+        </p:txBody>
+      </p:sp>
+      <p:sp>
+        <p:nvSpPr>
+          <p:cNvPr id="9" name="Textfeld 8"/>
+          <p:cNvSpPr txBox="1"/>
+          <p:nvPr/>
+        </p:nvSpPr>
+        <p:spPr>
+          <a:xfrm>
+            <a:off x="1196807" y="5218801"/>
+            <a:ext cx="6250494" cy="369332"/>
+          </a:xfrm>
+          <a:prstGeom prst="rect">
+            <a:avLst/>
+          </a:prstGeom>
+          <a:noFill/>
+        </p:spPr>
+        <p:txBody>
+          <a:bodyPr wrap="none" rtlCol="0">
+            <a:spAutoFit/>
+          </a:bodyPr>
+          <a:lstStyle/>
+          <a:p>
+            <a:pPr marL="342900" indent="-342900">
+              <a:buFont typeface="Wingdings" pitchFamily="2" charset="2"/>
+              <a:buChar char="Ø"/>
+            </a:pPr>
+            <a:r>
+              <a:rPr lang="de-DE" dirty="0" smtClean="0"/>
+              <a:t>Benutzer erhalten über ihre E-Mail Adresse Mitteilungen</a:t>
+            </a:r>
+            <a:endParaRPr lang="de-DE" dirty="0"/>
           </a:p>
         </p:txBody>
       </p:sp>
     </p:spTree>
     <p:extLst>
       <p:ext uri="{BB962C8B-B14F-4D97-AF65-F5344CB8AC3E}">
-        <p14:creationId xmlns:p14="http://schemas.microsoft.com/office/powerpoint/2010/main" val="1269462012"/>
+        <p14:creationId xmlns:p14="http://schemas.microsoft.com/office/powerpoint/2010/main" val="2374517636"/>
       </p:ext>
     </p:extLst>
   </p:cSld>
   <p:clrMapOvr>
     <a:masterClrMapping/>
   </p:clrMapOvr>
-  <p:transition spd="slow">
-    <p:push dir="u"/>
-  </p:transition>
+  <mc:AlternateContent xmlns:mc="http://schemas.openxmlformats.org/markup-compatibility/2006">
+    <mc:Choice xmlns:p14="http://schemas.microsoft.com/office/powerpoint/2010/main" Requires="p14">
+      <p:transition spd="med" p14:dur="700">
+        <p:fade/>
+      </p:transition>
+    </mc:Choice>
+    <mc:Fallback>
+      <p:transition spd="med">
+        <p:fade/>
+      </p:transition>
+    </mc:Fallback>
+  </mc:AlternateContent>
   <p:timing>
     <p:tnLst>
       <p:par>
@@ -5142,8 +6328,8 @@
         </p:nvSpPr>
         <p:spPr>
           <a:xfrm>
-            <a:off x="1043608" y="898140"/>
-            <a:ext cx="2189446" cy="369332"/>
+            <a:off x="971600" y="1043444"/>
+            <a:ext cx="2582758" cy="369332"/>
           </a:xfrm>
           <a:prstGeom prst="rect">
             <a:avLst/>
@@ -5158,25 +6344,182 @@
           <a:p>
             <a:r>
               <a:rPr lang="de-DE" b="1" dirty="0" smtClean="0"/>
-              <a:t>5.2 Administration</a:t>
+              <a:t>5.8 </a:t>
+            </a:r>
+            <a:r>
+              <a:rPr lang="de-DE" b="1" dirty="0" smtClean="0"/>
+              <a:t>Medienverwaltung</a:t>
             </a:r>
             <a:endParaRPr lang="de-DE" b="1" dirty="0"/>
+          </a:p>
+        </p:txBody>
+      </p:sp>
+      <p:sp>
+        <p:nvSpPr>
+          <p:cNvPr id="3" name="Textfeld 2"/>
+          <p:cNvSpPr txBox="1"/>
+          <p:nvPr/>
+        </p:nvSpPr>
+        <p:spPr>
+          <a:xfrm>
+            <a:off x="1187624" y="2265126"/>
+            <a:ext cx="1492716" cy="369332"/>
+          </a:xfrm>
+          <a:prstGeom prst="rect">
+            <a:avLst/>
+          </a:prstGeom>
+          <a:noFill/>
+        </p:spPr>
+        <p:txBody>
+          <a:bodyPr wrap="none" rtlCol="0">
+            <a:spAutoFit/>
+          </a:bodyPr>
+          <a:lstStyle/>
+          <a:p>
+            <a:r>
+              <a:rPr lang="de-DE" dirty="0" smtClean="0"/>
+              <a:t>5.8.1 Upload</a:t>
+            </a:r>
+            <a:endParaRPr lang="de-DE" dirty="0"/>
+          </a:p>
+        </p:txBody>
+      </p:sp>
+      <p:sp>
+        <p:nvSpPr>
+          <p:cNvPr id="6" name="Textfeld 5"/>
+          <p:cNvSpPr txBox="1"/>
+          <p:nvPr/>
+        </p:nvSpPr>
+        <p:spPr>
+          <a:xfrm>
+            <a:off x="1519031" y="2782669"/>
+            <a:ext cx="6077305" cy="646331"/>
+          </a:xfrm>
+          <a:prstGeom prst="rect">
+            <a:avLst/>
+          </a:prstGeom>
+          <a:noFill/>
+        </p:spPr>
+        <p:txBody>
+          <a:bodyPr wrap="none" rtlCol="0">
+            <a:spAutoFit/>
+          </a:bodyPr>
+          <a:lstStyle/>
+          <a:p>
+            <a:pPr marL="285750" indent="-285750">
+              <a:buFont typeface="Wingdings" pitchFamily="2" charset="2"/>
+              <a:buChar char="Ø"/>
+            </a:pPr>
+            <a:r>
+              <a:rPr lang="de-DE" dirty="0" smtClean="0"/>
+              <a:t>Hochladen der Medien-Dateien erfolgt über den Button</a:t>
+            </a:r>
+          </a:p>
+          <a:p>
+            <a:r>
+              <a:rPr lang="de-DE" dirty="0"/>
+              <a:t> </a:t>
+            </a:r>
+            <a:r>
+              <a:rPr lang="de-DE" dirty="0" smtClean="0"/>
+              <a:t>    „Upload“</a:t>
+            </a:r>
+            <a:endParaRPr lang="de-DE" dirty="0"/>
+          </a:p>
+        </p:txBody>
+      </p:sp>
+      <p:sp>
+        <p:nvSpPr>
+          <p:cNvPr id="7" name="Textfeld 6"/>
+          <p:cNvSpPr txBox="1"/>
+          <p:nvPr/>
+        </p:nvSpPr>
+        <p:spPr>
+          <a:xfrm>
+            <a:off x="1187624" y="4427820"/>
+            <a:ext cx="2659702" cy="369332"/>
+          </a:xfrm>
+          <a:prstGeom prst="rect">
+            <a:avLst/>
+          </a:prstGeom>
+          <a:noFill/>
+        </p:spPr>
+        <p:txBody>
+          <a:bodyPr wrap="none" rtlCol="0">
+            <a:spAutoFit/>
+          </a:bodyPr>
+          <a:lstStyle/>
+          <a:p>
+            <a:r>
+              <a:rPr lang="de-DE" dirty="0" smtClean="0"/>
+              <a:t>5.8.2 Galerie bearbeiten</a:t>
+            </a:r>
+            <a:endParaRPr lang="de-DE" dirty="0"/>
+          </a:p>
+        </p:txBody>
+      </p:sp>
+      <p:sp>
+        <p:nvSpPr>
+          <p:cNvPr id="8" name="Textfeld 7"/>
+          <p:cNvSpPr txBox="1"/>
+          <p:nvPr/>
+        </p:nvSpPr>
+        <p:spPr>
+          <a:xfrm>
+            <a:off x="1519031" y="5003884"/>
+            <a:ext cx="6367449" cy="369332"/>
+          </a:xfrm>
+          <a:prstGeom prst="rect">
+            <a:avLst/>
+          </a:prstGeom>
+          <a:noFill/>
+        </p:spPr>
+        <p:txBody>
+          <a:bodyPr wrap="none" rtlCol="0">
+            <a:spAutoFit/>
+          </a:bodyPr>
+          <a:lstStyle/>
+          <a:p>
+            <a:pPr marL="285750" indent="-285750">
+              <a:buFont typeface="Wingdings" pitchFamily="2" charset="2"/>
+              <a:buChar char="Ø"/>
+            </a:pPr>
+            <a:r>
+              <a:rPr lang="de-DE" dirty="0" smtClean="0"/>
+              <a:t>Medienbereich selbst gestaltbar </a:t>
+            </a:r>
+            <a:r>
+              <a:rPr lang="de-DE" dirty="0" smtClean="0">
+                <a:sym typeface="Wingdings" pitchFamily="2" charset="2"/>
+              </a:rPr>
+              <a:t> Benutzereinstellungen</a:t>
+            </a:r>
+            <a:endParaRPr lang="de-DE" dirty="0"/>
           </a:p>
         </p:txBody>
       </p:sp>
     </p:spTree>
     <p:extLst>
       <p:ext uri="{BB962C8B-B14F-4D97-AF65-F5344CB8AC3E}">
-        <p14:creationId xmlns:p14="http://schemas.microsoft.com/office/powerpoint/2010/main" val="2671442653"/>
+        <p14:creationId xmlns:p14="http://schemas.microsoft.com/office/powerpoint/2010/main" val="3196259364"/>
       </p:ext>
     </p:extLst>
   </p:cSld>
   <p:clrMapOvr>
     <a:masterClrMapping/>
   </p:clrMapOvr>
-  <p:transition spd="slow">
-    <p:push dir="u"/>
-  </p:transition>
+  <mc:AlternateContent xmlns:mc="http://schemas.openxmlformats.org/markup-compatibility/2006">
+    <mc:Choice xmlns:p14="http://schemas.microsoft.com/office/powerpoint/2010/main" Requires="p14">
+      <p:transition spd="med" p14:dur="700">
+        <p:fade/>
+      </p:transition>
+    </mc:Choice>
+    <mc:Fallback>
+      <p:transition spd="med">
+        <p:fade/>
+      </p:transition>
+    </mc:Fallback>
+  </mc:AlternateContent>
   <p:timing>
     <p:tnLst>
       <p:par>
@@ -5290,30 +6633,78 @@
           <a:chExt cx="0" cy="0"/>
         </a:xfrm>
       </p:grpSpPr>
-      <p:sp>
-        <p:nvSpPr>
-          <p:cNvPr id="4" name="Textfeld 3"/>
-          <p:cNvSpPr txBox="1"/>
-          <p:nvPr/>
-        </p:nvSpPr>
-        <p:spPr>
-          <a:xfrm>
-            <a:off x="504884" y="285769"/>
-            <a:ext cx="3204723" cy="523220"/>
-          </a:xfrm>
-          <a:prstGeom prst="rect">
-            <a:avLst/>
-          </a:prstGeom>
-          <a:noFill/>
-        </p:spPr>
-        <p:txBody>
-          <a:bodyPr wrap="none" rtlCol="0">
-            <a:spAutoFit/>
-          </a:bodyPr>
-          <a:lstStyle/>
-          <a:p>
-            <a:r>
-              <a:rPr lang="de-DE" sz="2800" dirty="0" smtClean="0">
+      <p:pic>
+        <p:nvPicPr>
+          <p:cNvPr id="3" name="Picture 2" descr="C:\Users\The Lin Nguyen\crowd-innovation\Meilenstein_3\Daten\crowd_innovation.jpg"/>
+          <p:cNvPicPr>
+            <a:picLocks noChangeAspect="1" noChangeArrowheads="1"/>
+          </p:cNvPicPr>
+          <p:nvPr/>
+        </p:nvPicPr>
+        <p:blipFill>
+          <a:blip r:embed="rId2" cstate="print">
+            <a:extLst>
+              <a:ext uri="{28A0092B-C50C-407E-A947-70E740481C1C}">
+                <a14:useLocalDpi xmlns:a14="http://schemas.microsoft.com/office/drawing/2010/main" val="0"/>
+              </a:ext>
+            </a:extLst>
+          </a:blip>
+          <a:srcRect/>
+          <a:stretch>
+            <a:fillRect/>
+          </a:stretch>
+        </p:blipFill>
+        <p:spPr bwMode="auto">
+          <a:xfrm>
+            <a:off x="827584" y="997773"/>
+            <a:ext cx="6912768" cy="4887691"/>
+          </a:xfrm>
+          <a:prstGeom prst="rect">
+            <a:avLst/>
+          </a:prstGeom>
+          <a:ln>
+            <a:noFill/>
+          </a:ln>
+          <a:effectLst>
+            <a:outerShdw blurRad="292100" dist="139700" dir="2700000" algn="tl" rotWithShape="0">
+              <a:srgbClr val="333333">
+                <a:alpha val="65000"/>
+              </a:srgbClr>
+            </a:outerShdw>
+          </a:effectLst>
+          <a:extLst>
+            <a:ext uri="{909E8E84-426E-40DD-AFC4-6F175D3DCCD1}">
+              <a14:hiddenFill xmlns:a14="http://schemas.microsoft.com/office/drawing/2010/main">
+                <a:solidFill>
+                  <a:srgbClr val="FFFFFF"/>
+                </a:solidFill>
+              </a14:hiddenFill>
+            </a:ext>
+          </a:extLst>
+        </p:spPr>
+      </p:pic>
+      <p:sp>
+        <p:nvSpPr>
+          <p:cNvPr id="2" name="Titel 1"/>
+          <p:cNvSpPr>
+            <a:spLocks noGrp="1"/>
+          </p:cNvSpPr>
+          <p:nvPr>
+            <p:ph type="title"/>
+          </p:nvPr>
+        </p:nvSpPr>
+        <p:spPr>
+          <a:xfrm>
+            <a:off x="971600" y="6021288"/>
+            <a:ext cx="7344816" cy="638836"/>
+          </a:xfrm>
+        </p:spPr>
+        <p:txBody>
+          <a:bodyPr/>
+          <a:lstStyle/>
+          <a:p>
+            <a:r>
+              <a:rPr lang="de-DE" sz="4000" b="1" dirty="0" smtClean="0">
                 <a:effectLst>
                   <a:outerShdw blurRad="38100" dist="38100" dir="2700000" algn="tl">
                     <a:srgbClr val="000000">
@@ -5321,10 +6712,11 @@
                     </a:srgbClr>
                   </a:outerShdw>
                 </a:effectLst>
+                <a:latin typeface="+mn-lt"/>
               </a:rPr>
-              <a:t>Produktinformation</a:t>
-            </a:r>
-            <a:endParaRPr lang="de-DE" sz="2800" dirty="0">
+              <a:t>6 Benutzerschnittstelle</a:t>
+            </a:r>
+            <a:endParaRPr lang="de-DE" sz="4000" b="1" dirty="0">
               <a:effectLst>
                 <a:outerShdw blurRad="38100" dist="38100" dir="2700000" algn="tl">
                   <a:srgbClr val="000000">
@@ -5332,44 +6724,15 @@
                   </a:srgbClr>
                 </a:outerShdw>
               </a:effectLst>
+              <a:latin typeface="+mn-lt"/>
             </a:endParaRPr>
-          </a:p>
-        </p:txBody>
-      </p:sp>
-      <p:sp>
-        <p:nvSpPr>
-          <p:cNvPr id="2" name="Textfeld 1"/>
-          <p:cNvSpPr txBox="1"/>
-          <p:nvPr/>
-        </p:nvSpPr>
-        <p:spPr>
-          <a:xfrm>
-            <a:off x="1043608" y="898140"/>
-            <a:ext cx="1915909" cy="369332"/>
-          </a:xfrm>
-          <a:prstGeom prst="rect">
-            <a:avLst/>
-          </a:prstGeom>
-          <a:noFill/>
-        </p:spPr>
-        <p:txBody>
-          <a:bodyPr wrap="none" rtlCol="0">
-            <a:spAutoFit/>
-          </a:bodyPr>
-          <a:lstStyle/>
-          <a:p>
-            <a:r>
-              <a:rPr lang="de-DE" b="1" dirty="0" smtClean="0"/>
-              <a:t>5.3 Ideen geben</a:t>
-            </a:r>
-            <a:endParaRPr lang="de-DE" b="1" dirty="0"/>
           </a:p>
         </p:txBody>
       </p:sp>
     </p:spTree>
     <p:extLst>
       <p:ext uri="{BB962C8B-B14F-4D97-AF65-F5344CB8AC3E}">
-        <p14:creationId xmlns:p14="http://schemas.microsoft.com/office/powerpoint/2010/main" val="1761841884"/>
+        <p14:creationId xmlns:p14="http://schemas.microsoft.com/office/powerpoint/2010/main" val="4155527995"/>
       </p:ext>
     </p:extLst>
   </p:cSld>
@@ -5415,7 +6778,7 @@
         <p:spPr>
           <a:xfrm>
             <a:off x="504884" y="285769"/>
-            <a:ext cx="3204723" cy="523220"/>
+            <a:ext cx="3502882" cy="523220"/>
           </a:xfrm>
           <a:prstGeom prst="rect">
             <a:avLst/>
@@ -5438,7 +6801,7 @@
                   </a:outerShdw>
                 </a:effectLst>
               </a:rPr>
-              <a:t>Produktinformation</a:t>
+              <a:t>Benutzerschnittstelle</a:t>
             </a:r>
             <a:endParaRPr lang="de-DE" sz="2800" dirty="0">
               <a:effectLst>
@@ -5452,6 +6815,47 @@
           </a:p>
         </p:txBody>
       </p:sp>
+      <p:pic>
+        <p:nvPicPr>
+          <p:cNvPr id="2050" name="Picture 2" descr="C:\Users\The Lin Nguyen\crowd-innovation\Meilenstein_3\Daten\Menue.jpg"/>
+          <p:cNvPicPr>
+            <a:picLocks noChangeAspect="1" noChangeArrowheads="1"/>
+          </p:cNvPicPr>
+          <p:nvPr/>
+        </p:nvPicPr>
+        <p:blipFill>
+          <a:blip r:embed="rId2" cstate="print">
+            <a:extLst>
+              <a:ext uri="{28A0092B-C50C-407E-A947-70E740481C1C}">
+                <a14:useLocalDpi xmlns:a14="http://schemas.microsoft.com/office/drawing/2010/main" val="0"/>
+              </a:ext>
+            </a:extLst>
+          </a:blip>
+          <a:srcRect/>
+          <a:stretch>
+            <a:fillRect/>
+          </a:stretch>
+        </p:blipFill>
+        <p:spPr bwMode="auto">
+          <a:xfrm>
+            <a:off x="971600" y="2245606"/>
+            <a:ext cx="7040562" cy="841375"/>
+          </a:xfrm>
+          <a:prstGeom prst="rect">
+            <a:avLst/>
+          </a:prstGeom>
+          <a:noFill/>
+          <a:extLst>
+            <a:ext uri="{909E8E84-426E-40DD-AFC4-6F175D3DCCD1}">
+              <a14:hiddenFill xmlns:a14="http://schemas.microsoft.com/office/drawing/2010/main">
+                <a:solidFill>
+                  <a:srgbClr val="FFFFFF"/>
+                </a:solidFill>
+              </a14:hiddenFill>
+            </a:ext>
+          </a:extLst>
+        </p:spPr>
+      </p:pic>
       <p:sp>
         <p:nvSpPr>
           <p:cNvPr id="2" name="Textfeld 1"/>
@@ -5460,41 +6864,54 @@
         </p:nvSpPr>
         <p:spPr>
           <a:xfrm>
-            <a:off x="1043608" y="898140"/>
-            <a:ext cx="2249334" cy="369332"/>
-          </a:xfrm>
-          <a:prstGeom prst="rect">
-            <a:avLst/>
-          </a:prstGeom>
-          <a:noFill/>
-        </p:spPr>
-        <p:txBody>
-          <a:bodyPr wrap="none" rtlCol="0">
-            <a:spAutoFit/>
-          </a:bodyPr>
-          <a:lstStyle/>
-          <a:p>
-            <a:r>
-              <a:rPr lang="de-DE" b="1" dirty="0" smtClean="0"/>
-              <a:t>5.4 Ideen bewerten</a:t>
-            </a:r>
-            <a:endParaRPr lang="de-DE" b="1" dirty="0"/>
+            <a:off x="609680" y="1358970"/>
+            <a:ext cx="2371162" cy="369332"/>
+          </a:xfrm>
+          <a:prstGeom prst="rect">
+            <a:avLst/>
+          </a:prstGeom>
+          <a:noFill/>
+        </p:spPr>
+        <p:txBody>
+          <a:bodyPr wrap="none" rtlCol="0">
+            <a:spAutoFit/>
+          </a:bodyPr>
+          <a:lstStyle/>
+          <a:p>
+            <a:pPr marL="285750" indent="-285750">
+              <a:buFont typeface="Wingdings" pitchFamily="2" charset="2"/>
+              <a:buChar char="Ø"/>
+            </a:pPr>
+            <a:r>
+              <a:rPr lang="de-DE" dirty="0" smtClean="0"/>
+              <a:t>Menü-Schnittstelle</a:t>
+            </a:r>
+            <a:endParaRPr lang="de-DE" dirty="0"/>
           </a:p>
         </p:txBody>
       </p:sp>
     </p:spTree>
     <p:extLst>
       <p:ext uri="{BB962C8B-B14F-4D97-AF65-F5344CB8AC3E}">
-        <p14:creationId xmlns:p14="http://schemas.microsoft.com/office/powerpoint/2010/main" val="3580692680"/>
+        <p14:creationId xmlns:p14="http://schemas.microsoft.com/office/powerpoint/2010/main" val="4151431150"/>
       </p:ext>
     </p:extLst>
   </p:cSld>
   <p:clrMapOvr>
     <a:masterClrMapping/>
   </p:clrMapOvr>
-  <p:transition spd="slow">
-    <p:push dir="u"/>
-  </p:transition>
+  <mc:AlternateContent xmlns:mc="http://schemas.openxmlformats.org/markup-compatibility/2006">
+    <mc:Choice xmlns:p14="http://schemas.microsoft.com/office/powerpoint/2010/main" Requires="p14">
+      <p:transition spd="med" p14:dur="700">
+        <p:fade/>
+      </p:transition>
+    </mc:Choice>
+    <mc:Fallback>
+      <p:transition spd="med">
+        <p:fade/>
+      </p:transition>
+    </mc:Fallback>
+  </mc:AlternateContent>
   <p:timing>
     <p:tnLst>
       <p:par>
@@ -5531,7 +6948,7 @@
         <p:spPr>
           <a:xfrm>
             <a:off x="504884" y="285769"/>
-            <a:ext cx="3204723" cy="523220"/>
+            <a:ext cx="3502882" cy="523220"/>
           </a:xfrm>
           <a:prstGeom prst="rect">
             <a:avLst/>
@@ -5554,7 +6971,7 @@
                   </a:outerShdw>
                 </a:effectLst>
               </a:rPr>
-              <a:t>Produktinformation</a:t>
+              <a:t>Benutzerschnittstelle</a:t>
             </a:r>
             <a:endParaRPr lang="de-DE" sz="2800" dirty="0">
               <a:effectLst>
@@ -5570,47 +6987,101 @@
       </p:sp>
       <p:sp>
         <p:nvSpPr>
-          <p:cNvPr id="2" name="Textfeld 1"/>
-          <p:cNvSpPr txBox="1"/>
-          <p:nvPr/>
-        </p:nvSpPr>
-        <p:spPr>
-          <a:xfrm>
-            <a:off x="1043608" y="898140"/>
-            <a:ext cx="2800767" cy="369332"/>
-          </a:xfrm>
-          <a:prstGeom prst="rect">
-            <a:avLst/>
-          </a:prstGeom>
-          <a:noFill/>
-        </p:spPr>
-        <p:txBody>
-          <a:bodyPr wrap="none" rtlCol="0">
-            <a:spAutoFit/>
-          </a:bodyPr>
-          <a:lstStyle/>
-          <a:p>
-            <a:r>
-              <a:rPr lang="de-DE" b="1" dirty="0" smtClean="0"/>
-              <a:t>5.5 Mitteilungen senden</a:t>
-            </a:r>
-            <a:endParaRPr lang="de-DE" b="1" dirty="0"/>
-          </a:p>
-        </p:txBody>
-      </p:sp>
+          <p:cNvPr id="3" name="Textfeld 2"/>
+          <p:cNvSpPr txBox="1"/>
+          <p:nvPr/>
+        </p:nvSpPr>
+        <p:spPr>
+          <a:xfrm>
+            <a:off x="706136" y="1358970"/>
+            <a:ext cx="1947969" cy="369332"/>
+          </a:xfrm>
+          <a:prstGeom prst="rect">
+            <a:avLst/>
+          </a:prstGeom>
+          <a:noFill/>
+        </p:spPr>
+        <p:txBody>
+          <a:bodyPr wrap="none" rtlCol="0">
+            <a:spAutoFit/>
+          </a:bodyPr>
+          <a:lstStyle/>
+          <a:p>
+            <a:pPr marL="285750" indent="-285750">
+              <a:buFont typeface="Wingdings" pitchFamily="2" charset="2"/>
+              <a:buChar char="Ø"/>
+            </a:pPr>
+            <a:r>
+              <a:rPr lang="de-DE" dirty="0" smtClean="0"/>
+              <a:t>Idee beitragen</a:t>
+            </a:r>
+            <a:endParaRPr lang="de-DE" dirty="0"/>
+          </a:p>
+        </p:txBody>
+      </p:sp>
+      <p:pic>
+        <p:nvPicPr>
+          <p:cNvPr id="5" name="Picture 3" descr="C:\Users\The Lin Nguyen\crowd-innovation\Meilenstein_3\Daten\ideebeisteuern.jpg"/>
+          <p:cNvPicPr>
+            <a:picLocks noChangeAspect="1" noChangeArrowheads="1"/>
+          </p:cNvPicPr>
+          <p:nvPr/>
+        </p:nvPicPr>
+        <p:blipFill>
+          <a:blip r:embed="rId2" cstate="print">
+            <a:extLst>
+              <a:ext uri="{28A0092B-C50C-407E-A947-70E740481C1C}">
+                <a14:useLocalDpi xmlns:a14="http://schemas.microsoft.com/office/drawing/2010/main" val="0"/>
+              </a:ext>
+            </a:extLst>
+          </a:blip>
+          <a:srcRect/>
+          <a:stretch>
+            <a:fillRect/>
+          </a:stretch>
+        </p:blipFill>
+        <p:spPr bwMode="auto">
+          <a:xfrm>
+            <a:off x="2256325" y="1916832"/>
+            <a:ext cx="4764087" cy="4462463"/>
+          </a:xfrm>
+          <a:prstGeom prst="rect">
+            <a:avLst/>
+          </a:prstGeom>
+          <a:noFill/>
+          <a:extLst>
+            <a:ext uri="{909E8E84-426E-40DD-AFC4-6F175D3DCCD1}">
+              <a14:hiddenFill xmlns:a14="http://schemas.microsoft.com/office/drawing/2010/main">
+                <a:solidFill>
+                  <a:srgbClr val="FFFFFF"/>
+                </a:solidFill>
+              </a14:hiddenFill>
+            </a:ext>
+          </a:extLst>
+        </p:spPr>
+      </p:pic>
     </p:spTree>
     <p:extLst>
       <p:ext uri="{BB962C8B-B14F-4D97-AF65-F5344CB8AC3E}">
-        <p14:creationId xmlns:p14="http://schemas.microsoft.com/office/powerpoint/2010/main" val="2374517636"/>
+        <p14:creationId xmlns:p14="http://schemas.microsoft.com/office/powerpoint/2010/main" val="1677987737"/>
       </p:ext>
     </p:extLst>
   </p:cSld>
   <p:clrMapOvr>
     <a:masterClrMapping/>
   </p:clrMapOvr>
-  <p:transition spd="slow">
-    <p:push dir="u"/>
-  </p:transition>
+  <mc:AlternateContent xmlns:mc="http://schemas.openxmlformats.org/markup-compatibility/2006">
+    <mc:Choice xmlns:p14="http://schemas.microsoft.com/office/powerpoint/2010/main" Requires="p14">
+      <p:transition spd="med" p14:dur="700">
+        <p:fade/>
+      </p:transition>
+    </mc:Choice>
+    <mc:Fallback>
+      <p:transition spd="med">
+        <p:fade/>
+      </p:transition>
+    </mc:Fallback>
+  </mc:AlternateContent>
   <p:timing>
     <p:tnLst>
       <p:par>
@@ -5647,7 +7118,7 @@
         <p:spPr>
           <a:xfrm>
             <a:off x="504884" y="285769"/>
-            <a:ext cx="3204723" cy="523220"/>
+            <a:ext cx="3502882" cy="523220"/>
           </a:xfrm>
           <a:prstGeom prst="rect">
             <a:avLst/>
@@ -5670,7 +7141,7 @@
                   </a:outerShdw>
                 </a:effectLst>
               </a:rPr>
-              <a:t>Produktinformation</a:t>
+              <a:t>Benutzerschnittstelle</a:t>
             </a:r>
             <a:endParaRPr lang="de-DE" sz="2800" dirty="0">
               <a:effectLst>
@@ -5692,41 +7163,95 @@
         </p:nvSpPr>
         <p:spPr>
           <a:xfrm>
-            <a:off x="1043608" y="898140"/>
-            <a:ext cx="2582758" cy="369332"/>
-          </a:xfrm>
-          <a:prstGeom prst="rect">
-            <a:avLst/>
-          </a:prstGeom>
-          <a:noFill/>
-        </p:spPr>
-        <p:txBody>
-          <a:bodyPr wrap="none" rtlCol="0">
-            <a:spAutoFit/>
-          </a:bodyPr>
-          <a:lstStyle/>
-          <a:p>
-            <a:r>
-              <a:rPr lang="de-DE" b="1" dirty="0" smtClean="0"/>
-              <a:t>5.6 Mitteilungen lesen</a:t>
-            </a:r>
-            <a:endParaRPr lang="de-DE" b="1" dirty="0"/>
-          </a:p>
-        </p:txBody>
-      </p:sp>
+            <a:off x="827582" y="898588"/>
+            <a:ext cx="2050561" cy="369332"/>
+          </a:xfrm>
+          <a:prstGeom prst="rect">
+            <a:avLst/>
+          </a:prstGeom>
+          <a:noFill/>
+        </p:spPr>
+        <p:txBody>
+          <a:bodyPr wrap="none" rtlCol="0">
+            <a:spAutoFit/>
+          </a:bodyPr>
+          <a:lstStyle/>
+          <a:p>
+            <a:pPr marL="285750" indent="-285750">
+              <a:buFont typeface="Wingdings" pitchFamily="2" charset="2"/>
+              <a:buChar char="Ø"/>
+            </a:pPr>
+            <a:r>
+              <a:rPr lang="de-DE" dirty="0" smtClean="0"/>
+              <a:t>Idee einreichen</a:t>
+            </a:r>
+            <a:endParaRPr lang="de-DE" dirty="0"/>
+          </a:p>
+        </p:txBody>
+      </p:sp>
+      <p:pic>
+        <p:nvPicPr>
+          <p:cNvPr id="3074" name="Picture 2" descr="C:\Users\The Lin Nguyen\crowd-innovation\Meilenstein_3\Daten\ideeeinreichen.jpg"/>
+          <p:cNvPicPr>
+            <a:picLocks noChangeAspect="1" noChangeArrowheads="1"/>
+          </p:cNvPicPr>
+          <p:nvPr/>
+        </p:nvPicPr>
+        <p:blipFill>
+          <a:blip r:embed="rId2" cstate="print">
+            <a:extLst>
+              <a:ext uri="{28A0092B-C50C-407E-A947-70E740481C1C}">
+                <a14:useLocalDpi xmlns:a14="http://schemas.microsoft.com/office/drawing/2010/main" val="0"/>
+              </a:ext>
+            </a:extLst>
+          </a:blip>
+          <a:srcRect/>
+          <a:stretch>
+            <a:fillRect/>
+          </a:stretch>
+        </p:blipFill>
+        <p:spPr bwMode="auto">
+          <a:xfrm>
+            <a:off x="1862370" y="1556792"/>
+            <a:ext cx="5256584" cy="5154246"/>
+          </a:xfrm>
+          <a:prstGeom prst="rect">
+            <a:avLst/>
+          </a:prstGeom>
+          <a:noFill/>
+          <a:extLst>
+            <a:ext uri="{909E8E84-426E-40DD-AFC4-6F175D3DCCD1}">
+              <a14:hiddenFill xmlns:a14="http://schemas.microsoft.com/office/drawing/2010/main">
+                <a:solidFill>
+                  <a:srgbClr val="FFFFFF"/>
+                </a:solidFill>
+              </a14:hiddenFill>
+            </a:ext>
+          </a:extLst>
+        </p:spPr>
+      </p:pic>
     </p:spTree>
     <p:extLst>
       <p:ext uri="{BB962C8B-B14F-4D97-AF65-F5344CB8AC3E}">
-        <p14:creationId xmlns:p14="http://schemas.microsoft.com/office/powerpoint/2010/main" val="2840748110"/>
+        <p14:creationId xmlns:p14="http://schemas.microsoft.com/office/powerpoint/2010/main" val="946606194"/>
       </p:ext>
     </p:extLst>
   </p:cSld>
   <p:clrMapOvr>
     <a:masterClrMapping/>
   </p:clrMapOvr>
-  <p:transition spd="slow">
-    <p:push dir="u"/>
-  </p:transition>
+  <mc:AlternateContent xmlns:mc="http://schemas.openxmlformats.org/markup-compatibility/2006">
+    <mc:Choice xmlns:p14="http://schemas.microsoft.com/office/powerpoint/2010/main" Requires="p14">
+      <p:transition spd="med" p14:dur="700">
+        <p:fade/>
+      </p:transition>
+    </mc:Choice>
+    <mc:Fallback>
+      <p:transition spd="med">
+        <p:fade/>
+      </p:transition>
+    </mc:Fallback>
+  </mc:AlternateContent>
   <p:timing>
     <p:tnLst>
       <p:par>
@@ -5763,7 +7288,7 @@
         <p:spPr>
           <a:xfrm>
             <a:off x="504884" y="285769"/>
-            <a:ext cx="3204723" cy="523220"/>
+            <a:ext cx="3502882" cy="523220"/>
           </a:xfrm>
           <a:prstGeom prst="rect">
             <a:avLst/>
@@ -5786,7 +7311,7 @@
                   </a:outerShdw>
                 </a:effectLst>
               </a:rPr>
-              <a:t>Produktinformation</a:t>
+              <a:t>Benutzerschnittstelle</a:t>
             </a:r>
             <a:endParaRPr lang="de-DE" sz="2800" dirty="0">
               <a:effectLst>
@@ -5808,41 +7333,95 @@
         </p:nvSpPr>
         <p:spPr>
           <a:xfrm>
-            <a:off x="1043608" y="898140"/>
-            <a:ext cx="2582758" cy="369332"/>
-          </a:xfrm>
-          <a:prstGeom prst="rect">
-            <a:avLst/>
-          </a:prstGeom>
-          <a:noFill/>
-        </p:spPr>
-        <p:txBody>
-          <a:bodyPr wrap="none" rtlCol="0">
-            <a:spAutoFit/>
-          </a:bodyPr>
-          <a:lstStyle/>
-          <a:p>
-            <a:r>
-              <a:rPr lang="de-DE" b="1" dirty="0" smtClean="0"/>
-              <a:t>5.7 Medienverwaltung</a:t>
-            </a:r>
-            <a:endParaRPr lang="de-DE" b="1" dirty="0"/>
-          </a:p>
-        </p:txBody>
-      </p:sp>
+            <a:off x="827582" y="898588"/>
+            <a:ext cx="1640193" cy="369332"/>
+          </a:xfrm>
+          <a:prstGeom prst="rect">
+            <a:avLst/>
+          </a:prstGeom>
+          <a:noFill/>
+        </p:spPr>
+        <p:txBody>
+          <a:bodyPr wrap="none" rtlCol="0">
+            <a:spAutoFit/>
+          </a:bodyPr>
+          <a:lstStyle/>
+          <a:p>
+            <a:pPr marL="285750" indent="-285750">
+              <a:buFont typeface="Wingdings" pitchFamily="2" charset="2"/>
+              <a:buChar char="Ø"/>
+            </a:pPr>
+            <a:r>
+              <a:rPr lang="de-DE" dirty="0" smtClean="0"/>
+              <a:t>Ideen Seite</a:t>
+            </a:r>
+            <a:endParaRPr lang="de-DE" dirty="0"/>
+          </a:p>
+        </p:txBody>
+      </p:sp>
+      <p:pic>
+        <p:nvPicPr>
+          <p:cNvPr id="4098" name="Picture 2" descr="C:\Users\The Lin Nguyen\crowd-innovation\Meilenstein_3\Daten\ideen_seite+erklär.jpg"/>
+          <p:cNvPicPr>
+            <a:picLocks noChangeAspect="1" noChangeArrowheads="1"/>
+          </p:cNvPicPr>
+          <p:nvPr/>
+        </p:nvPicPr>
+        <p:blipFill>
+          <a:blip r:embed="rId2" cstate="print">
+            <a:extLst>
+              <a:ext uri="{28A0092B-C50C-407E-A947-70E740481C1C}">
+                <a14:useLocalDpi xmlns:a14="http://schemas.microsoft.com/office/drawing/2010/main" val="0"/>
+              </a:ext>
+            </a:extLst>
+          </a:blip>
+          <a:srcRect/>
+          <a:stretch>
+            <a:fillRect/>
+          </a:stretch>
+        </p:blipFill>
+        <p:spPr bwMode="auto">
+          <a:xfrm>
+            <a:off x="1145137" y="1530352"/>
+            <a:ext cx="6823446" cy="4824536"/>
+          </a:xfrm>
+          <a:prstGeom prst="rect">
+            <a:avLst/>
+          </a:prstGeom>
+          <a:noFill/>
+          <a:extLst>
+            <a:ext uri="{909E8E84-426E-40DD-AFC4-6F175D3DCCD1}">
+              <a14:hiddenFill xmlns:a14="http://schemas.microsoft.com/office/drawing/2010/main">
+                <a:solidFill>
+                  <a:srgbClr val="FFFFFF"/>
+                </a:solidFill>
+              </a14:hiddenFill>
+            </a:ext>
+          </a:extLst>
+        </p:spPr>
+      </p:pic>
     </p:spTree>
     <p:extLst>
       <p:ext uri="{BB962C8B-B14F-4D97-AF65-F5344CB8AC3E}">
-        <p14:creationId xmlns:p14="http://schemas.microsoft.com/office/powerpoint/2010/main" val="3196259364"/>
+        <p14:creationId xmlns:p14="http://schemas.microsoft.com/office/powerpoint/2010/main" val="2181658027"/>
       </p:ext>
     </p:extLst>
   </p:cSld>
   <p:clrMapOvr>
     <a:masterClrMapping/>
   </p:clrMapOvr>
-  <p:transition spd="slow">
-    <p:push dir="u"/>
-  </p:transition>
+  <mc:AlternateContent xmlns:mc="http://schemas.openxmlformats.org/markup-compatibility/2006">
+    <mc:Choice xmlns:p14="http://schemas.microsoft.com/office/powerpoint/2010/main" Requires="p14">
+      <p:transition spd="med" p14:dur="700">
+        <p:fade/>
+      </p:transition>
+    </mc:Choice>
+    <mc:Fallback>
+      <p:transition spd="med">
+        <p:fade/>
+      </p:transition>
+    </mc:Fallback>
+  </mc:AlternateContent>
   <p:timing>
     <p:tnLst>
       <p:par>
@@ -5870,9 +7449,89 @@
           <a:chExt cx="0" cy="0"/>
         </a:xfrm>
       </p:grpSpPr>
+      <p:sp>
+        <p:nvSpPr>
+          <p:cNvPr id="4" name="Textfeld 3"/>
+          <p:cNvSpPr txBox="1"/>
+          <p:nvPr/>
+        </p:nvSpPr>
+        <p:spPr>
+          <a:xfrm>
+            <a:off x="504884" y="285769"/>
+            <a:ext cx="3502882" cy="523220"/>
+          </a:xfrm>
+          <a:prstGeom prst="rect">
+            <a:avLst/>
+          </a:prstGeom>
+          <a:noFill/>
+        </p:spPr>
+        <p:txBody>
+          <a:bodyPr wrap="none" rtlCol="0">
+            <a:spAutoFit/>
+          </a:bodyPr>
+          <a:lstStyle/>
+          <a:p>
+            <a:r>
+              <a:rPr lang="de-DE" sz="2800" dirty="0" smtClean="0">
+                <a:effectLst>
+                  <a:outerShdw blurRad="38100" dist="38100" dir="2700000" algn="tl">
+                    <a:srgbClr val="000000">
+                      <a:alpha val="43137"/>
+                    </a:srgbClr>
+                  </a:outerShdw>
+                </a:effectLst>
+              </a:rPr>
+              <a:t>Benutzerschnittstelle</a:t>
+            </a:r>
+            <a:endParaRPr lang="de-DE" sz="2800" dirty="0">
+              <a:effectLst>
+                <a:outerShdw blurRad="38100" dist="38100" dir="2700000" algn="tl">
+                  <a:srgbClr val="000000">
+                    <a:alpha val="43137"/>
+                  </a:srgbClr>
+                </a:outerShdw>
+              </a:effectLst>
+            </a:endParaRPr>
+          </a:p>
+        </p:txBody>
+      </p:sp>
+      <p:sp>
+        <p:nvSpPr>
+          <p:cNvPr id="2" name="Textfeld 1"/>
+          <p:cNvSpPr txBox="1"/>
+          <p:nvPr/>
+        </p:nvSpPr>
+        <p:spPr>
+          <a:xfrm>
+            <a:off x="827582" y="898588"/>
+            <a:ext cx="2969724" cy="369332"/>
+          </a:xfrm>
+          <a:prstGeom prst="rect">
+            <a:avLst/>
+          </a:prstGeom>
+          <a:noFill/>
+        </p:spPr>
+        <p:txBody>
+          <a:bodyPr wrap="none" rtlCol="0">
+            <a:spAutoFit/>
+          </a:bodyPr>
+          <a:lstStyle/>
+          <a:p>
+            <a:pPr marL="285750" indent="-285750">
+              <a:buFont typeface="Wingdings" pitchFamily="2" charset="2"/>
+              <a:buChar char="Ø"/>
+            </a:pPr>
+            <a:r>
+              <a:rPr lang="de-DE" dirty="0" smtClean="0"/>
+              <a:t>Wettbewerbsverzeichnis</a:t>
+            </a:r>
+            <a:endParaRPr lang="de-DE" dirty="0"/>
+          </a:p>
+        </p:txBody>
+      </p:sp>
       <p:pic>
         <p:nvPicPr>
-          <p:cNvPr id="3" name="Picture 2" descr="C:\Users\The Lin Nguyen\crowd-innovation\Meilenstein_3\Daten\crowd_innovation.jpg"/>
+          <p:cNvPr id="5122" name="Picture 2" descr="C:\Users\The Lin Nguyen\crowd-innovation\Meilenstein_3\Daten\wettbewerbs_verzeichnis+erklär.jpg"/>
           <p:cNvPicPr>
             <a:picLocks noChangeAspect="1" noChangeArrowheads="1"/>
           </p:cNvPicPr>
@@ -5893,22 +7552,13 @@
         </p:blipFill>
         <p:spPr bwMode="auto">
           <a:xfrm>
-            <a:off x="827584" y="997773"/>
-            <a:ext cx="6912768" cy="4887691"/>
-          </a:xfrm>
-          <a:prstGeom prst="rect">
-            <a:avLst/>
-          </a:prstGeom>
-          <a:ln>
-            <a:noFill/>
-          </a:ln>
-          <a:effectLst>
-            <a:outerShdw blurRad="292100" dist="139700" dir="2700000" algn="tl" rotWithShape="0">
-              <a:srgbClr val="333333">
-                <a:alpha val="65000"/>
-              </a:srgbClr>
-            </a:outerShdw>
-          </a:effectLst>
+            <a:off x="1043608" y="1556790"/>
+            <a:ext cx="6937202" cy="4904967"/>
+          </a:xfrm>
+          <a:prstGeom prst="rect">
+            <a:avLst/>
+          </a:prstGeom>
+          <a:noFill/>
           <a:extLst>
             <a:ext uri="{909E8E84-426E-40DD-AFC4-6F175D3DCCD1}">
               <a14:hiddenFill xmlns:a14="http://schemas.microsoft.com/office/drawing/2010/main">
@@ -5920,65 +7570,28 @@
           </a:extLst>
         </p:spPr>
       </p:pic>
-      <p:sp>
-        <p:nvSpPr>
-          <p:cNvPr id="2" name="Titel 1"/>
-          <p:cNvSpPr>
-            <a:spLocks noGrp="1"/>
-          </p:cNvSpPr>
-          <p:nvPr>
-            <p:ph type="title"/>
-          </p:nvPr>
-        </p:nvSpPr>
-        <p:spPr>
-          <a:xfrm>
-            <a:off x="971600" y="6021288"/>
-            <a:ext cx="7344816" cy="638836"/>
-          </a:xfrm>
-        </p:spPr>
-        <p:txBody>
-          <a:bodyPr/>
-          <a:lstStyle/>
-          <a:p>
-            <a:r>
-              <a:rPr lang="de-DE" sz="4000" b="1" dirty="0" smtClean="0">
-                <a:effectLst>
-                  <a:outerShdw blurRad="38100" dist="38100" dir="2700000" algn="tl">
-                    <a:srgbClr val="000000">
-                      <a:alpha val="43137"/>
-                    </a:srgbClr>
-                  </a:outerShdw>
-                </a:effectLst>
-                <a:latin typeface="+mn-lt"/>
-              </a:rPr>
-              <a:t>6 Benutzerschnittstelle</a:t>
-            </a:r>
-            <a:endParaRPr lang="de-DE" sz="4000" b="1" dirty="0">
-              <a:effectLst>
-                <a:outerShdw blurRad="38100" dist="38100" dir="2700000" algn="tl">
-                  <a:srgbClr val="000000">
-                    <a:alpha val="43137"/>
-                  </a:srgbClr>
-                </a:outerShdw>
-              </a:effectLst>
-              <a:latin typeface="+mn-lt"/>
-            </a:endParaRPr>
-          </a:p>
-        </p:txBody>
-      </p:sp>
     </p:spTree>
     <p:extLst>
       <p:ext uri="{BB962C8B-B14F-4D97-AF65-F5344CB8AC3E}">
-        <p14:creationId xmlns:p14="http://schemas.microsoft.com/office/powerpoint/2010/main" val="4155527995"/>
+        <p14:creationId xmlns:p14="http://schemas.microsoft.com/office/powerpoint/2010/main" val="2933381043"/>
       </p:ext>
     </p:extLst>
   </p:cSld>
   <p:clrMapOvr>
     <a:masterClrMapping/>
   </p:clrMapOvr>
-  <p:transition spd="slow">
-    <p:push dir="u"/>
-  </p:transition>
+  <mc:AlternateContent xmlns:mc="http://schemas.openxmlformats.org/markup-compatibility/2006">
+    <mc:Choice xmlns:p14="http://schemas.microsoft.com/office/powerpoint/2010/main" Requires="p14">
+      <p:transition spd="med" p14:dur="700">
+        <p:fade/>
+      </p:transition>
+    </mc:Choice>
+    <mc:Fallback>
+      <p:transition spd="med">
+        <p:fade/>
+      </p:transition>
+    </mc:Fallback>
+  </mc:AlternateContent>
   <p:timing>
     <p:tnLst>
       <p:par>
@@ -6006,30 +7619,78 @@
           <a:chExt cx="0" cy="0"/>
         </a:xfrm>
       </p:grpSpPr>
-      <p:sp>
-        <p:nvSpPr>
-          <p:cNvPr id="4" name="Textfeld 3"/>
-          <p:cNvSpPr txBox="1"/>
-          <p:nvPr/>
-        </p:nvSpPr>
-        <p:spPr>
-          <a:xfrm>
-            <a:off x="504884" y="285769"/>
-            <a:ext cx="3502882" cy="523220"/>
-          </a:xfrm>
-          <a:prstGeom prst="rect">
-            <a:avLst/>
-          </a:prstGeom>
-          <a:noFill/>
-        </p:spPr>
-        <p:txBody>
-          <a:bodyPr wrap="none" rtlCol="0">
-            <a:spAutoFit/>
-          </a:bodyPr>
-          <a:lstStyle/>
-          <a:p>
-            <a:r>
-              <a:rPr lang="de-DE" sz="2800" dirty="0" smtClean="0">
+      <p:pic>
+        <p:nvPicPr>
+          <p:cNvPr id="3" name="Picture 2" descr="C:\Users\The Lin Nguyen\crowd-innovation\Meilenstein_3\Daten\crowd_innovation.jpg"/>
+          <p:cNvPicPr>
+            <a:picLocks noChangeAspect="1" noChangeArrowheads="1"/>
+          </p:cNvPicPr>
+          <p:nvPr/>
+        </p:nvPicPr>
+        <p:blipFill>
+          <a:blip r:embed="rId2" cstate="print">
+            <a:extLst>
+              <a:ext uri="{28A0092B-C50C-407E-A947-70E740481C1C}">
+                <a14:useLocalDpi xmlns:a14="http://schemas.microsoft.com/office/drawing/2010/main" val="0"/>
+              </a:ext>
+            </a:extLst>
+          </a:blip>
+          <a:srcRect/>
+          <a:stretch>
+            <a:fillRect/>
+          </a:stretch>
+        </p:blipFill>
+        <p:spPr bwMode="auto">
+          <a:xfrm>
+            <a:off x="827584" y="997773"/>
+            <a:ext cx="6912768" cy="4887691"/>
+          </a:xfrm>
+          <a:prstGeom prst="rect">
+            <a:avLst/>
+          </a:prstGeom>
+          <a:ln>
+            <a:noFill/>
+          </a:ln>
+          <a:effectLst>
+            <a:outerShdw blurRad="292100" dist="139700" dir="2700000" algn="tl" rotWithShape="0">
+              <a:srgbClr val="333333">
+                <a:alpha val="65000"/>
+              </a:srgbClr>
+            </a:outerShdw>
+          </a:effectLst>
+          <a:extLst>
+            <a:ext uri="{909E8E84-426E-40DD-AFC4-6F175D3DCCD1}">
+              <a14:hiddenFill xmlns:a14="http://schemas.microsoft.com/office/drawing/2010/main">
+                <a:solidFill>
+                  <a:srgbClr val="FFFFFF"/>
+                </a:solidFill>
+              </a14:hiddenFill>
+            </a:ext>
+          </a:extLst>
+        </p:spPr>
+      </p:pic>
+      <p:sp>
+        <p:nvSpPr>
+          <p:cNvPr id="2" name="Titel 1"/>
+          <p:cNvSpPr>
+            <a:spLocks noGrp="1"/>
+          </p:cNvSpPr>
+          <p:nvPr>
+            <p:ph type="title"/>
+          </p:nvPr>
+        </p:nvSpPr>
+        <p:spPr>
+          <a:xfrm>
+            <a:off x="6084168" y="6021288"/>
+            <a:ext cx="2232248" cy="638836"/>
+          </a:xfrm>
+        </p:spPr>
+        <p:txBody>
+          <a:bodyPr/>
+          <a:lstStyle/>
+          <a:p>
+            <a:r>
+              <a:rPr lang="de-DE" sz="4000" b="1" dirty="0" smtClean="0">
                 <a:effectLst>
                   <a:outerShdw blurRad="38100" dist="38100" dir="2700000" algn="tl">
                     <a:srgbClr val="000000">
@@ -6037,10 +7698,11 @@
                     </a:srgbClr>
                   </a:outerShdw>
                 </a:effectLst>
+                <a:latin typeface="+mn-lt"/>
               </a:rPr>
-              <a:t>Benutzerschnittstelle</a:t>
-            </a:r>
-            <a:endParaRPr lang="de-DE" sz="2800" dirty="0">
+              <a:t>7 Daten</a:t>
+            </a:r>
+            <a:endParaRPr lang="de-DE" sz="4000" b="1" dirty="0">
               <a:effectLst>
                 <a:outerShdw blurRad="38100" dist="38100" dir="2700000" algn="tl">
                   <a:srgbClr val="000000">
@@ -6048,6 +7710,7 @@
                   </a:srgbClr>
                 </a:outerShdw>
               </a:effectLst>
+              <a:latin typeface="+mn-lt"/>
             </a:endParaRPr>
           </a:p>
         </p:txBody>
@@ -6055,7 +7718,7 @@
     </p:spTree>
     <p:extLst>
       <p:ext uri="{BB962C8B-B14F-4D97-AF65-F5344CB8AC3E}">
-        <p14:creationId xmlns:p14="http://schemas.microsoft.com/office/powerpoint/2010/main" val="4151431150"/>
+        <p14:creationId xmlns:p14="http://schemas.microsoft.com/office/powerpoint/2010/main" val="1166011655"/>
       </p:ext>
     </p:extLst>
   </p:cSld>
@@ -6092,78 +7755,30 @@
           <a:chExt cx="0" cy="0"/>
         </a:xfrm>
       </p:grpSpPr>
-      <p:pic>
-        <p:nvPicPr>
-          <p:cNvPr id="3" name="Picture 2" descr="C:\Users\The Lin Nguyen\crowd-innovation\Meilenstein_3\Daten\crowd_innovation.jpg"/>
-          <p:cNvPicPr>
-            <a:picLocks noChangeAspect="1" noChangeArrowheads="1"/>
-          </p:cNvPicPr>
-          <p:nvPr/>
-        </p:nvPicPr>
-        <p:blipFill>
-          <a:blip r:embed="rId2" cstate="print">
-            <a:extLst>
-              <a:ext uri="{28A0092B-C50C-407E-A947-70E740481C1C}">
-                <a14:useLocalDpi xmlns:a14="http://schemas.microsoft.com/office/drawing/2010/main" val="0"/>
-              </a:ext>
-            </a:extLst>
-          </a:blip>
-          <a:srcRect/>
-          <a:stretch>
-            <a:fillRect/>
-          </a:stretch>
-        </p:blipFill>
-        <p:spPr bwMode="auto">
-          <a:xfrm>
-            <a:off x="827584" y="997773"/>
-            <a:ext cx="6912768" cy="4887691"/>
-          </a:xfrm>
-          <a:prstGeom prst="rect">
-            <a:avLst/>
-          </a:prstGeom>
-          <a:ln>
-            <a:noFill/>
-          </a:ln>
-          <a:effectLst>
-            <a:outerShdw blurRad="292100" dist="139700" dir="2700000" algn="tl" rotWithShape="0">
-              <a:srgbClr val="333333">
-                <a:alpha val="65000"/>
-              </a:srgbClr>
-            </a:outerShdw>
-          </a:effectLst>
-          <a:extLst>
-            <a:ext uri="{909E8E84-426E-40DD-AFC4-6F175D3DCCD1}">
-              <a14:hiddenFill xmlns:a14="http://schemas.microsoft.com/office/drawing/2010/main">
-                <a:solidFill>
-                  <a:srgbClr val="FFFFFF"/>
-                </a:solidFill>
-              </a14:hiddenFill>
-            </a:ext>
-          </a:extLst>
-        </p:spPr>
-      </p:pic>
-      <p:sp>
-        <p:nvSpPr>
-          <p:cNvPr id="2" name="Titel 1"/>
-          <p:cNvSpPr>
-            <a:spLocks noGrp="1"/>
-          </p:cNvSpPr>
-          <p:nvPr>
-            <p:ph type="title"/>
-          </p:nvPr>
-        </p:nvSpPr>
-        <p:spPr>
-          <a:xfrm>
-            <a:off x="6084168" y="6021288"/>
-            <a:ext cx="2232248" cy="638836"/>
-          </a:xfrm>
-        </p:spPr>
-        <p:txBody>
-          <a:bodyPr/>
-          <a:lstStyle/>
-          <a:p>
-            <a:r>
-              <a:rPr lang="de-DE" sz="4000" b="1" dirty="0" smtClean="0">
+      <p:sp>
+        <p:nvSpPr>
+          <p:cNvPr id="4" name="Textfeld 3"/>
+          <p:cNvSpPr txBox="1"/>
+          <p:nvPr/>
+        </p:nvSpPr>
+        <p:spPr>
+          <a:xfrm>
+            <a:off x="504884" y="285769"/>
+            <a:ext cx="1144865" cy="523220"/>
+          </a:xfrm>
+          <a:prstGeom prst="rect">
+            <a:avLst/>
+          </a:prstGeom>
+          <a:noFill/>
+        </p:spPr>
+        <p:txBody>
+          <a:bodyPr wrap="none" rtlCol="0">
+            <a:spAutoFit/>
+          </a:bodyPr>
+          <a:lstStyle/>
+          <a:p>
+            <a:r>
+              <a:rPr lang="de-DE" sz="2800" dirty="0" smtClean="0">
                 <a:effectLst>
                   <a:outerShdw blurRad="38100" dist="38100" dir="2700000" algn="tl">
                     <a:srgbClr val="000000">
@@ -6171,11 +7786,10 @@
                     </a:srgbClr>
                   </a:outerShdw>
                 </a:effectLst>
-                <a:latin typeface="+mn-lt"/>
               </a:rPr>
-              <a:t>7 Daten</a:t>
-            </a:r>
-            <a:endParaRPr lang="de-DE" sz="4000" b="1" dirty="0">
+              <a:t>Daten</a:t>
+            </a:r>
+            <a:endParaRPr lang="de-DE" sz="2800" dirty="0">
               <a:effectLst>
                 <a:outerShdw blurRad="38100" dist="38100" dir="2700000" algn="tl">
                   <a:srgbClr val="000000">
@@ -6183,24 +7797,290 @@
                   </a:srgbClr>
                 </a:outerShdw>
               </a:effectLst>
-              <a:latin typeface="+mn-lt"/>
             </a:endParaRPr>
           </a:p>
         </p:txBody>
       </p:sp>
+      <p:sp>
+        <p:nvSpPr>
+          <p:cNvPr id="2" name="Textfeld 1"/>
+          <p:cNvSpPr txBox="1"/>
+          <p:nvPr/>
+        </p:nvSpPr>
+        <p:spPr>
+          <a:xfrm>
+            <a:off x="755576" y="1233779"/>
+            <a:ext cx="1484124" cy="369332"/>
+          </a:xfrm>
+          <a:prstGeom prst="rect">
+            <a:avLst/>
+          </a:prstGeom>
+          <a:noFill/>
+        </p:spPr>
+        <p:txBody>
+          <a:bodyPr wrap="none" rtlCol="0">
+            <a:spAutoFit/>
+          </a:bodyPr>
+          <a:lstStyle/>
+          <a:p>
+            <a:r>
+              <a:rPr lang="de-DE" b="1" dirty="0" smtClean="0"/>
+              <a:t>7.1 Account</a:t>
+            </a:r>
+            <a:endParaRPr lang="de-DE" b="1" dirty="0"/>
+          </a:p>
+        </p:txBody>
+      </p:sp>
+      <p:graphicFrame>
+        <p:nvGraphicFramePr>
+          <p:cNvPr id="5" name="Tabelle 4"/>
+          <p:cNvGraphicFramePr>
+            <a:graphicFrameLocks noGrp="1"/>
+          </p:cNvGraphicFramePr>
+          <p:nvPr>
+            <p:extLst>
+              <p:ext uri="{D42A27DB-BD31-4B8C-83A1-F6EECF244321}">
+                <p14:modId xmlns:p14="http://schemas.microsoft.com/office/powerpoint/2010/main" val="605426995"/>
+              </p:ext>
+            </p:extLst>
+          </p:nvPr>
+        </p:nvGraphicFramePr>
+        <p:xfrm>
+          <a:off x="755576" y="1916832"/>
+          <a:ext cx="7056784" cy="3986127"/>
+        </p:xfrm>
+        <a:graphic>
+          <a:graphicData uri="http://schemas.openxmlformats.org/drawingml/2006/table">
+            <a:tbl>
+              <a:tblPr firstRow="1" bandRow="1">
+                <a:tableStyleId>{5C22544A-7EE6-4342-B048-85BDC9FD1C3A}</a:tableStyleId>
+              </a:tblPr>
+              <a:tblGrid>
+                <a:gridCol w="3528392"/>
+                <a:gridCol w="3528392"/>
+              </a:tblGrid>
+              <a:tr h="617807">
+                <a:tc>
+                  <a:txBody>
+                    <a:bodyPr/>
+                    <a:lstStyle/>
+                    <a:p>
+                      <a:r>
+                        <a:rPr lang="de-DE" dirty="0" smtClean="0"/>
+                        <a:t>Name</a:t>
+                      </a:r>
+                      <a:endParaRPr lang="de-DE" dirty="0"/>
+                    </a:p>
+                  </a:txBody>
+                  <a:tcPr/>
+                </a:tc>
+                <a:tc>
+                  <a:txBody>
+                    <a:bodyPr/>
+                    <a:lstStyle/>
+                    <a:p>
+                      <a:r>
+                        <a:rPr lang="de-DE" dirty="0" smtClean="0"/>
+                        <a:t>Dateityp/Beschreibung</a:t>
+                      </a:r>
+                      <a:endParaRPr lang="de-DE" dirty="0"/>
+                    </a:p>
+                  </a:txBody>
+                  <a:tcPr/>
+                </a:tc>
+              </a:tr>
+              <a:tr h="617807">
+                <a:tc>
+                  <a:txBody>
+                    <a:bodyPr/>
+                    <a:lstStyle/>
+                    <a:p>
+                      <a:r>
+                        <a:rPr lang="de-DE" dirty="0" smtClean="0"/>
+                        <a:t>Name</a:t>
+                      </a:r>
+                      <a:endParaRPr lang="de-DE" dirty="0"/>
+                    </a:p>
+                  </a:txBody>
+                  <a:tcPr/>
+                </a:tc>
+                <a:tc>
+                  <a:txBody>
+                    <a:bodyPr/>
+                    <a:lstStyle/>
+                    <a:p>
+                      <a:r>
+                        <a:rPr lang="de-DE" dirty="0" err="1" smtClean="0"/>
+                        <a:t>VarChar</a:t>
+                      </a:r>
+                      <a:r>
+                        <a:rPr lang="de-DE" baseline="0" dirty="0" smtClean="0"/>
+                        <a:t> (max.100 Zeichen)</a:t>
+                      </a:r>
+                      <a:endParaRPr lang="de-DE" dirty="0"/>
+                    </a:p>
+                  </a:txBody>
+                  <a:tcPr/>
+                </a:tc>
+              </a:tr>
+              <a:tr h="1066353">
+                <a:tc>
+                  <a:txBody>
+                    <a:bodyPr/>
+                    <a:lstStyle/>
+                    <a:p>
+                      <a:r>
+                        <a:rPr lang="de-DE" dirty="0" smtClean="0"/>
+                        <a:t>Passwort</a:t>
+                      </a:r>
+                      <a:endParaRPr lang="de-DE" dirty="0"/>
+                    </a:p>
+                  </a:txBody>
+                  <a:tcPr/>
+                </a:tc>
+                <a:tc>
+                  <a:txBody>
+                    <a:bodyPr/>
+                    <a:lstStyle/>
+                    <a:p>
+                      <a:r>
+                        <a:rPr lang="de-DE" dirty="0" err="1" smtClean="0"/>
+                        <a:t>VarChar</a:t>
+                      </a:r>
+                      <a:r>
+                        <a:rPr lang="de-DE" dirty="0" smtClean="0"/>
+                        <a:t> (max.</a:t>
+                      </a:r>
+                      <a:r>
+                        <a:rPr lang="de-DE" baseline="0" dirty="0" smtClean="0"/>
+                        <a:t>50 Zeichen),</a:t>
+                      </a:r>
+                    </a:p>
+                    <a:p>
+                      <a:r>
+                        <a:rPr lang="de-DE" baseline="0" dirty="0" smtClean="0"/>
+                        <a:t>SHA </a:t>
+                      </a:r>
+                      <a:r>
+                        <a:rPr lang="de-DE" baseline="0" dirty="0" err="1" smtClean="0"/>
+                        <a:t>verschlüssselt</a:t>
+                      </a:r>
+                      <a:endParaRPr lang="de-DE" dirty="0"/>
+                    </a:p>
+                  </a:txBody>
+                  <a:tcPr/>
+                </a:tc>
+              </a:tr>
+              <a:tr h="617807">
+                <a:tc>
+                  <a:txBody>
+                    <a:bodyPr/>
+                    <a:lstStyle/>
+                    <a:p>
+                      <a:r>
+                        <a:rPr lang="de-DE" dirty="0" smtClean="0"/>
+                        <a:t>E-Mail</a:t>
+                      </a:r>
+                      <a:endParaRPr lang="de-DE" dirty="0"/>
+                    </a:p>
+                  </a:txBody>
+                  <a:tcPr/>
+                </a:tc>
+                <a:tc>
+                  <a:txBody>
+                    <a:bodyPr/>
+                    <a:lstStyle/>
+                    <a:p>
+                      <a:r>
+                        <a:rPr lang="de-DE" dirty="0" err="1" smtClean="0"/>
+                        <a:t>VarChar</a:t>
+                      </a:r>
+                      <a:r>
+                        <a:rPr lang="de-DE" dirty="0" smtClean="0"/>
+                        <a:t> (max.100</a:t>
+                      </a:r>
+                      <a:r>
+                        <a:rPr lang="de-DE" baseline="0" dirty="0" smtClean="0"/>
+                        <a:t> Zeichen)</a:t>
+                      </a:r>
+                      <a:endParaRPr lang="de-DE" dirty="0"/>
+                    </a:p>
+                  </a:txBody>
+                  <a:tcPr/>
+                </a:tc>
+              </a:tr>
+              <a:tr h="1066353">
+                <a:tc>
+                  <a:txBody>
+                    <a:bodyPr/>
+                    <a:lstStyle/>
+                    <a:p>
+                      <a:r>
+                        <a:rPr lang="de-DE" dirty="0" smtClean="0"/>
+                        <a:t>Benutzergruppe</a:t>
+                      </a:r>
+                      <a:r>
+                        <a:rPr lang="de-DE" baseline="0" dirty="0" smtClean="0"/>
+                        <a:t> (Standard)</a:t>
+                      </a:r>
+                      <a:endParaRPr lang="de-DE" dirty="0"/>
+                    </a:p>
+                  </a:txBody>
+                  <a:tcPr/>
+                </a:tc>
+                <a:tc>
+                  <a:txBody>
+                    <a:bodyPr/>
+                    <a:lstStyle/>
+                    <a:p>
+                      <a:r>
+                        <a:rPr lang="de-DE" dirty="0" smtClean="0"/>
+                        <a:t>Integer/nur</a:t>
+                      </a:r>
+                      <a:r>
+                        <a:rPr lang="de-DE" baseline="0" dirty="0" smtClean="0"/>
+                        <a:t> für </a:t>
+                      </a:r>
+                      <a:r>
+                        <a:rPr lang="de-DE" baseline="0" dirty="0" err="1" smtClean="0"/>
+                        <a:t>Admins</a:t>
+                      </a:r>
+                      <a:r>
+                        <a:rPr lang="de-DE" baseline="0" dirty="0" smtClean="0"/>
+                        <a:t> einsehbar</a:t>
+                      </a:r>
+                      <a:endParaRPr lang="de-DE" dirty="0"/>
+                    </a:p>
+                  </a:txBody>
+                  <a:tcPr/>
+                </a:tc>
+              </a:tr>
+            </a:tbl>
+          </a:graphicData>
+        </a:graphic>
+      </p:graphicFrame>
     </p:spTree>
     <p:extLst>
       <p:ext uri="{BB962C8B-B14F-4D97-AF65-F5344CB8AC3E}">
-        <p14:creationId xmlns:p14="http://schemas.microsoft.com/office/powerpoint/2010/main" val="1166011655"/>
+        <p14:creationId xmlns:p14="http://schemas.microsoft.com/office/powerpoint/2010/main" val="821723012"/>
       </p:ext>
     </p:extLst>
   </p:cSld>
   <p:clrMapOvr>
     <a:masterClrMapping/>
   </p:clrMapOvr>
-  <p:transition spd="slow">
-    <p:push dir="u"/>
-  </p:transition>
+  <mc:AlternateContent xmlns:mc="http://schemas.openxmlformats.org/markup-compatibility/2006">
+    <mc:Choice xmlns:p14="http://schemas.microsoft.com/office/powerpoint/2010/main" Requires="p14">
+      <p:transition spd="med" p14:dur="700">
+        <p:fade/>
+      </p:transition>
+    </mc:Choice>
+    <mc:Fallback>
+      <p:transition spd="med">
+        <p:fade/>
+      </p:transition>
+    </mc:Fallback>
+  </mc:AlternateContent>
   <p:timing>
     <p:tnLst>
       <p:par>
@@ -6282,8 +8162,8 @@
         </p:nvSpPr>
         <p:spPr>
           <a:xfrm>
-            <a:off x="1043608" y="898140"/>
-            <a:ext cx="1484124" cy="369332"/>
+            <a:off x="517297" y="1269141"/>
+            <a:ext cx="3198311" cy="369332"/>
           </a:xfrm>
           <a:prstGeom prst="rect">
             <a:avLst/>
@@ -6298,25 +8178,288 @@
           <a:p>
             <a:r>
               <a:rPr lang="de-DE" b="1" dirty="0" smtClean="0"/>
-              <a:t>7.1 Account</a:t>
+              <a:t>7.2 Ideen-Ausschreibungen</a:t>
             </a:r>
             <a:endParaRPr lang="de-DE" b="1" dirty="0"/>
           </a:p>
         </p:txBody>
       </p:sp>
+      <p:graphicFrame>
+        <p:nvGraphicFramePr>
+          <p:cNvPr id="3" name="Tabelle 2"/>
+          <p:cNvGraphicFramePr>
+            <a:graphicFrameLocks noGrp="1"/>
+          </p:cNvGraphicFramePr>
+          <p:nvPr>
+            <p:extLst>
+              <p:ext uri="{D42A27DB-BD31-4B8C-83A1-F6EECF244321}">
+                <p14:modId xmlns:p14="http://schemas.microsoft.com/office/powerpoint/2010/main" val="4052106353"/>
+              </p:ext>
+            </p:extLst>
+          </p:nvPr>
+        </p:nvGraphicFramePr>
+        <p:xfrm>
+          <a:off x="486664" y="1988840"/>
+          <a:ext cx="7628086" cy="3585201"/>
+        </p:xfrm>
+        <a:graphic>
+          <a:graphicData uri="http://schemas.openxmlformats.org/drawingml/2006/table">
+            <a:tbl>
+              <a:tblPr firstRow="1" bandRow="1">
+                <a:tableStyleId>{5C22544A-7EE6-4342-B048-85BDC9FD1C3A}</a:tableStyleId>
+              </a:tblPr>
+              <a:tblGrid>
+                <a:gridCol w="3814043"/>
+                <a:gridCol w="3814043"/>
+              </a:tblGrid>
+              <a:tr h="464042">
+                <a:tc>
+                  <a:txBody>
+                    <a:bodyPr/>
+                    <a:lstStyle/>
+                    <a:p>
+                      <a:r>
+                        <a:rPr lang="de-DE" sz="2200" dirty="0" smtClean="0"/>
+                        <a:t>Name</a:t>
+                      </a:r>
+                      <a:endParaRPr lang="de-DE" sz="2200" dirty="0"/>
+                    </a:p>
+                  </a:txBody>
+                  <a:tcPr marL="114421" marR="114421" marT="57210" marB="57210"/>
+                </a:tc>
+                <a:tc>
+                  <a:txBody>
+                    <a:bodyPr/>
+                    <a:lstStyle/>
+                    <a:p>
+                      <a:r>
+                        <a:rPr lang="de-DE" sz="2200" dirty="0" smtClean="0"/>
+                        <a:t>Dateityp/Beschreibung</a:t>
+                      </a:r>
+                      <a:endParaRPr lang="de-DE" sz="2200" dirty="0"/>
+                    </a:p>
+                  </a:txBody>
+                  <a:tcPr marL="114421" marR="114421" marT="57210" marB="57210"/>
+                </a:tc>
+              </a:tr>
+              <a:tr h="464042">
+                <a:tc>
+                  <a:txBody>
+                    <a:bodyPr/>
+                    <a:lstStyle/>
+                    <a:p>
+                      <a:r>
+                        <a:rPr lang="de-DE" sz="2200" dirty="0" smtClean="0"/>
+                        <a:t>Ideenname</a:t>
+                      </a:r>
+                      <a:endParaRPr lang="de-DE" sz="2200" dirty="0"/>
+                    </a:p>
+                  </a:txBody>
+                  <a:tcPr marL="114421" marR="114421" marT="57210" marB="57210"/>
+                </a:tc>
+                <a:tc>
+                  <a:txBody>
+                    <a:bodyPr/>
+                    <a:lstStyle/>
+                    <a:p>
+                      <a:r>
+                        <a:rPr lang="de-DE" sz="2200" dirty="0" err="1" smtClean="0"/>
+                        <a:t>VarChar</a:t>
+                      </a:r>
+                      <a:r>
+                        <a:rPr lang="de-DE" sz="2200" baseline="0" dirty="0" smtClean="0"/>
+                        <a:t> (max.100 Zeichen)</a:t>
+                      </a:r>
+                      <a:endParaRPr lang="de-DE" sz="2200" dirty="0"/>
+                    </a:p>
+                  </a:txBody>
+                  <a:tcPr marL="114421" marR="114421" marT="57210" marB="57210"/>
+                </a:tc>
+              </a:tr>
+              <a:tr h="464042">
+                <a:tc>
+                  <a:txBody>
+                    <a:bodyPr/>
+                    <a:lstStyle/>
+                    <a:p>
+                      <a:r>
+                        <a:rPr lang="de-DE" sz="2200" dirty="0" smtClean="0"/>
+                        <a:t>Ideen-ID</a:t>
+                      </a:r>
+                      <a:endParaRPr lang="de-DE" sz="2200" dirty="0"/>
+                    </a:p>
+                  </a:txBody>
+                  <a:tcPr marL="114421" marR="114421" marT="57210" marB="57210"/>
+                </a:tc>
+                <a:tc>
+                  <a:txBody>
+                    <a:bodyPr/>
+                    <a:lstStyle/>
+                    <a:p>
+                      <a:r>
+                        <a:rPr lang="de-DE" sz="2200" dirty="0" smtClean="0"/>
+                        <a:t>Integer</a:t>
+                      </a:r>
+                      <a:endParaRPr lang="de-DE" sz="2200" dirty="0"/>
+                    </a:p>
+                  </a:txBody>
+                  <a:tcPr marL="114421" marR="114421" marT="57210" marB="57210"/>
+                </a:tc>
+              </a:tr>
+              <a:tr h="464042">
+                <a:tc>
+                  <a:txBody>
+                    <a:bodyPr/>
+                    <a:lstStyle/>
+                    <a:p>
+                      <a:r>
+                        <a:rPr lang="de-DE" sz="2200" dirty="0" smtClean="0"/>
+                        <a:t>Wettbewerb</a:t>
+                      </a:r>
+                      <a:endParaRPr lang="de-DE" sz="2200" dirty="0"/>
+                    </a:p>
+                  </a:txBody>
+                  <a:tcPr marL="114421" marR="114421" marT="57210" marB="57210"/>
+                </a:tc>
+                <a:tc>
+                  <a:txBody>
+                    <a:bodyPr/>
+                    <a:lstStyle/>
+                    <a:p>
+                      <a:r>
+                        <a:rPr lang="de-DE" sz="2200" dirty="0" smtClean="0"/>
+                        <a:t>Array</a:t>
+                      </a:r>
+                      <a:endParaRPr lang="de-DE" sz="2200" dirty="0"/>
+                    </a:p>
+                  </a:txBody>
+                  <a:tcPr marL="114421" marR="114421" marT="57210" marB="57210"/>
+                </a:tc>
+              </a:tr>
+              <a:tr h="464042">
+                <a:tc>
+                  <a:txBody>
+                    <a:bodyPr/>
+                    <a:lstStyle/>
+                    <a:p>
+                      <a:r>
+                        <a:rPr lang="de-DE" sz="2200" dirty="0" smtClean="0"/>
+                        <a:t>Beschreibung</a:t>
+                      </a:r>
+                      <a:endParaRPr lang="de-DE" sz="2200" dirty="0"/>
+                    </a:p>
+                  </a:txBody>
+                  <a:tcPr marL="114421" marR="114421" marT="57210" marB="57210"/>
+                </a:tc>
+                <a:tc>
+                  <a:txBody>
+                    <a:bodyPr/>
+                    <a:lstStyle/>
+                    <a:p>
+                      <a:r>
+                        <a:rPr lang="de-DE" sz="2200" dirty="0" smtClean="0"/>
+                        <a:t>Text</a:t>
+                      </a:r>
+                      <a:endParaRPr lang="de-DE" sz="2200" dirty="0"/>
+                    </a:p>
+                  </a:txBody>
+                  <a:tcPr marL="114421" marR="114421" marT="57210" marB="57210"/>
+                </a:tc>
+              </a:tr>
+              <a:tr h="800949">
+                <a:tc>
+                  <a:txBody>
+                    <a:bodyPr/>
+                    <a:lstStyle/>
+                    <a:p>
+                      <a:r>
+                        <a:rPr lang="de-DE" sz="2200" dirty="0" smtClean="0"/>
+                        <a:t>Bilder</a:t>
+                      </a:r>
+                      <a:endParaRPr lang="de-DE" sz="2200" dirty="0"/>
+                    </a:p>
+                  </a:txBody>
+                  <a:tcPr marL="114421" marR="114421" marT="57210" marB="57210"/>
+                </a:tc>
+                <a:tc>
+                  <a:txBody>
+                    <a:bodyPr/>
+                    <a:lstStyle/>
+                    <a:p>
+                      <a:r>
+                        <a:rPr lang="de-DE" sz="2200" dirty="0" smtClean="0"/>
+                        <a:t>max. </a:t>
+                      </a:r>
+                      <a:r>
+                        <a:rPr lang="de-DE" sz="2200" baseline="0" dirty="0" smtClean="0"/>
+                        <a:t>500x500 Pixel, max.15 MB</a:t>
+                      </a:r>
+                      <a:endParaRPr lang="de-DE" sz="2200" dirty="0"/>
+                    </a:p>
+                  </a:txBody>
+                  <a:tcPr marL="114421" marR="114421" marT="57210" marB="57210"/>
+                </a:tc>
+              </a:tr>
+              <a:tr h="464042">
+                <a:tc>
+                  <a:txBody>
+                    <a:bodyPr/>
+                    <a:lstStyle/>
+                    <a:p>
+                      <a:r>
+                        <a:rPr lang="de-DE" sz="2200" dirty="0" smtClean="0"/>
+                        <a:t>Videos</a:t>
+                      </a:r>
+                      <a:endParaRPr lang="de-DE" sz="2200" dirty="0"/>
+                    </a:p>
+                  </a:txBody>
+                  <a:tcPr marL="114421" marR="114421" marT="57210" marB="57210"/>
+                </a:tc>
+                <a:tc>
+                  <a:txBody>
+                    <a:bodyPr/>
+                    <a:lstStyle/>
+                    <a:p>
+                      <a:r>
+                        <a:rPr lang="de-DE" sz="2200" dirty="0" smtClean="0"/>
+                        <a:t>max. 10</a:t>
+                      </a:r>
+                      <a:r>
+                        <a:rPr lang="de-DE" sz="2200" baseline="0" dirty="0" smtClean="0"/>
+                        <a:t> min, max. 50 MB</a:t>
+                      </a:r>
+                      <a:endParaRPr lang="de-DE" sz="2200" dirty="0"/>
+                    </a:p>
+                  </a:txBody>
+                  <a:tcPr marL="114421" marR="114421" marT="57210" marB="57210"/>
+                </a:tc>
+              </a:tr>
+            </a:tbl>
+          </a:graphicData>
+        </a:graphic>
+      </p:graphicFrame>
     </p:spTree>
     <p:extLst>
       <p:ext uri="{BB962C8B-B14F-4D97-AF65-F5344CB8AC3E}">
-        <p14:creationId xmlns:p14="http://schemas.microsoft.com/office/powerpoint/2010/main" val="821723012"/>
+        <p14:creationId xmlns:p14="http://schemas.microsoft.com/office/powerpoint/2010/main" val="139446247"/>
       </p:ext>
     </p:extLst>
   </p:cSld>
   <p:clrMapOvr>
     <a:masterClrMapping/>
   </p:clrMapOvr>
-  <p:transition spd="slow">
-    <p:push dir="u"/>
-  </p:transition>
+  <mc:AlternateContent xmlns:mc="http://schemas.openxmlformats.org/markup-compatibility/2006">
+    <mc:Choice xmlns:p14="http://schemas.microsoft.com/office/powerpoint/2010/main" Requires="p14">
+      <p:transition spd="med" p14:dur="700">
+        <p:fade/>
+      </p:transition>
+    </mc:Choice>
+    <mc:Fallback>
+      <p:transition spd="med">
+        <p:fade/>
+      </p:transition>
+    </mc:Fallback>
+  </mc:AlternateContent>
   <p:timing>
     <p:tnLst>
       <p:par>
@@ -6398,8 +8541,8 @@
         </p:nvSpPr>
         <p:spPr>
           <a:xfrm>
-            <a:off x="1043608" y="898140"/>
-            <a:ext cx="3198311" cy="369332"/>
+            <a:off x="648994" y="1267472"/>
+            <a:ext cx="2001510" cy="369332"/>
           </a:xfrm>
           <a:prstGeom prst="rect">
             <a:avLst/>
@@ -6414,25 +8557,194 @@
           <a:p>
             <a:r>
               <a:rPr lang="de-DE" b="1" dirty="0" smtClean="0"/>
-              <a:t>7.2 Ideen-Ausschreibungen</a:t>
+              <a:t>7.3 Wettbewerbe</a:t>
             </a:r>
             <a:endParaRPr lang="de-DE" b="1" dirty="0"/>
           </a:p>
         </p:txBody>
       </p:sp>
+      <p:graphicFrame>
+        <p:nvGraphicFramePr>
+          <p:cNvPr id="3" name="Tabelle 2"/>
+          <p:cNvGraphicFramePr>
+            <a:graphicFrameLocks noGrp="1"/>
+          </p:cNvGraphicFramePr>
+          <p:nvPr>
+            <p:extLst>
+              <p:ext uri="{D42A27DB-BD31-4B8C-83A1-F6EECF244321}">
+                <p14:modId xmlns:p14="http://schemas.microsoft.com/office/powerpoint/2010/main" val="3754391453"/>
+              </p:ext>
+            </p:extLst>
+          </p:nvPr>
+        </p:nvGraphicFramePr>
+        <p:xfrm>
+          <a:off x="323528" y="2348880"/>
+          <a:ext cx="7871540" cy="1915408"/>
+        </p:xfrm>
+        <a:graphic>
+          <a:graphicData uri="http://schemas.openxmlformats.org/drawingml/2006/table">
+            <a:tbl>
+              <a:tblPr firstRow="1" bandRow="1">
+                <a:tableStyleId>{5C22544A-7EE6-4342-B048-85BDC9FD1C3A}</a:tableStyleId>
+              </a:tblPr>
+              <a:tblGrid>
+                <a:gridCol w="3935770"/>
+                <a:gridCol w="3935770"/>
+              </a:tblGrid>
+              <a:tr h="478852">
+                <a:tc>
+                  <a:txBody>
+                    <a:bodyPr/>
+                    <a:lstStyle/>
+                    <a:p>
+                      <a:r>
+                        <a:rPr lang="de-DE" sz="2300" dirty="0" smtClean="0"/>
+                        <a:t>Name</a:t>
+                      </a:r>
+                      <a:endParaRPr lang="de-DE" sz="2300" dirty="0"/>
+                    </a:p>
+                  </a:txBody>
+                  <a:tcPr marL="118073" marR="118073" marT="59036" marB="59036"/>
+                </a:tc>
+                <a:tc>
+                  <a:txBody>
+                    <a:bodyPr/>
+                    <a:lstStyle/>
+                    <a:p>
+                      <a:r>
+                        <a:rPr lang="de-DE" sz="2300" dirty="0" smtClean="0"/>
+                        <a:t>Dateityp/Beschreibung</a:t>
+                      </a:r>
+                      <a:endParaRPr lang="de-DE" sz="2300" dirty="0"/>
+                    </a:p>
+                  </a:txBody>
+                  <a:tcPr marL="118073" marR="118073" marT="59036" marB="59036"/>
+                </a:tc>
+              </a:tr>
+              <a:tr h="478852">
+                <a:tc>
+                  <a:txBody>
+                    <a:bodyPr/>
+                    <a:lstStyle/>
+                    <a:p>
+                      <a:r>
+                        <a:rPr lang="de-DE" sz="2300" dirty="0" smtClean="0"/>
+                        <a:t>Kategorie</a:t>
+                      </a:r>
+                      <a:endParaRPr lang="de-DE" sz="2300" dirty="0"/>
+                    </a:p>
+                  </a:txBody>
+                  <a:tcPr marL="118073" marR="118073" marT="59036" marB="59036"/>
+                </a:tc>
+                <a:tc>
+                  <a:txBody>
+                    <a:bodyPr/>
+                    <a:lstStyle/>
+                    <a:p>
+                      <a:r>
+                        <a:rPr lang="de-DE" sz="2300" dirty="0" err="1" smtClean="0"/>
+                        <a:t>VarChar</a:t>
+                      </a:r>
+                      <a:r>
+                        <a:rPr lang="de-DE" sz="2300" dirty="0" smtClean="0"/>
+                        <a:t> (max.100</a:t>
+                      </a:r>
+                      <a:r>
+                        <a:rPr lang="de-DE" sz="2300" baseline="0" dirty="0" smtClean="0"/>
+                        <a:t> Zeichen)</a:t>
+                      </a:r>
+                      <a:endParaRPr lang="de-DE" sz="2300" dirty="0"/>
+                    </a:p>
+                  </a:txBody>
+                  <a:tcPr marL="118073" marR="118073" marT="59036" marB="59036"/>
+                </a:tc>
+              </a:tr>
+              <a:tr h="478852">
+                <a:tc>
+                  <a:txBody>
+                    <a:bodyPr/>
+                    <a:lstStyle/>
+                    <a:p>
+                      <a:r>
+                        <a:rPr lang="de-DE" sz="2300" dirty="0" smtClean="0"/>
+                        <a:t>Kategorie-ID</a:t>
+                      </a:r>
+                      <a:endParaRPr lang="de-DE" sz="2300" dirty="0"/>
+                    </a:p>
+                  </a:txBody>
+                  <a:tcPr marL="118073" marR="118073" marT="59036" marB="59036"/>
+                </a:tc>
+                <a:tc>
+                  <a:txBody>
+                    <a:bodyPr/>
+                    <a:lstStyle/>
+                    <a:p>
+                      <a:r>
+                        <a:rPr lang="de-DE" sz="2300" dirty="0" smtClean="0"/>
+                        <a:t>Integer</a:t>
+                      </a:r>
+                      <a:endParaRPr lang="de-DE" sz="2300" dirty="0"/>
+                    </a:p>
+                  </a:txBody>
+                  <a:tcPr marL="118073" marR="118073" marT="59036" marB="59036"/>
+                </a:tc>
+              </a:tr>
+              <a:tr h="478852">
+                <a:tc>
+                  <a:txBody>
+                    <a:bodyPr/>
+                    <a:lstStyle/>
+                    <a:p>
+                      <a:r>
+                        <a:rPr lang="de-DE" sz="2300" dirty="0" smtClean="0"/>
+                        <a:t>Projektanzahl</a:t>
+                      </a:r>
+                      <a:endParaRPr lang="de-DE" sz="2300" dirty="0"/>
+                    </a:p>
+                  </a:txBody>
+                  <a:tcPr marL="118073" marR="118073" marT="59036" marB="59036"/>
+                </a:tc>
+                <a:tc>
+                  <a:txBody>
+                    <a:bodyPr/>
+                    <a:lstStyle/>
+                    <a:p>
+                      <a:r>
+                        <a:rPr lang="de-DE" sz="2300" dirty="0" smtClean="0"/>
+                        <a:t>Integer</a:t>
+                      </a:r>
+                      <a:endParaRPr lang="de-DE" sz="2300" dirty="0"/>
+                    </a:p>
+                  </a:txBody>
+                  <a:tcPr marL="118073" marR="118073" marT="59036" marB="59036"/>
+                </a:tc>
+              </a:tr>
+            </a:tbl>
+          </a:graphicData>
+        </a:graphic>
+      </p:graphicFrame>
     </p:spTree>
     <p:extLst>
       <p:ext uri="{BB962C8B-B14F-4D97-AF65-F5344CB8AC3E}">
-        <p14:creationId xmlns:p14="http://schemas.microsoft.com/office/powerpoint/2010/main" val="139446247"/>
+        <p14:creationId xmlns:p14="http://schemas.microsoft.com/office/powerpoint/2010/main" val="1503155074"/>
       </p:ext>
     </p:extLst>
   </p:cSld>
   <p:clrMapOvr>
     <a:masterClrMapping/>
   </p:clrMapOvr>
-  <p:transition spd="slow">
-    <p:push dir="u"/>
-  </p:transition>
+  <mc:AlternateContent xmlns:mc="http://schemas.openxmlformats.org/markup-compatibility/2006">
+    <mc:Choice xmlns:p14="http://schemas.microsoft.com/office/powerpoint/2010/main" Requires="p14">
+      <p:transition spd="med" p14:dur="700">
+        <p:fade/>
+      </p:transition>
+    </mc:Choice>
+    <mc:Fallback>
+      <p:transition spd="med">
+        <p:fade/>
+      </p:transition>
+    </mc:Fallback>
+  </mc:AlternateContent>
   <p:timing>
     <p:tnLst>
       <p:par>
@@ -6876,9 +9188,18 @@
   <p:clrMapOvr>
     <a:masterClrMapping/>
   </p:clrMapOvr>
-  <p:transition spd="slow">
-    <p:push dir="u"/>
-  </p:transition>
+  <mc:AlternateContent xmlns:mc="http://schemas.openxmlformats.org/markup-compatibility/2006">
+    <mc:Choice xmlns:p14="http://schemas.microsoft.com/office/powerpoint/2010/main" Requires="p14">
+      <p:transition spd="med" p14:dur="700">
+        <p:fade/>
+      </p:transition>
+    </mc:Choice>
+    <mc:Fallback>
+      <p:transition spd="med">
+        <p:fade/>
+      </p:transition>
+    </mc:Fallback>
+  </mc:AlternateContent>
   <p:timing>
     <p:tnLst>
       <p:par>
@@ -6906,30 +9227,78 @@
           <a:chExt cx="0" cy="0"/>
         </a:xfrm>
       </p:grpSpPr>
-      <p:sp>
-        <p:nvSpPr>
-          <p:cNvPr id="4" name="Textfeld 3"/>
-          <p:cNvSpPr txBox="1"/>
-          <p:nvPr/>
-        </p:nvSpPr>
-        <p:spPr>
-          <a:xfrm>
-            <a:off x="504884" y="285769"/>
-            <a:ext cx="1144865" cy="523220"/>
-          </a:xfrm>
-          <a:prstGeom prst="rect">
-            <a:avLst/>
-          </a:prstGeom>
-          <a:noFill/>
-        </p:spPr>
-        <p:txBody>
-          <a:bodyPr wrap="none" rtlCol="0">
-            <a:spAutoFit/>
-          </a:bodyPr>
-          <a:lstStyle/>
-          <a:p>
-            <a:r>
-              <a:rPr lang="de-DE" sz="2800" dirty="0" smtClean="0">
+      <p:pic>
+        <p:nvPicPr>
+          <p:cNvPr id="3" name="Picture 2" descr="C:\Users\The Lin Nguyen\crowd-innovation\Meilenstein_3\Daten\crowd_innovation.jpg"/>
+          <p:cNvPicPr>
+            <a:picLocks noChangeAspect="1" noChangeArrowheads="1"/>
+          </p:cNvPicPr>
+          <p:nvPr/>
+        </p:nvPicPr>
+        <p:blipFill>
+          <a:blip r:embed="rId2" cstate="print">
+            <a:extLst>
+              <a:ext uri="{28A0092B-C50C-407E-A947-70E740481C1C}">
+                <a14:useLocalDpi xmlns:a14="http://schemas.microsoft.com/office/drawing/2010/main" val="0"/>
+              </a:ext>
+            </a:extLst>
+          </a:blip>
+          <a:srcRect/>
+          <a:stretch>
+            <a:fillRect/>
+          </a:stretch>
+        </p:blipFill>
+        <p:spPr bwMode="auto">
+          <a:xfrm>
+            <a:off x="827584" y="997773"/>
+            <a:ext cx="6912768" cy="4887691"/>
+          </a:xfrm>
+          <a:prstGeom prst="rect">
+            <a:avLst/>
+          </a:prstGeom>
+          <a:ln>
+            <a:noFill/>
+          </a:ln>
+          <a:effectLst>
+            <a:outerShdw blurRad="292100" dist="139700" dir="2700000" algn="tl" rotWithShape="0">
+              <a:srgbClr val="333333">
+                <a:alpha val="65000"/>
+              </a:srgbClr>
+            </a:outerShdw>
+          </a:effectLst>
+          <a:extLst>
+            <a:ext uri="{909E8E84-426E-40DD-AFC4-6F175D3DCCD1}">
+              <a14:hiddenFill xmlns:a14="http://schemas.microsoft.com/office/drawing/2010/main">
+                <a:solidFill>
+                  <a:srgbClr val="FFFFFF"/>
+                </a:solidFill>
+              </a14:hiddenFill>
+            </a:ext>
+          </a:extLst>
+        </p:spPr>
+      </p:pic>
+      <p:sp>
+        <p:nvSpPr>
+          <p:cNvPr id="2" name="Titel 1"/>
+          <p:cNvSpPr>
+            <a:spLocks noGrp="1"/>
+          </p:cNvSpPr>
+          <p:nvPr>
+            <p:ph type="title"/>
+          </p:nvPr>
+        </p:nvSpPr>
+        <p:spPr>
+          <a:xfrm>
+            <a:off x="1763688" y="6021288"/>
+            <a:ext cx="6552728" cy="638836"/>
+          </a:xfrm>
+        </p:spPr>
+        <p:txBody>
+          <a:bodyPr/>
+          <a:lstStyle/>
+          <a:p>
+            <a:r>
+              <a:rPr lang="de-DE" sz="4000" b="1" dirty="0" smtClean="0">
                 <a:effectLst>
                   <a:outerShdw blurRad="38100" dist="38100" dir="2700000" algn="tl">
                     <a:srgbClr val="000000">
@@ -6937,10 +9306,11 @@
                     </a:srgbClr>
                   </a:outerShdw>
                 </a:effectLst>
+                <a:latin typeface="+mn-lt"/>
               </a:rPr>
-              <a:t>Daten</a:t>
-            </a:r>
-            <a:endParaRPr lang="de-DE" sz="2800" dirty="0">
+              <a:t>8 Qualitätsforderung</a:t>
+            </a:r>
+            <a:endParaRPr lang="de-DE" sz="4000" b="1" dirty="0">
               <a:effectLst>
                 <a:outerShdw blurRad="38100" dist="38100" dir="2700000" algn="tl">
                   <a:srgbClr val="000000">
@@ -6948,44 +9318,15 @@
                   </a:srgbClr>
                 </a:outerShdw>
               </a:effectLst>
+              <a:latin typeface="+mn-lt"/>
             </a:endParaRPr>
-          </a:p>
-        </p:txBody>
-      </p:sp>
-      <p:sp>
-        <p:nvSpPr>
-          <p:cNvPr id="2" name="Textfeld 1"/>
-          <p:cNvSpPr txBox="1"/>
-          <p:nvPr/>
-        </p:nvSpPr>
-        <p:spPr>
-          <a:xfrm>
-            <a:off x="1043608" y="898140"/>
-            <a:ext cx="2001510" cy="369332"/>
-          </a:xfrm>
-          <a:prstGeom prst="rect">
-            <a:avLst/>
-          </a:prstGeom>
-          <a:noFill/>
-        </p:spPr>
-        <p:txBody>
-          <a:bodyPr wrap="none" rtlCol="0">
-            <a:spAutoFit/>
-          </a:bodyPr>
-          <a:lstStyle/>
-          <a:p>
-            <a:r>
-              <a:rPr lang="de-DE" b="1" dirty="0" smtClean="0"/>
-              <a:t>7.3 Wettbewerbe</a:t>
-            </a:r>
-            <a:endParaRPr lang="de-DE" b="1" dirty="0"/>
           </a:p>
         </p:txBody>
       </p:sp>
     </p:spTree>
     <p:extLst>
       <p:ext uri="{BB962C8B-B14F-4D97-AF65-F5344CB8AC3E}">
-        <p14:creationId xmlns:p14="http://schemas.microsoft.com/office/powerpoint/2010/main" val="1503155074"/>
+        <p14:creationId xmlns:p14="http://schemas.microsoft.com/office/powerpoint/2010/main" val="795370688"/>
       </p:ext>
     </p:extLst>
   </p:cSld>
@@ -7022,78 +9363,30 @@
           <a:chExt cx="0" cy="0"/>
         </a:xfrm>
       </p:grpSpPr>
-      <p:pic>
-        <p:nvPicPr>
-          <p:cNvPr id="3" name="Picture 2" descr="C:\Users\The Lin Nguyen\crowd-innovation\Meilenstein_3\Daten\crowd_innovation.jpg"/>
-          <p:cNvPicPr>
-            <a:picLocks noChangeAspect="1" noChangeArrowheads="1"/>
-          </p:cNvPicPr>
-          <p:nvPr/>
-        </p:nvPicPr>
-        <p:blipFill>
-          <a:blip r:embed="rId2" cstate="print">
-            <a:extLst>
-              <a:ext uri="{28A0092B-C50C-407E-A947-70E740481C1C}">
-                <a14:useLocalDpi xmlns:a14="http://schemas.microsoft.com/office/drawing/2010/main" val="0"/>
-              </a:ext>
-            </a:extLst>
-          </a:blip>
-          <a:srcRect/>
-          <a:stretch>
-            <a:fillRect/>
-          </a:stretch>
-        </p:blipFill>
-        <p:spPr bwMode="auto">
-          <a:xfrm>
-            <a:off x="827584" y="997773"/>
-            <a:ext cx="6912768" cy="4887691"/>
-          </a:xfrm>
-          <a:prstGeom prst="rect">
-            <a:avLst/>
-          </a:prstGeom>
-          <a:ln>
-            <a:noFill/>
-          </a:ln>
-          <a:effectLst>
-            <a:outerShdw blurRad="292100" dist="139700" dir="2700000" algn="tl" rotWithShape="0">
-              <a:srgbClr val="333333">
-                <a:alpha val="65000"/>
-              </a:srgbClr>
-            </a:outerShdw>
-          </a:effectLst>
-          <a:extLst>
-            <a:ext uri="{909E8E84-426E-40DD-AFC4-6F175D3DCCD1}">
-              <a14:hiddenFill xmlns:a14="http://schemas.microsoft.com/office/drawing/2010/main">
-                <a:solidFill>
-                  <a:srgbClr val="FFFFFF"/>
-                </a:solidFill>
-              </a14:hiddenFill>
-            </a:ext>
-          </a:extLst>
-        </p:spPr>
-      </p:pic>
-      <p:sp>
-        <p:nvSpPr>
-          <p:cNvPr id="2" name="Titel 1"/>
-          <p:cNvSpPr>
-            <a:spLocks noGrp="1"/>
-          </p:cNvSpPr>
-          <p:nvPr>
-            <p:ph type="title"/>
-          </p:nvPr>
-        </p:nvSpPr>
-        <p:spPr>
-          <a:xfrm>
-            <a:off x="1763688" y="6021288"/>
-            <a:ext cx="6552728" cy="638836"/>
-          </a:xfrm>
-        </p:spPr>
-        <p:txBody>
-          <a:bodyPr/>
-          <a:lstStyle/>
-          <a:p>
-            <a:r>
-              <a:rPr lang="de-DE" sz="4000" b="1" dirty="0" smtClean="0">
+      <p:sp>
+        <p:nvSpPr>
+          <p:cNvPr id="4" name="Textfeld 3"/>
+          <p:cNvSpPr txBox="1"/>
+          <p:nvPr/>
+        </p:nvSpPr>
+        <p:spPr>
+          <a:xfrm>
+            <a:off x="504884" y="285769"/>
+            <a:ext cx="3546164" cy="523220"/>
+          </a:xfrm>
+          <a:prstGeom prst="rect">
+            <a:avLst/>
+          </a:prstGeom>
+          <a:noFill/>
+        </p:spPr>
+        <p:txBody>
+          <a:bodyPr wrap="none" rtlCol="0">
+            <a:spAutoFit/>
+          </a:bodyPr>
+          <a:lstStyle/>
+          <a:p>
+            <a:r>
+              <a:rPr lang="de-DE" sz="2800" dirty="0" smtClean="0">
                 <a:effectLst>
                   <a:outerShdw blurRad="38100" dist="38100" dir="2700000" algn="tl">
                     <a:srgbClr val="000000">
@@ -7101,11 +9394,10 @@
                     </a:srgbClr>
                   </a:outerShdw>
                 </a:effectLst>
-                <a:latin typeface="+mn-lt"/>
               </a:rPr>
-              <a:t>8 Qualitätsforderung</a:t>
-            </a:r>
-            <a:endParaRPr lang="de-DE" sz="4000" b="1" dirty="0">
+              <a:t>Qualitätsanforderung</a:t>
+            </a:r>
+            <a:endParaRPr lang="de-DE" sz="2800" dirty="0">
               <a:effectLst>
                 <a:outerShdw blurRad="38100" dist="38100" dir="2700000" algn="tl">
                   <a:srgbClr val="000000">
@@ -7113,28 +9405,530 @@
                   </a:srgbClr>
                 </a:outerShdw>
               </a:effectLst>
-              <a:latin typeface="+mn-lt"/>
             </a:endParaRPr>
           </a:p>
         </p:txBody>
       </p:sp>
+      <p:graphicFrame>
+        <p:nvGraphicFramePr>
+          <p:cNvPr id="3" name="Tabelle 2"/>
+          <p:cNvGraphicFramePr>
+            <a:graphicFrameLocks noGrp="1"/>
+          </p:cNvGraphicFramePr>
+          <p:nvPr>
+            <p:extLst>
+              <p:ext uri="{D42A27DB-BD31-4B8C-83A1-F6EECF244321}">
+                <p14:modId xmlns:p14="http://schemas.microsoft.com/office/powerpoint/2010/main" val="3102567798"/>
+              </p:ext>
+            </p:extLst>
+          </p:nvPr>
+        </p:nvGraphicFramePr>
+        <p:xfrm>
+          <a:off x="-1" y="1340768"/>
+          <a:ext cx="8460435" cy="4680519"/>
+        </p:xfrm>
+        <a:graphic>
+          <a:graphicData uri="http://schemas.openxmlformats.org/drawingml/2006/table">
+            <a:tbl>
+              <a:tblPr firstRow="1" bandRow="1">
+                <a:tableStyleId>{46F890A9-2807-4EBB-B81D-B2AA78EC7F39}</a:tableStyleId>
+              </a:tblPr>
+              <a:tblGrid>
+                <a:gridCol w="1692087"/>
+                <a:gridCol w="1692087"/>
+                <a:gridCol w="1692087"/>
+                <a:gridCol w="1692087"/>
+                <a:gridCol w="1692087"/>
+              </a:tblGrid>
+              <a:tr h="730009">
+                <a:tc>
+                  <a:txBody>
+                    <a:bodyPr/>
+                    <a:lstStyle/>
+                    <a:p>
+                      <a:endParaRPr lang="de-DE" b="1" dirty="0"/>
+                    </a:p>
+                  </a:txBody>
+                  <a:tcPr/>
+                </a:tc>
+                <a:tc>
+                  <a:txBody>
+                    <a:bodyPr/>
+                    <a:lstStyle/>
+                    <a:p>
+                      <a:r>
+                        <a:rPr lang="de-DE" sz="1700" b="1" dirty="0" smtClean="0"/>
+                        <a:t>Sehr wichtig</a:t>
+                      </a:r>
+                      <a:endParaRPr lang="de-DE" sz="1700" b="1" dirty="0"/>
+                    </a:p>
+                  </a:txBody>
+                  <a:tcPr/>
+                </a:tc>
+                <a:tc>
+                  <a:txBody>
+                    <a:bodyPr/>
+                    <a:lstStyle/>
+                    <a:p>
+                      <a:r>
+                        <a:rPr lang="de-DE" sz="1700" b="1" dirty="0" smtClean="0"/>
+                        <a:t>wichtig</a:t>
+                      </a:r>
+                      <a:endParaRPr lang="de-DE" sz="1700" b="1" dirty="0"/>
+                    </a:p>
+                  </a:txBody>
+                  <a:tcPr/>
+                </a:tc>
+                <a:tc>
+                  <a:txBody>
+                    <a:bodyPr/>
+                    <a:lstStyle/>
+                    <a:p>
+                      <a:r>
+                        <a:rPr lang="de-DE" sz="1700" b="1" dirty="0" smtClean="0"/>
+                        <a:t>Weniger wichtig</a:t>
+                      </a:r>
+                      <a:endParaRPr lang="de-DE" sz="1700" b="1" dirty="0"/>
+                    </a:p>
+                  </a:txBody>
+                  <a:tcPr/>
+                </a:tc>
+                <a:tc>
+                  <a:txBody>
+                    <a:bodyPr/>
+                    <a:lstStyle/>
+                    <a:p>
+                      <a:r>
+                        <a:rPr lang="de-DE" sz="1700" b="1" dirty="0" smtClean="0"/>
+                        <a:t>unwichtig</a:t>
+                      </a:r>
+                      <a:endParaRPr lang="de-DE" sz="1700" b="1" dirty="0"/>
+                    </a:p>
+                  </a:txBody>
+                  <a:tcPr/>
+                </a:tc>
+              </a:tr>
+              <a:tr h="730009">
+                <a:tc>
+                  <a:txBody>
+                    <a:bodyPr/>
+                    <a:lstStyle/>
+                    <a:p>
+                      <a:r>
+                        <a:rPr lang="de-DE" sz="1600" b="1" dirty="0" smtClean="0"/>
+                        <a:t>Zuverlässigkeit</a:t>
+                      </a:r>
+                      <a:endParaRPr lang="de-DE" sz="1600" b="1" dirty="0"/>
+                    </a:p>
+                  </a:txBody>
+                  <a:tcPr/>
+                </a:tc>
+                <a:tc>
+                  <a:txBody>
+                    <a:bodyPr/>
+                    <a:lstStyle/>
+                    <a:p>
+                      <a:endParaRPr lang="de-DE" b="1" dirty="0"/>
+                    </a:p>
+                  </a:txBody>
+                  <a:tcPr/>
+                </a:tc>
+                <a:tc>
+                  <a:txBody>
+                    <a:bodyPr/>
+                    <a:lstStyle/>
+                    <a:p>
+                      <a:pPr algn="ctr"/>
+                      <a:r>
+                        <a:rPr lang="de-DE" sz="2400" b="1" dirty="0" smtClean="0"/>
+                        <a:t>X</a:t>
+                      </a:r>
+                      <a:endParaRPr lang="de-DE" sz="2400" b="1" dirty="0"/>
+                    </a:p>
+                  </a:txBody>
+                  <a:tcPr/>
+                </a:tc>
+                <a:tc>
+                  <a:txBody>
+                    <a:bodyPr/>
+                    <a:lstStyle/>
+                    <a:p>
+                      <a:endParaRPr lang="de-DE" sz="1700" b="1" dirty="0"/>
+                    </a:p>
+                  </a:txBody>
+                  <a:tcPr/>
+                </a:tc>
+                <a:tc>
+                  <a:txBody>
+                    <a:bodyPr/>
+                    <a:lstStyle/>
+                    <a:p>
+                      <a:endParaRPr lang="de-DE" b="1"/>
+                    </a:p>
+                  </a:txBody>
+                  <a:tcPr/>
+                </a:tc>
+              </a:tr>
+              <a:tr h="727210">
+                <a:tc>
+                  <a:txBody>
+                    <a:bodyPr/>
+                    <a:lstStyle/>
+                    <a:p>
+                      <a:r>
+                        <a:rPr lang="de-DE" sz="1700" b="1" dirty="0" smtClean="0"/>
+                        <a:t>Robustheit</a:t>
+                      </a:r>
+                      <a:endParaRPr lang="de-DE" sz="1700" b="1" dirty="0"/>
+                    </a:p>
+                  </a:txBody>
+                  <a:tcPr/>
+                </a:tc>
+                <a:tc>
+                  <a:txBody>
+                    <a:bodyPr/>
+                    <a:lstStyle/>
+                    <a:p>
+                      <a:endParaRPr lang="de-DE" b="1" dirty="0"/>
+                    </a:p>
+                  </a:txBody>
+                  <a:tcPr/>
+                </a:tc>
+                <a:tc>
+                  <a:txBody>
+                    <a:bodyPr/>
+                    <a:lstStyle/>
+                    <a:p>
+                      <a:endParaRPr lang="de-DE" b="1" dirty="0"/>
+                    </a:p>
+                  </a:txBody>
+                  <a:tcPr/>
+                </a:tc>
+                <a:tc>
+                  <a:txBody>
+                    <a:bodyPr/>
+                    <a:lstStyle/>
+                    <a:p>
+                      <a:pPr algn="ctr"/>
+                      <a:r>
+                        <a:rPr lang="de-DE" sz="2400" b="1" dirty="0" smtClean="0"/>
+                        <a:t>X</a:t>
+                      </a:r>
+                      <a:endParaRPr lang="de-DE" sz="2400" b="1" dirty="0"/>
+                    </a:p>
+                  </a:txBody>
+                  <a:tcPr/>
+                </a:tc>
+                <a:tc>
+                  <a:txBody>
+                    <a:bodyPr/>
+                    <a:lstStyle/>
+                    <a:p>
+                      <a:endParaRPr lang="de-DE" b="1" dirty="0"/>
+                    </a:p>
+                  </a:txBody>
+                  <a:tcPr/>
+                </a:tc>
+              </a:tr>
+              <a:tr h="1038871">
+                <a:tc>
+                  <a:txBody>
+                    <a:bodyPr/>
+                    <a:lstStyle/>
+                    <a:p>
+                      <a:r>
+                        <a:rPr lang="de-DE" sz="1700" b="1" dirty="0" smtClean="0"/>
+                        <a:t>Benutzer-</a:t>
+                      </a:r>
+                    </a:p>
+                    <a:p>
+                      <a:r>
+                        <a:rPr lang="de-DE" sz="1700" b="1" dirty="0" err="1" smtClean="0"/>
+                        <a:t>freundlichkeit</a:t>
+                      </a:r>
+                      <a:endParaRPr lang="de-DE" sz="1700" b="1" dirty="0"/>
+                    </a:p>
+                  </a:txBody>
+                  <a:tcPr/>
+                </a:tc>
+                <a:tc>
+                  <a:txBody>
+                    <a:bodyPr/>
+                    <a:lstStyle/>
+                    <a:p>
+                      <a:endParaRPr lang="de-DE" b="1"/>
+                    </a:p>
+                  </a:txBody>
+                  <a:tcPr/>
+                </a:tc>
+                <a:tc>
+                  <a:txBody>
+                    <a:bodyPr/>
+                    <a:lstStyle/>
+                    <a:p>
+                      <a:pPr algn="ctr"/>
+                      <a:r>
+                        <a:rPr lang="de-DE" sz="2400" b="1" dirty="0" smtClean="0"/>
+                        <a:t>X</a:t>
+                      </a:r>
+                      <a:endParaRPr lang="de-DE" sz="2400" b="1" dirty="0"/>
+                    </a:p>
+                  </a:txBody>
+                  <a:tcPr/>
+                </a:tc>
+                <a:tc>
+                  <a:txBody>
+                    <a:bodyPr/>
+                    <a:lstStyle/>
+                    <a:p>
+                      <a:endParaRPr lang="de-DE" b="1" dirty="0"/>
+                    </a:p>
+                  </a:txBody>
+                  <a:tcPr/>
+                </a:tc>
+                <a:tc>
+                  <a:txBody>
+                    <a:bodyPr/>
+                    <a:lstStyle/>
+                    <a:p>
+                      <a:endParaRPr lang="de-DE" b="1" dirty="0"/>
+                    </a:p>
+                  </a:txBody>
+                  <a:tcPr/>
+                </a:tc>
+              </a:tr>
+              <a:tr h="727210">
+                <a:tc>
+                  <a:txBody>
+                    <a:bodyPr/>
+                    <a:lstStyle/>
+                    <a:p>
+                      <a:r>
+                        <a:rPr lang="de-DE" sz="1700" b="1" dirty="0" smtClean="0"/>
+                        <a:t>Ergonomie</a:t>
+                      </a:r>
+                      <a:endParaRPr lang="de-DE" sz="1700" b="1" dirty="0"/>
+                    </a:p>
+                  </a:txBody>
+                  <a:tcPr/>
+                </a:tc>
+                <a:tc>
+                  <a:txBody>
+                    <a:bodyPr/>
+                    <a:lstStyle/>
+                    <a:p>
+                      <a:endParaRPr lang="de-DE" b="1"/>
+                    </a:p>
+                  </a:txBody>
+                  <a:tcPr/>
+                </a:tc>
+                <a:tc>
+                  <a:txBody>
+                    <a:bodyPr/>
+                    <a:lstStyle/>
+                    <a:p>
+                      <a:pPr algn="ctr"/>
+                      <a:r>
+                        <a:rPr lang="de-DE" sz="2400" b="1" dirty="0" smtClean="0"/>
+                        <a:t>X</a:t>
+                      </a:r>
+                      <a:endParaRPr lang="de-DE" sz="2400" b="1" dirty="0"/>
+                    </a:p>
+                  </a:txBody>
+                  <a:tcPr/>
+                </a:tc>
+                <a:tc>
+                  <a:txBody>
+                    <a:bodyPr/>
+                    <a:lstStyle/>
+                    <a:p>
+                      <a:endParaRPr lang="de-DE" b="1"/>
+                    </a:p>
+                  </a:txBody>
+                  <a:tcPr/>
+                </a:tc>
+                <a:tc>
+                  <a:txBody>
+                    <a:bodyPr/>
+                    <a:lstStyle/>
+                    <a:p>
+                      <a:endParaRPr lang="de-DE" b="1" dirty="0"/>
+                    </a:p>
+                  </a:txBody>
+                  <a:tcPr/>
+                </a:tc>
+              </a:tr>
+              <a:tr h="727210">
+                <a:tc>
+                  <a:txBody>
+                    <a:bodyPr/>
+                    <a:lstStyle/>
+                    <a:p>
+                      <a:r>
+                        <a:rPr lang="de-DE" sz="1700" b="1" dirty="0" smtClean="0"/>
+                        <a:t>Portabilität</a:t>
+                      </a:r>
+                      <a:endParaRPr lang="de-DE" sz="1700" b="1" dirty="0"/>
+                    </a:p>
+                  </a:txBody>
+                  <a:tcPr/>
+                </a:tc>
+                <a:tc>
+                  <a:txBody>
+                    <a:bodyPr/>
+                    <a:lstStyle/>
+                    <a:p>
+                      <a:pPr algn="ctr"/>
+                      <a:r>
+                        <a:rPr lang="de-DE" sz="2400" b="1" dirty="0" smtClean="0"/>
+                        <a:t>X</a:t>
+                      </a:r>
+                      <a:endParaRPr lang="de-DE" sz="2400" b="1" dirty="0"/>
+                    </a:p>
+                  </a:txBody>
+                  <a:tcPr/>
+                </a:tc>
+                <a:tc>
+                  <a:txBody>
+                    <a:bodyPr/>
+                    <a:lstStyle/>
+                    <a:p>
+                      <a:pPr algn="ctr"/>
+                      <a:endParaRPr lang="de-DE" b="1" dirty="0"/>
+                    </a:p>
+                  </a:txBody>
+                  <a:tcPr/>
+                </a:tc>
+                <a:tc>
+                  <a:txBody>
+                    <a:bodyPr/>
+                    <a:lstStyle/>
+                    <a:p>
+                      <a:endParaRPr lang="de-DE" b="1"/>
+                    </a:p>
+                  </a:txBody>
+                  <a:tcPr/>
+                </a:tc>
+                <a:tc>
+                  <a:txBody>
+                    <a:bodyPr/>
+                    <a:lstStyle/>
+                    <a:p>
+                      <a:endParaRPr lang="de-DE" b="1" dirty="0"/>
+                    </a:p>
+                  </a:txBody>
+                  <a:tcPr/>
+                </a:tc>
+              </a:tr>
+            </a:tbl>
+          </a:graphicData>
+        </a:graphic>
+      </p:graphicFrame>
     </p:spTree>
     <p:extLst>
       <p:ext uri="{BB962C8B-B14F-4D97-AF65-F5344CB8AC3E}">
-        <p14:creationId xmlns:p14="http://schemas.microsoft.com/office/powerpoint/2010/main" val="795370688"/>
+        <p14:creationId xmlns:p14="http://schemas.microsoft.com/office/powerpoint/2010/main" val="617281442"/>
       </p:ext>
     </p:extLst>
   </p:cSld>
   <p:clrMapOvr>
     <a:masterClrMapping/>
   </p:clrMapOvr>
-  <p:transition spd="slow">
-    <p:push dir="u"/>
-  </p:transition>
+  <mc:AlternateContent xmlns:mc="http://schemas.openxmlformats.org/markup-compatibility/2006">
+    <mc:Choice xmlns:p14="http://schemas.microsoft.com/office/powerpoint/2010/main" Requires="p14">
+      <p:transition spd="med" p14:dur="700">
+        <p:fade/>
+      </p:transition>
+    </mc:Choice>
+    <mc:Fallback>
+      <p:transition spd="med">
+        <p:fade/>
+      </p:transition>
+    </mc:Fallback>
+  </mc:AlternateContent>
   <p:timing>
     <p:tnLst>
       <p:par>
-        <p:cTn id="1" dur="indefinite" restart="never" nodeType="tmRoot"/>
+        <p:cTn id="1" dur="indefinite" restart="never" nodeType="tmRoot">
+          <p:childTnLst>
+            <p:seq concurrent="1" nextAc="seek">
+              <p:cTn id="2" dur="indefinite" nodeType="mainSeq">
+                <p:childTnLst>
+                  <p:par>
+                    <p:cTn id="3" fill="hold">
+                      <p:stCondLst>
+                        <p:cond delay="indefinite"/>
+                        <p:cond evt="onBegin" delay="0">
+                          <p:tn val="2"/>
+                        </p:cond>
+                      </p:stCondLst>
+                      <p:childTnLst>
+                        <p:par>
+                          <p:cTn id="4" fill="hold">
+                            <p:stCondLst>
+                              <p:cond delay="0"/>
+                            </p:stCondLst>
+                            <p:childTnLst>
+                              <p:par>
+                                <p:cTn id="5" presetID="10" presetClass="entr" presetSubtype="0" fill="hold" nodeType="withEffect">
+                                  <p:stCondLst>
+                                    <p:cond delay="0"/>
+                                  </p:stCondLst>
+                                  <p:childTnLst>
+                                    <p:set>
+                                      <p:cBhvr>
+                                        <p:cTn id="6" dur="1" fill="hold">
+                                          <p:stCondLst>
+                                            <p:cond delay="0"/>
+                                          </p:stCondLst>
+                                        </p:cTn>
+                                        <p:tgtEl>
+                                          <p:spTgt spid="3"/>
+                                        </p:tgtEl>
+                                        <p:attrNameLst>
+                                          <p:attrName>style.visibility</p:attrName>
+                                        </p:attrNameLst>
+                                      </p:cBhvr>
+                                      <p:to>
+                                        <p:strVal val="visible"/>
+                                      </p:to>
+                                    </p:set>
+                                    <p:animEffect transition="in" filter="fade">
+                                      <p:cBhvr>
+                                        <p:cTn id="7" dur="500"/>
+                                        <p:tgtEl>
+                                          <p:spTgt spid="3"/>
+                                        </p:tgtEl>
+                                      </p:cBhvr>
+                                    </p:animEffect>
+                                  </p:childTnLst>
+                                </p:cTn>
+                              </p:par>
+                            </p:childTnLst>
+                          </p:cTn>
+                        </p:par>
+                      </p:childTnLst>
+                    </p:cTn>
+                  </p:par>
+                </p:childTnLst>
+              </p:cTn>
+              <p:prevCondLst>
+                <p:cond evt="onPrev" delay="0">
+                  <p:tgtEl>
+                    <p:sldTgt/>
+                  </p:tgtEl>
+                </p:cond>
+              </p:prevCondLst>
+              <p:nextCondLst>
+                <p:cond evt="onNext" delay="0">
+                  <p:tgtEl>
+                    <p:sldTgt/>
+                  </p:tgtEl>
+                </p:cond>
+              </p:nextCondLst>
+            </p:seq>
+          </p:childTnLst>
+        </p:cTn>
       </p:par>
     </p:tnLst>
   </p:timing>
@@ -7212,7 +10006,7 @@
         </p:nvSpPr>
         <p:spPr>
           <a:xfrm>
-            <a:off x="1043608" y="898140"/>
+            <a:off x="1022754" y="1115452"/>
             <a:ext cx="4502066" cy="369332"/>
           </a:xfrm>
           <a:prstGeom prst="rect">
@@ -7231,22 +10025,159 @@
               <a:t>8.1 Technische Qualitätsanforderungen</a:t>
             </a:r>
             <a:endParaRPr lang="de-DE" b="1" dirty="0"/>
+          </a:p>
+        </p:txBody>
+      </p:sp>
+      <p:sp>
+        <p:nvSpPr>
+          <p:cNvPr id="3" name="Textfeld 2"/>
+          <p:cNvSpPr txBox="1"/>
+          <p:nvPr/>
+        </p:nvSpPr>
+        <p:spPr>
+          <a:xfrm>
+            <a:off x="1421999" y="2060848"/>
+            <a:ext cx="2364750" cy="369332"/>
+          </a:xfrm>
+          <a:prstGeom prst="rect">
+            <a:avLst/>
+          </a:prstGeom>
+          <a:noFill/>
+        </p:spPr>
+        <p:txBody>
+          <a:bodyPr wrap="none" rtlCol="0">
+            <a:spAutoFit/>
+          </a:bodyPr>
+          <a:lstStyle/>
+          <a:p>
+            <a:r>
+              <a:rPr lang="de-DE" dirty="0" smtClean="0"/>
+              <a:t>8.1.1 Zuverlässigkeit </a:t>
+            </a:r>
+            <a:endParaRPr lang="de-DE" dirty="0"/>
+          </a:p>
+        </p:txBody>
+      </p:sp>
+      <p:sp>
+        <p:nvSpPr>
+          <p:cNvPr id="5" name="Textfeld 4"/>
+          <p:cNvSpPr txBox="1"/>
+          <p:nvPr/>
+        </p:nvSpPr>
+        <p:spPr>
+          <a:xfrm>
+            <a:off x="1761194" y="2655496"/>
+            <a:ext cx="3025187" cy="369332"/>
+          </a:xfrm>
+          <a:prstGeom prst="rect">
+            <a:avLst/>
+          </a:prstGeom>
+          <a:noFill/>
+        </p:spPr>
+        <p:txBody>
+          <a:bodyPr wrap="none" rtlCol="0">
+            <a:spAutoFit/>
+          </a:bodyPr>
+          <a:lstStyle/>
+          <a:p>
+            <a:pPr marL="285750" indent="-285750">
+              <a:buFont typeface="Wingdings" pitchFamily="2" charset="2"/>
+              <a:buChar char="Ø"/>
+            </a:pPr>
+            <a:r>
+              <a:rPr lang="de-DE" dirty="0" smtClean="0"/>
+              <a:t>Erreichbarkeit 99% (p.a.)</a:t>
+            </a:r>
+            <a:endParaRPr lang="de-DE" dirty="0"/>
+          </a:p>
+        </p:txBody>
+      </p:sp>
+      <p:sp>
+        <p:nvSpPr>
+          <p:cNvPr id="6" name="Textfeld 5"/>
+          <p:cNvSpPr txBox="1"/>
+          <p:nvPr/>
+        </p:nvSpPr>
+        <p:spPr>
+          <a:xfrm>
+            <a:off x="1421999" y="3851756"/>
+            <a:ext cx="1851789" cy="369332"/>
+          </a:xfrm>
+          <a:prstGeom prst="rect">
+            <a:avLst/>
+          </a:prstGeom>
+          <a:noFill/>
+        </p:spPr>
+        <p:txBody>
+          <a:bodyPr wrap="none" rtlCol="0">
+            <a:spAutoFit/>
+          </a:bodyPr>
+          <a:lstStyle/>
+          <a:p>
+            <a:r>
+              <a:rPr lang="de-DE" dirty="0" smtClean="0"/>
+              <a:t>8.1.2 Portabilität</a:t>
+            </a:r>
+            <a:endParaRPr lang="de-DE" dirty="0"/>
+          </a:p>
+        </p:txBody>
+      </p:sp>
+      <p:sp>
+        <p:nvSpPr>
+          <p:cNvPr id="7" name="Textfeld 6"/>
+          <p:cNvSpPr txBox="1"/>
+          <p:nvPr/>
+        </p:nvSpPr>
+        <p:spPr>
+          <a:xfrm>
+            <a:off x="1761194" y="4571836"/>
+            <a:ext cx="4012637" cy="369332"/>
+          </a:xfrm>
+          <a:prstGeom prst="rect">
+            <a:avLst/>
+          </a:prstGeom>
+          <a:noFill/>
+        </p:spPr>
+        <p:txBody>
+          <a:bodyPr wrap="none" rtlCol="0">
+            <a:spAutoFit/>
+          </a:bodyPr>
+          <a:lstStyle/>
+          <a:p>
+            <a:pPr marL="285750" indent="-285750">
+              <a:buFont typeface="Wingdings" pitchFamily="2" charset="2"/>
+              <a:buChar char="Ø"/>
+            </a:pPr>
+            <a:r>
+              <a:rPr lang="de-DE" dirty="0" smtClean="0"/>
+              <a:t>Plattform- und browserunabhängig</a:t>
+            </a:r>
+            <a:endParaRPr lang="de-DE" dirty="0"/>
           </a:p>
         </p:txBody>
       </p:sp>
     </p:spTree>
     <p:extLst>
       <p:ext uri="{BB962C8B-B14F-4D97-AF65-F5344CB8AC3E}">
-        <p14:creationId xmlns:p14="http://schemas.microsoft.com/office/powerpoint/2010/main" val="617281442"/>
+        <p14:creationId xmlns:p14="http://schemas.microsoft.com/office/powerpoint/2010/main" val="2521092691"/>
       </p:ext>
     </p:extLst>
   </p:cSld>
   <p:clrMapOvr>
     <a:masterClrMapping/>
   </p:clrMapOvr>
-  <p:transition spd="slow">
-    <p:push dir="u"/>
-  </p:transition>
+  <mc:AlternateContent xmlns:mc="http://schemas.openxmlformats.org/markup-compatibility/2006">
+    <mc:Choice xmlns:p14="http://schemas.microsoft.com/office/powerpoint/2010/main" Requires="p14">
+      <p:transition spd="med" p14:dur="700">
+        <p:fade/>
+      </p:transition>
+    </mc:Choice>
+    <mc:Fallback>
+      <p:transition spd="med">
+        <p:fade/>
+      </p:transition>
+    </mc:Fallback>
+  </mc:AlternateContent>
   <p:timing>
     <p:tnLst>
       <p:par>
@@ -7328,7 +10259,7 @@
         </p:nvSpPr>
         <p:spPr>
           <a:xfrm>
-            <a:off x="1043608" y="898140"/>
+            <a:off x="1058353" y="1080401"/>
             <a:ext cx="5211683" cy="369332"/>
           </a:xfrm>
           <a:prstGeom prst="rect">
@@ -7351,6 +10282,134 @@
               <a:t>Ergonomieanforderungen</a:t>
             </a:r>
             <a:endParaRPr lang="de-DE" b="1" dirty="0"/>
+          </a:p>
+        </p:txBody>
+      </p:sp>
+      <p:sp>
+        <p:nvSpPr>
+          <p:cNvPr id="3" name="Textfeld 2"/>
+          <p:cNvSpPr txBox="1"/>
+          <p:nvPr/>
+        </p:nvSpPr>
+        <p:spPr>
+          <a:xfrm>
+            <a:off x="1422749" y="2060848"/>
+            <a:ext cx="3070071" cy="369332"/>
+          </a:xfrm>
+          <a:prstGeom prst="rect">
+            <a:avLst/>
+          </a:prstGeom>
+          <a:noFill/>
+        </p:spPr>
+        <p:txBody>
+          <a:bodyPr wrap="none" rtlCol="0">
+            <a:spAutoFit/>
+          </a:bodyPr>
+          <a:lstStyle/>
+          <a:p>
+            <a:r>
+              <a:rPr lang="de-DE" dirty="0" smtClean="0"/>
+              <a:t>8.2.1 Nutzungsschnittstellen</a:t>
+            </a:r>
+            <a:endParaRPr lang="de-DE" dirty="0"/>
+          </a:p>
+        </p:txBody>
+      </p:sp>
+      <p:sp>
+        <p:nvSpPr>
+          <p:cNvPr id="5" name="Textfeld 4"/>
+          <p:cNvSpPr txBox="1"/>
+          <p:nvPr/>
+        </p:nvSpPr>
+        <p:spPr>
+          <a:xfrm>
+            <a:off x="1740489" y="2771636"/>
+            <a:ext cx="3969998" cy="369332"/>
+          </a:xfrm>
+          <a:prstGeom prst="rect">
+            <a:avLst/>
+          </a:prstGeom>
+          <a:noFill/>
+        </p:spPr>
+        <p:txBody>
+          <a:bodyPr wrap="none" rtlCol="0">
+            <a:spAutoFit/>
+          </a:bodyPr>
+          <a:lstStyle/>
+          <a:p>
+            <a:pPr marL="285750" indent="-285750">
+              <a:buFont typeface="Wingdings" pitchFamily="2" charset="2"/>
+              <a:buChar char="Ø"/>
+            </a:pPr>
+            <a:r>
+              <a:rPr lang="de-DE" dirty="0" smtClean="0"/>
+              <a:t>Benötigt Webbrowser und Intranet</a:t>
+            </a:r>
+            <a:endParaRPr lang="de-DE" dirty="0"/>
+          </a:p>
+        </p:txBody>
+      </p:sp>
+      <p:sp>
+        <p:nvSpPr>
+          <p:cNvPr id="6" name="Textfeld 5"/>
+          <p:cNvSpPr txBox="1"/>
+          <p:nvPr/>
+        </p:nvSpPr>
+        <p:spPr>
+          <a:xfrm>
+            <a:off x="1422749" y="3789040"/>
+            <a:ext cx="2236510" cy="369332"/>
+          </a:xfrm>
+          <a:prstGeom prst="rect">
+            <a:avLst/>
+          </a:prstGeom>
+          <a:noFill/>
+        </p:spPr>
+        <p:txBody>
+          <a:bodyPr wrap="none" rtlCol="0">
+            <a:spAutoFit/>
+          </a:bodyPr>
+          <a:lstStyle/>
+          <a:p>
+            <a:r>
+              <a:rPr lang="de-DE" dirty="0" smtClean="0"/>
+              <a:t>8.2.2 Fehlertoleranz</a:t>
+            </a:r>
+            <a:endParaRPr lang="de-DE" dirty="0"/>
+          </a:p>
+        </p:txBody>
+      </p:sp>
+      <p:sp>
+        <p:nvSpPr>
+          <p:cNvPr id="7" name="Textfeld 6"/>
+          <p:cNvSpPr txBox="1"/>
+          <p:nvPr/>
+        </p:nvSpPr>
+        <p:spPr>
+          <a:xfrm>
+            <a:off x="1740489" y="4518412"/>
+            <a:ext cx="5134739" cy="369332"/>
+          </a:xfrm>
+          <a:prstGeom prst="rect">
+            <a:avLst/>
+          </a:prstGeom>
+          <a:noFill/>
+        </p:spPr>
+        <p:txBody>
+          <a:bodyPr wrap="none" rtlCol="0">
+            <a:spAutoFit/>
+          </a:bodyPr>
+          <a:lstStyle/>
+          <a:p>
+            <a:pPr marL="342900" indent="-342900">
+              <a:buFont typeface="Wingdings" pitchFamily="2" charset="2"/>
+              <a:buChar char="Ø"/>
+            </a:pPr>
+            <a:r>
+              <a:rPr lang="de-DE" dirty="0" smtClean="0"/>
+              <a:t>Eingabeprüfung, Fehlermeldung beim Nutzer</a:t>
+            </a:r>
+            <a:endParaRPr lang="de-DE" dirty="0"/>
           </a:p>
         </p:txBody>
       </p:sp>
@@ -7364,9 +10423,18 @@
   <p:clrMapOvr>
     <a:masterClrMapping/>
   </p:clrMapOvr>
-  <p:transition spd="slow">
-    <p:push dir="u"/>
-  </p:transition>
+  <mc:AlternateContent xmlns:mc="http://schemas.openxmlformats.org/markup-compatibility/2006">
+    <mc:Choice xmlns:p14="http://schemas.microsoft.com/office/powerpoint/2010/main" Requires="p14">
+      <p:transition spd="med" p14:dur="700">
+        <p:fade/>
+      </p:transition>
+    </mc:Choice>
+    <mc:Fallback>
+      <p:transition spd="med">
+        <p:fade/>
+      </p:transition>
+    </mc:Fallback>
+  </mc:AlternateContent>
   <p:timing>
     <p:tnLst>
       <p:par>
@@ -7442,47 +10510,304 @@
       </p:sp>
       <p:sp>
         <p:nvSpPr>
-          <p:cNvPr id="2" name="Textfeld 1"/>
-          <p:cNvSpPr txBox="1"/>
-          <p:nvPr/>
-        </p:nvSpPr>
-        <p:spPr>
-          <a:xfrm>
-            <a:off x="1043608" y="898140"/>
-            <a:ext cx="4901855" cy="369332"/>
-          </a:xfrm>
-          <a:prstGeom prst="rect">
-            <a:avLst/>
-          </a:prstGeom>
-          <a:noFill/>
-        </p:spPr>
-        <p:txBody>
-          <a:bodyPr wrap="none" rtlCol="0">
-            <a:spAutoFit/>
-          </a:bodyPr>
-          <a:lstStyle/>
-          <a:p>
-            <a:r>
-              <a:rPr lang="de-DE" b="1" dirty="0" smtClean="0"/>
-              <a:t>8.3 Wirtschaftliche Qualitätsanforderungen</a:t>
-            </a:r>
-            <a:endParaRPr lang="de-DE" b="1" dirty="0"/>
+          <p:cNvPr id="3" name="Textfeld 2"/>
+          <p:cNvSpPr txBox="1"/>
+          <p:nvPr/>
+        </p:nvSpPr>
+        <p:spPr>
+          <a:xfrm>
+            <a:off x="980977" y="1187460"/>
+            <a:ext cx="3005951" cy="369332"/>
+          </a:xfrm>
+          <a:prstGeom prst="rect">
+            <a:avLst/>
+          </a:prstGeom>
+          <a:noFill/>
+        </p:spPr>
+        <p:txBody>
+          <a:bodyPr wrap="none" rtlCol="0">
+            <a:spAutoFit/>
+          </a:bodyPr>
+          <a:lstStyle/>
+          <a:p>
+            <a:r>
+              <a:rPr lang="de-DE" dirty="0" smtClean="0"/>
+              <a:t>8.2.3 Interaktionsleistungen</a:t>
+            </a:r>
+            <a:endParaRPr lang="de-DE" dirty="0"/>
+          </a:p>
+        </p:txBody>
+      </p:sp>
+      <p:sp>
+        <p:nvSpPr>
+          <p:cNvPr id="5" name="Textfeld 4"/>
+          <p:cNvSpPr txBox="1"/>
+          <p:nvPr/>
+        </p:nvSpPr>
+        <p:spPr>
+          <a:xfrm>
+            <a:off x="1187624" y="1702549"/>
+            <a:ext cx="3089307" cy="646331"/>
+          </a:xfrm>
+          <a:prstGeom prst="rect">
+            <a:avLst/>
+          </a:prstGeom>
+          <a:noFill/>
+        </p:spPr>
+        <p:txBody>
+          <a:bodyPr wrap="none" rtlCol="0">
+            <a:spAutoFit/>
+          </a:bodyPr>
+          <a:lstStyle/>
+          <a:p>
+            <a:pPr marL="285750" indent="-285750">
+              <a:buFont typeface="Wingdings" pitchFamily="2" charset="2"/>
+              <a:buChar char="Ø"/>
+            </a:pPr>
+            <a:r>
+              <a:rPr lang="de-DE" dirty="0" smtClean="0"/>
+              <a:t>Eigener Bereich (Profil)</a:t>
+            </a:r>
+          </a:p>
+          <a:p>
+            <a:pPr marL="285750" indent="-285750">
+              <a:buFont typeface="Wingdings" pitchFamily="2" charset="2"/>
+              <a:buChar char="Ø"/>
+            </a:pPr>
+            <a:r>
+              <a:rPr lang="de-DE" dirty="0" smtClean="0"/>
+              <a:t>Navigationsmöglichkeiten</a:t>
+            </a:r>
+            <a:endParaRPr lang="de-DE" dirty="0"/>
+          </a:p>
+        </p:txBody>
+      </p:sp>
+      <p:sp>
+        <p:nvSpPr>
+          <p:cNvPr id="8" name="Textfeld 7"/>
+          <p:cNvSpPr txBox="1"/>
+          <p:nvPr/>
+        </p:nvSpPr>
+        <p:spPr>
+          <a:xfrm>
+            <a:off x="980977" y="2483604"/>
+            <a:ext cx="1633781" cy="369332"/>
+          </a:xfrm>
+          <a:prstGeom prst="rect">
+            <a:avLst/>
+          </a:prstGeom>
+          <a:noFill/>
+        </p:spPr>
+        <p:txBody>
+          <a:bodyPr wrap="none" rtlCol="0">
+            <a:spAutoFit/>
+          </a:bodyPr>
+          <a:lstStyle/>
+          <a:p>
+            <a:r>
+              <a:rPr lang="de-DE" dirty="0" smtClean="0"/>
+              <a:t>8.2.3.1 Nutzer</a:t>
+            </a:r>
+            <a:endParaRPr lang="de-DE" dirty="0"/>
+          </a:p>
+        </p:txBody>
+      </p:sp>
+      <p:sp>
+        <p:nvSpPr>
+          <p:cNvPr id="9" name="Textfeld 8"/>
+          <p:cNvSpPr txBox="1"/>
+          <p:nvPr/>
+        </p:nvSpPr>
+        <p:spPr>
+          <a:xfrm>
+            <a:off x="1187624" y="2915652"/>
+            <a:ext cx="6282617" cy="369332"/>
+          </a:xfrm>
+          <a:prstGeom prst="rect">
+            <a:avLst/>
+          </a:prstGeom>
+          <a:noFill/>
+        </p:spPr>
+        <p:txBody>
+          <a:bodyPr wrap="none" rtlCol="0">
+            <a:spAutoFit/>
+          </a:bodyPr>
+          <a:lstStyle/>
+          <a:p>
+            <a:pPr marL="285750" indent="-285750">
+              <a:buFont typeface="Wingdings" pitchFamily="2" charset="2"/>
+              <a:buChar char="Ø"/>
+            </a:pPr>
+            <a:r>
+              <a:rPr lang="de-DE" dirty="0" smtClean="0"/>
+              <a:t>1 Server, mehrere tausend Nutzer, aber nicht gleichzeitig</a:t>
+            </a:r>
+            <a:endParaRPr lang="de-DE" dirty="0"/>
+          </a:p>
+        </p:txBody>
+      </p:sp>
+      <p:sp>
+        <p:nvSpPr>
+          <p:cNvPr id="10" name="Textfeld 9"/>
+          <p:cNvSpPr txBox="1"/>
+          <p:nvPr/>
+        </p:nvSpPr>
+        <p:spPr>
+          <a:xfrm>
+            <a:off x="980977" y="3491716"/>
+            <a:ext cx="2146742" cy="369332"/>
+          </a:xfrm>
+          <a:prstGeom prst="rect">
+            <a:avLst/>
+          </a:prstGeom>
+          <a:noFill/>
+        </p:spPr>
+        <p:txBody>
+          <a:bodyPr wrap="none" rtlCol="0">
+            <a:spAutoFit/>
+          </a:bodyPr>
+          <a:lstStyle/>
+          <a:p>
+            <a:r>
+              <a:rPr lang="de-DE" dirty="0" smtClean="0"/>
+              <a:t>8.2.3.2 Performanz</a:t>
+            </a:r>
+            <a:endParaRPr lang="de-DE" dirty="0"/>
+          </a:p>
+        </p:txBody>
+      </p:sp>
+      <p:sp>
+        <p:nvSpPr>
+          <p:cNvPr id="11" name="Textfeld 10"/>
+          <p:cNvSpPr txBox="1"/>
+          <p:nvPr/>
+        </p:nvSpPr>
+        <p:spPr>
+          <a:xfrm>
+            <a:off x="1187624" y="4006805"/>
+            <a:ext cx="5897833" cy="646331"/>
+          </a:xfrm>
+          <a:prstGeom prst="rect">
+            <a:avLst/>
+          </a:prstGeom>
+          <a:noFill/>
+        </p:spPr>
+        <p:txBody>
+          <a:bodyPr wrap="none" rtlCol="0">
+            <a:spAutoFit/>
+          </a:bodyPr>
+          <a:lstStyle/>
+          <a:p>
+            <a:pPr marL="285750" indent="-285750">
+              <a:buFont typeface="Wingdings" pitchFamily="2" charset="2"/>
+              <a:buChar char="Ø"/>
+            </a:pPr>
+            <a:r>
+              <a:rPr lang="de-DE" dirty="0" smtClean="0"/>
+              <a:t>Ordnungsgemäße Arbeit durch beschriebene Server-</a:t>
+            </a:r>
+          </a:p>
+          <a:p>
+            <a:r>
+              <a:rPr lang="de-DE" dirty="0" smtClean="0"/>
+              <a:t>     Hardware</a:t>
+            </a:r>
+            <a:endParaRPr lang="de-DE" dirty="0"/>
+          </a:p>
+        </p:txBody>
+      </p:sp>
+      <p:sp>
+        <p:nvSpPr>
+          <p:cNvPr id="12" name="Textfeld 11"/>
+          <p:cNvSpPr txBox="1"/>
+          <p:nvPr/>
+        </p:nvSpPr>
+        <p:spPr>
+          <a:xfrm>
+            <a:off x="980977" y="4859868"/>
+            <a:ext cx="2056973" cy="369332"/>
+          </a:xfrm>
+          <a:prstGeom prst="rect">
+            <a:avLst/>
+          </a:prstGeom>
+          <a:noFill/>
+        </p:spPr>
+        <p:txBody>
+          <a:bodyPr wrap="none" rtlCol="0">
+            <a:spAutoFit/>
+          </a:bodyPr>
+          <a:lstStyle/>
+          <a:p>
+            <a:r>
+              <a:rPr lang="de-DE" dirty="0" smtClean="0"/>
+              <a:t>8.2.3.3 Robustheit</a:t>
+            </a:r>
+            <a:endParaRPr lang="de-DE" dirty="0"/>
+          </a:p>
+        </p:txBody>
+      </p:sp>
+      <p:sp>
+        <p:nvSpPr>
+          <p:cNvPr id="13" name="Textfeld 12"/>
+          <p:cNvSpPr txBox="1"/>
+          <p:nvPr/>
+        </p:nvSpPr>
+        <p:spPr>
+          <a:xfrm>
+            <a:off x="1187624" y="5446965"/>
+            <a:ext cx="5756704" cy="646331"/>
+          </a:xfrm>
+          <a:prstGeom prst="rect">
+            <a:avLst/>
+          </a:prstGeom>
+          <a:noFill/>
+        </p:spPr>
+        <p:txBody>
+          <a:bodyPr wrap="none" rtlCol="0">
+            <a:spAutoFit/>
+          </a:bodyPr>
+          <a:lstStyle/>
+          <a:p>
+            <a:pPr marL="285750" indent="-285750">
+              <a:buFont typeface="Wingdings" pitchFamily="2" charset="2"/>
+              <a:buChar char="Ø"/>
+            </a:pPr>
+            <a:r>
+              <a:rPr lang="de-DE" dirty="0" smtClean="0"/>
+              <a:t>Hilfestellung für Benutzer bei Falscheingaben durch</a:t>
+            </a:r>
+          </a:p>
+          <a:p>
+            <a:r>
+              <a:rPr lang="de-DE" dirty="0" smtClean="0"/>
+              <a:t>     Markierungen und Hinweissätzen</a:t>
+            </a:r>
+            <a:endParaRPr lang="de-DE" dirty="0"/>
           </a:p>
         </p:txBody>
       </p:sp>
     </p:spTree>
     <p:extLst>
       <p:ext uri="{BB962C8B-B14F-4D97-AF65-F5344CB8AC3E}">
-        <p14:creationId xmlns:p14="http://schemas.microsoft.com/office/powerpoint/2010/main" val="249477876"/>
+        <p14:creationId xmlns:p14="http://schemas.microsoft.com/office/powerpoint/2010/main" val="2497062319"/>
       </p:ext>
     </p:extLst>
   </p:cSld>
   <p:clrMapOvr>
     <a:masterClrMapping/>
   </p:clrMapOvr>
-  <p:transition spd="slow">
-    <p:push dir="u"/>
-  </p:transition>
+  <mc:AlternateContent xmlns:mc="http://schemas.openxmlformats.org/markup-compatibility/2006">
+    <mc:Choice xmlns:p14="http://schemas.microsoft.com/office/powerpoint/2010/main" Requires="p14">
+      <p:transition spd="med" p14:dur="700">
+        <p:fade/>
+      </p:transition>
+    </mc:Choice>
+    <mc:Fallback>
+      <p:transition spd="med">
+        <p:fade/>
+      </p:transition>
+    </mc:Fallback>
+  </mc:AlternateContent>
   <p:timing>
     <p:tnLst>
       <p:par>
@@ -7564,8 +10889,8 @@
         </p:nvSpPr>
         <p:spPr>
           <a:xfrm>
-            <a:off x="1043608" y="898140"/>
-            <a:ext cx="4502066" cy="369332"/>
+            <a:off x="899592" y="1043444"/>
+            <a:ext cx="4901855" cy="369332"/>
           </a:xfrm>
           <a:prstGeom prst="rect">
             <a:avLst/>
@@ -7580,25 +10905,82 @@
           <a:p>
             <a:r>
               <a:rPr lang="de-DE" b="1" dirty="0" smtClean="0"/>
-              <a:t>8.4 Rechtliche und normative Vorgaben</a:t>
+              <a:t>8.3 Wirtschaftliche Qualitätsanforderungen</a:t>
             </a:r>
             <a:endParaRPr lang="de-DE" b="1" dirty="0"/>
+          </a:p>
+        </p:txBody>
+      </p:sp>
+      <p:sp>
+        <p:nvSpPr>
+          <p:cNvPr id="3" name="Textfeld 2"/>
+          <p:cNvSpPr txBox="1"/>
+          <p:nvPr/>
+        </p:nvSpPr>
+        <p:spPr>
+          <a:xfrm>
+            <a:off x="1230079" y="1799959"/>
+            <a:ext cx="5269391" cy="646331"/>
+          </a:xfrm>
+          <a:prstGeom prst="rect">
+            <a:avLst/>
+          </a:prstGeom>
+          <a:noFill/>
+        </p:spPr>
+        <p:txBody>
+          <a:bodyPr wrap="none" rtlCol="0">
+            <a:spAutoFit/>
+          </a:bodyPr>
+          <a:lstStyle/>
+          <a:p>
+            <a:pPr marL="285750" indent="-285750">
+              <a:buFont typeface="Wingdings" pitchFamily="2" charset="2"/>
+              <a:buChar char="Ø"/>
+            </a:pPr>
+            <a:r>
+              <a:rPr lang="de-DE" dirty="0" err="1" smtClean="0"/>
+              <a:t>Hostingkosten</a:t>
+            </a:r>
+            <a:r>
+              <a:rPr lang="de-DE" dirty="0" smtClean="0"/>
+              <a:t> 100€ /Monat, lizenzfreier Server</a:t>
+            </a:r>
+          </a:p>
+          <a:p>
+            <a:r>
+              <a:rPr lang="de-DE" dirty="0"/>
+              <a:t> </a:t>
+            </a:r>
+            <a:r>
+              <a:rPr lang="de-DE" dirty="0" smtClean="0"/>
+              <a:t>    und PHP</a:t>
+            </a:r>
+            <a:endParaRPr lang="de-DE" dirty="0"/>
           </a:p>
         </p:txBody>
       </p:sp>
     </p:spTree>
     <p:extLst>
       <p:ext uri="{BB962C8B-B14F-4D97-AF65-F5344CB8AC3E}">
-        <p14:creationId xmlns:p14="http://schemas.microsoft.com/office/powerpoint/2010/main" val="1379843559"/>
+        <p14:creationId xmlns:p14="http://schemas.microsoft.com/office/powerpoint/2010/main" val="249477876"/>
       </p:ext>
     </p:extLst>
   </p:cSld>
   <p:clrMapOvr>
     <a:masterClrMapping/>
   </p:clrMapOvr>
-  <p:transition spd="slow">
-    <p:push dir="u"/>
-  </p:transition>
+  <mc:AlternateContent xmlns:mc="http://schemas.openxmlformats.org/markup-compatibility/2006">
+    <mc:Choice xmlns:p14="http://schemas.microsoft.com/office/powerpoint/2010/main" Requires="p14">
+      <p:transition spd="med" p14:dur="700">
+        <p:fade/>
+      </p:transition>
+    </mc:Choice>
+    <mc:Fallback>
+      <p:transition spd="med">
+        <p:fade/>
+      </p:transition>
+    </mc:Fallback>
+  </mc:AlternateContent>
   <p:timing>
     <p:tnLst>
       <p:par>
@@ -7626,78 +11008,30 @@
           <a:chExt cx="0" cy="0"/>
         </a:xfrm>
       </p:grpSpPr>
-      <p:pic>
-        <p:nvPicPr>
-          <p:cNvPr id="3" name="Picture 2" descr="C:\Users\The Lin Nguyen\crowd-innovation\Meilenstein_3\Daten\crowd_innovation.jpg"/>
-          <p:cNvPicPr>
-            <a:picLocks noChangeAspect="1" noChangeArrowheads="1"/>
-          </p:cNvPicPr>
-          <p:nvPr/>
-        </p:nvPicPr>
-        <p:blipFill>
-          <a:blip r:embed="rId2" cstate="print">
-            <a:extLst>
-              <a:ext uri="{28A0092B-C50C-407E-A947-70E740481C1C}">
-                <a14:useLocalDpi xmlns:a14="http://schemas.microsoft.com/office/drawing/2010/main" val="0"/>
-              </a:ext>
-            </a:extLst>
-          </a:blip>
-          <a:srcRect/>
-          <a:stretch>
-            <a:fillRect/>
-          </a:stretch>
-        </p:blipFill>
-        <p:spPr bwMode="auto">
-          <a:xfrm>
-            <a:off x="827584" y="997773"/>
-            <a:ext cx="6912768" cy="4887691"/>
-          </a:xfrm>
-          <a:prstGeom prst="rect">
-            <a:avLst/>
-          </a:prstGeom>
-          <a:ln>
-            <a:noFill/>
-          </a:ln>
-          <a:effectLst>
-            <a:outerShdw blurRad="292100" dist="139700" dir="2700000" algn="tl" rotWithShape="0">
-              <a:srgbClr val="333333">
-                <a:alpha val="65000"/>
-              </a:srgbClr>
-            </a:outerShdw>
-          </a:effectLst>
-          <a:extLst>
-            <a:ext uri="{909E8E84-426E-40DD-AFC4-6F175D3DCCD1}">
-              <a14:hiddenFill xmlns:a14="http://schemas.microsoft.com/office/drawing/2010/main">
-                <a:solidFill>
-                  <a:srgbClr val="FFFFFF"/>
-                </a:solidFill>
-              </a14:hiddenFill>
-            </a:ext>
-          </a:extLst>
-        </p:spPr>
-      </p:pic>
-      <p:sp>
-        <p:nvSpPr>
-          <p:cNvPr id="2" name="Titel 1"/>
-          <p:cNvSpPr>
-            <a:spLocks noGrp="1"/>
-          </p:cNvSpPr>
-          <p:nvPr>
-            <p:ph type="title"/>
-          </p:nvPr>
-        </p:nvSpPr>
-        <p:spPr>
-          <a:xfrm>
-            <a:off x="4283968" y="5805264"/>
-            <a:ext cx="4067944" cy="638836"/>
-          </a:xfrm>
-        </p:spPr>
-        <p:txBody>
-          <a:bodyPr/>
-          <a:lstStyle/>
-          <a:p>
-            <a:r>
-              <a:rPr lang="de-DE" b="1" dirty="0" smtClean="0">
+      <p:sp>
+        <p:nvSpPr>
+          <p:cNvPr id="4" name="Textfeld 3"/>
+          <p:cNvSpPr txBox="1"/>
+          <p:nvPr/>
+        </p:nvSpPr>
+        <p:spPr>
+          <a:xfrm>
+            <a:off x="504884" y="285769"/>
+            <a:ext cx="3546164" cy="523220"/>
+          </a:xfrm>
+          <a:prstGeom prst="rect">
+            <a:avLst/>
+          </a:prstGeom>
+          <a:noFill/>
+        </p:spPr>
+        <p:txBody>
+          <a:bodyPr wrap="none" rtlCol="0">
+            <a:spAutoFit/>
+          </a:bodyPr>
+          <a:lstStyle/>
+          <a:p>
+            <a:r>
+              <a:rPr lang="de-DE" sz="2800" dirty="0" smtClean="0">
                 <a:effectLst>
                   <a:outerShdw blurRad="38100" dist="38100" dir="2700000" algn="tl">
                     <a:srgbClr val="000000">
@@ -7705,36 +11039,10 @@
                     </a:srgbClr>
                   </a:outerShdw>
                 </a:effectLst>
-                <a:latin typeface="+mn-lt"/>
               </a:rPr>
-              <a:t>9 Gliederung in </a:t>
-            </a:r>
-            <a:br>
-              <a:rPr lang="de-DE" b="1" dirty="0" smtClean="0">
-                <a:effectLst>
-                  <a:outerShdw blurRad="38100" dist="38100" dir="2700000" algn="tl">
-                    <a:srgbClr val="000000">
-                      <a:alpha val="43137"/>
-                    </a:srgbClr>
-                  </a:outerShdw>
-                </a:effectLst>
-                <a:latin typeface="+mn-lt"/>
-              </a:rPr>
-            </a:br>
-            <a:r>
-              <a:rPr lang="de-DE" b="1" dirty="0" smtClean="0">
-                <a:effectLst>
-                  <a:outerShdw blurRad="38100" dist="38100" dir="2700000" algn="tl">
-                    <a:srgbClr val="000000">
-                      <a:alpha val="43137"/>
-                    </a:srgbClr>
-                  </a:outerShdw>
-                </a:effectLst>
-                <a:latin typeface="+mn-lt"/>
-              </a:rPr>
-              <a:t>Teilprodukte</a:t>
-            </a:r>
-            <a:endParaRPr lang="de-DE" b="1" dirty="0">
+              <a:t>Qualitätsanforderung</a:t>
+            </a:r>
+            <a:endParaRPr lang="de-DE" sz="2800" dirty="0">
               <a:effectLst>
                 <a:outerShdw blurRad="38100" dist="38100" dir="2700000" algn="tl">
                   <a:srgbClr val="000000">
@@ -7742,24 +11050,106 @@
                   </a:srgbClr>
                 </a:outerShdw>
               </a:effectLst>
-              <a:latin typeface="+mn-lt"/>
             </a:endParaRPr>
+          </a:p>
+        </p:txBody>
+      </p:sp>
+      <p:sp>
+        <p:nvSpPr>
+          <p:cNvPr id="2" name="Textfeld 1"/>
+          <p:cNvSpPr txBox="1"/>
+          <p:nvPr/>
+        </p:nvSpPr>
+        <p:spPr>
+          <a:xfrm>
+            <a:off x="899592" y="1082806"/>
+            <a:ext cx="4502066" cy="369332"/>
+          </a:xfrm>
+          <a:prstGeom prst="rect">
+            <a:avLst/>
+          </a:prstGeom>
+          <a:noFill/>
+        </p:spPr>
+        <p:txBody>
+          <a:bodyPr wrap="none" rtlCol="0">
+            <a:spAutoFit/>
+          </a:bodyPr>
+          <a:lstStyle/>
+          <a:p>
+            <a:r>
+              <a:rPr lang="de-DE" b="1" dirty="0" smtClean="0"/>
+              <a:t>8.4 Rechtliche und normative Vorgaben</a:t>
+            </a:r>
+            <a:endParaRPr lang="de-DE" b="1" dirty="0"/>
+          </a:p>
+        </p:txBody>
+      </p:sp>
+      <p:sp>
+        <p:nvSpPr>
+          <p:cNvPr id="3" name="Textfeld 2"/>
+          <p:cNvSpPr txBox="1"/>
+          <p:nvPr/>
+        </p:nvSpPr>
+        <p:spPr>
+          <a:xfrm>
+            <a:off x="1187624" y="1772816"/>
+            <a:ext cx="6650282" cy="646331"/>
+          </a:xfrm>
+          <a:prstGeom prst="rect">
+            <a:avLst/>
+          </a:prstGeom>
+          <a:noFill/>
+        </p:spPr>
+        <p:txBody>
+          <a:bodyPr wrap="none" rtlCol="0">
+            <a:spAutoFit/>
+          </a:bodyPr>
+          <a:lstStyle/>
+          <a:p>
+            <a:pPr marL="285750" indent="-285750">
+              <a:buFont typeface="Wingdings" pitchFamily="2" charset="2"/>
+              <a:buChar char="Ø"/>
+            </a:pPr>
+            <a:r>
+              <a:rPr lang="de-DE" dirty="0" smtClean="0"/>
+              <a:t>Vor Fremdzugriff schützen, dass private Daten ausgetauscht</a:t>
+            </a:r>
+          </a:p>
+          <a:p>
+            <a:r>
+              <a:rPr lang="de-DE" dirty="0"/>
+              <a:t> </a:t>
+            </a:r>
+            <a:r>
+              <a:rPr lang="de-DE" dirty="0" smtClean="0"/>
+              <a:t>    werden</a:t>
+            </a:r>
+            <a:endParaRPr lang="de-DE" dirty="0"/>
           </a:p>
         </p:txBody>
       </p:sp>
     </p:spTree>
     <p:extLst>
       <p:ext uri="{BB962C8B-B14F-4D97-AF65-F5344CB8AC3E}">
-        <p14:creationId xmlns:p14="http://schemas.microsoft.com/office/powerpoint/2010/main" val="1522318053"/>
+        <p14:creationId xmlns:p14="http://schemas.microsoft.com/office/powerpoint/2010/main" val="1379843559"/>
       </p:ext>
     </p:extLst>
   </p:cSld>
   <p:clrMapOvr>
     <a:masterClrMapping/>
   </p:clrMapOvr>
-  <p:transition spd="slow">
-    <p:push dir="u"/>
-  </p:transition>
+  <mc:AlternateContent xmlns:mc="http://schemas.openxmlformats.org/markup-compatibility/2006">
+    <mc:Choice xmlns:p14="http://schemas.microsoft.com/office/powerpoint/2010/main" Requires="p14">
+      <p:transition spd="med" p14:dur="700">
+        <p:fade/>
+      </p:transition>
+    </mc:Choice>
+    <mc:Fallback>
+      <p:transition spd="med">
+        <p:fade/>
+      </p:transition>
+    </mc:Fallback>
+  </mc:AlternateContent>
   <p:timing>
     <p:tnLst>
       <p:par>
@@ -7787,30 +11177,78 @@
           <a:chExt cx="0" cy="0"/>
         </a:xfrm>
       </p:grpSpPr>
-      <p:sp>
-        <p:nvSpPr>
-          <p:cNvPr id="4" name="Textfeld 3"/>
-          <p:cNvSpPr txBox="1"/>
-          <p:nvPr/>
-        </p:nvSpPr>
-        <p:spPr>
-          <a:xfrm>
-            <a:off x="504884" y="285769"/>
-            <a:ext cx="4360681" cy="523220"/>
-          </a:xfrm>
-          <a:prstGeom prst="rect">
-            <a:avLst/>
-          </a:prstGeom>
-          <a:noFill/>
-        </p:spPr>
-        <p:txBody>
-          <a:bodyPr wrap="none" rtlCol="0">
-            <a:spAutoFit/>
-          </a:bodyPr>
-          <a:lstStyle/>
-          <a:p>
-            <a:r>
-              <a:rPr lang="de-DE" sz="2800" dirty="0" smtClean="0">
+      <p:pic>
+        <p:nvPicPr>
+          <p:cNvPr id="3" name="Picture 2" descr="C:\Users\The Lin Nguyen\crowd-innovation\Meilenstein_3\Daten\crowd_innovation.jpg"/>
+          <p:cNvPicPr>
+            <a:picLocks noChangeAspect="1" noChangeArrowheads="1"/>
+          </p:cNvPicPr>
+          <p:nvPr/>
+        </p:nvPicPr>
+        <p:blipFill>
+          <a:blip r:embed="rId2" cstate="print">
+            <a:extLst>
+              <a:ext uri="{28A0092B-C50C-407E-A947-70E740481C1C}">
+                <a14:useLocalDpi xmlns:a14="http://schemas.microsoft.com/office/drawing/2010/main" val="0"/>
+              </a:ext>
+            </a:extLst>
+          </a:blip>
+          <a:srcRect/>
+          <a:stretch>
+            <a:fillRect/>
+          </a:stretch>
+        </p:blipFill>
+        <p:spPr bwMode="auto">
+          <a:xfrm>
+            <a:off x="827584" y="997773"/>
+            <a:ext cx="6912768" cy="4887691"/>
+          </a:xfrm>
+          <a:prstGeom prst="rect">
+            <a:avLst/>
+          </a:prstGeom>
+          <a:ln>
+            <a:noFill/>
+          </a:ln>
+          <a:effectLst>
+            <a:outerShdw blurRad="292100" dist="139700" dir="2700000" algn="tl" rotWithShape="0">
+              <a:srgbClr val="333333">
+                <a:alpha val="65000"/>
+              </a:srgbClr>
+            </a:outerShdw>
+          </a:effectLst>
+          <a:extLst>
+            <a:ext uri="{909E8E84-426E-40DD-AFC4-6F175D3DCCD1}">
+              <a14:hiddenFill xmlns:a14="http://schemas.microsoft.com/office/drawing/2010/main">
+                <a:solidFill>
+                  <a:srgbClr val="FFFFFF"/>
+                </a:solidFill>
+              </a14:hiddenFill>
+            </a:ext>
+          </a:extLst>
+        </p:spPr>
+      </p:pic>
+      <p:sp>
+        <p:nvSpPr>
+          <p:cNvPr id="2" name="Titel 1"/>
+          <p:cNvSpPr>
+            <a:spLocks noGrp="1"/>
+          </p:cNvSpPr>
+          <p:nvPr>
+            <p:ph type="title"/>
+          </p:nvPr>
+        </p:nvSpPr>
+        <p:spPr>
+          <a:xfrm>
+            <a:off x="4283968" y="5805264"/>
+            <a:ext cx="4067944" cy="638836"/>
+          </a:xfrm>
+        </p:spPr>
+        <p:txBody>
+          <a:bodyPr/>
+          <a:lstStyle/>
+          <a:p>
+            <a:r>
+              <a:rPr lang="de-DE" b="1" dirty="0" smtClean="0">
                 <a:effectLst>
                   <a:outerShdw blurRad="38100" dist="38100" dir="2700000" algn="tl">
                     <a:srgbClr val="000000">
@@ -7818,10 +11256,36 @@
                     </a:srgbClr>
                   </a:outerShdw>
                 </a:effectLst>
+                <a:latin typeface="+mn-lt"/>
               </a:rPr>
-              <a:t>Gliederung in Teilprodukte</a:t>
-            </a:r>
-            <a:endParaRPr lang="de-DE" sz="2800" dirty="0">
+              <a:t>9 Gliederung in </a:t>
+            </a:r>
+            <a:br>
+              <a:rPr lang="de-DE" b="1" dirty="0" smtClean="0">
+                <a:effectLst>
+                  <a:outerShdw blurRad="38100" dist="38100" dir="2700000" algn="tl">
+                    <a:srgbClr val="000000">
+                      <a:alpha val="43137"/>
+                    </a:srgbClr>
+                  </a:outerShdw>
+                </a:effectLst>
+                <a:latin typeface="+mn-lt"/>
+              </a:rPr>
+            </a:br>
+            <a:r>
+              <a:rPr lang="de-DE" b="1" dirty="0" smtClean="0">
+                <a:effectLst>
+                  <a:outerShdw blurRad="38100" dist="38100" dir="2700000" algn="tl">
+                    <a:srgbClr val="000000">
+                      <a:alpha val="43137"/>
+                    </a:srgbClr>
+                  </a:outerShdw>
+                </a:effectLst>
+                <a:latin typeface="+mn-lt"/>
+              </a:rPr>
+              <a:t>Teilprodukte</a:t>
+            </a:r>
+            <a:endParaRPr lang="de-DE" b="1" dirty="0">
               <a:effectLst>
                 <a:outerShdw blurRad="38100" dist="38100" dir="2700000" algn="tl">
                   <a:srgbClr val="000000">
@@ -7829,6 +11293,7 @@
                   </a:srgbClr>
                 </a:outerShdw>
               </a:effectLst>
+              <a:latin typeface="+mn-lt"/>
             </a:endParaRPr>
           </a:p>
         </p:txBody>
@@ -7836,7 +11301,7 @@
     </p:spTree>
     <p:extLst>
       <p:ext uri="{BB962C8B-B14F-4D97-AF65-F5344CB8AC3E}">
-        <p14:creationId xmlns:p14="http://schemas.microsoft.com/office/powerpoint/2010/main" val="112350765"/>
+        <p14:creationId xmlns:p14="http://schemas.microsoft.com/office/powerpoint/2010/main" val="1522318053"/>
       </p:ext>
     </p:extLst>
   </p:cSld>
@@ -7873,78 +11338,30 @@
           <a:chExt cx="0" cy="0"/>
         </a:xfrm>
       </p:grpSpPr>
-      <p:pic>
-        <p:nvPicPr>
-          <p:cNvPr id="3" name="Picture 2" descr="C:\Users\The Lin Nguyen\crowd-innovation\Meilenstein_3\Daten\crowd_innovation.jpg"/>
-          <p:cNvPicPr>
-            <a:picLocks noChangeAspect="1" noChangeArrowheads="1"/>
-          </p:cNvPicPr>
-          <p:nvPr/>
-        </p:nvPicPr>
-        <p:blipFill>
-          <a:blip r:embed="rId2" cstate="print">
-            <a:extLst>
-              <a:ext uri="{28A0092B-C50C-407E-A947-70E740481C1C}">
-                <a14:useLocalDpi xmlns:a14="http://schemas.microsoft.com/office/drawing/2010/main" val="0"/>
-              </a:ext>
-            </a:extLst>
-          </a:blip>
-          <a:srcRect/>
-          <a:stretch>
-            <a:fillRect/>
-          </a:stretch>
-        </p:blipFill>
-        <p:spPr bwMode="auto">
-          <a:xfrm>
-            <a:off x="827584" y="997773"/>
-            <a:ext cx="6912768" cy="4887691"/>
-          </a:xfrm>
-          <a:prstGeom prst="rect">
-            <a:avLst/>
-          </a:prstGeom>
-          <a:ln>
-            <a:noFill/>
-          </a:ln>
-          <a:effectLst>
-            <a:outerShdw blurRad="292100" dist="139700" dir="2700000" algn="tl" rotWithShape="0">
-              <a:srgbClr val="333333">
-                <a:alpha val="65000"/>
-              </a:srgbClr>
-            </a:outerShdw>
-          </a:effectLst>
-          <a:extLst>
-            <a:ext uri="{909E8E84-426E-40DD-AFC4-6F175D3DCCD1}">
-              <a14:hiddenFill xmlns:a14="http://schemas.microsoft.com/office/drawing/2010/main">
-                <a:solidFill>
-                  <a:srgbClr val="FFFFFF"/>
-                </a:solidFill>
-              </a14:hiddenFill>
-            </a:ext>
-          </a:extLst>
-        </p:spPr>
-      </p:pic>
-      <p:sp>
-        <p:nvSpPr>
-          <p:cNvPr id="2" name="Titel 1"/>
-          <p:cNvSpPr>
-            <a:spLocks noGrp="1"/>
-          </p:cNvSpPr>
-          <p:nvPr>
-            <p:ph type="title"/>
-          </p:nvPr>
-        </p:nvSpPr>
-        <p:spPr>
-          <a:xfrm>
-            <a:off x="3851920" y="5814500"/>
-            <a:ext cx="4536504" cy="638836"/>
-          </a:xfrm>
-        </p:spPr>
-        <p:txBody>
-          <a:bodyPr/>
-          <a:lstStyle/>
-          <a:p>
-            <a:r>
-              <a:rPr lang="de-DE" b="1" dirty="0" smtClean="0">
+      <p:sp>
+        <p:nvSpPr>
+          <p:cNvPr id="4" name="Textfeld 3"/>
+          <p:cNvSpPr txBox="1"/>
+          <p:nvPr/>
+        </p:nvSpPr>
+        <p:spPr>
+          <a:xfrm>
+            <a:off x="504884" y="285769"/>
+            <a:ext cx="4360681" cy="523220"/>
+          </a:xfrm>
+          <a:prstGeom prst="rect">
+            <a:avLst/>
+          </a:prstGeom>
+          <a:noFill/>
+        </p:spPr>
+        <p:txBody>
+          <a:bodyPr wrap="none" rtlCol="0">
+            <a:spAutoFit/>
+          </a:bodyPr>
+          <a:lstStyle/>
+          <a:p>
+            <a:r>
+              <a:rPr lang="de-DE" sz="2800" dirty="0" smtClean="0">
                 <a:effectLst>
                   <a:outerShdw blurRad="38100" dist="38100" dir="2700000" algn="tl">
                     <a:srgbClr val="000000">
@@ -7952,11 +11369,10 @@
                     </a:srgbClr>
                   </a:outerShdw>
                 </a:effectLst>
-                <a:latin typeface="+mn-lt"/>
               </a:rPr>
-              <a:t>10 Entwicklungs-Konfiguration </a:t>
-            </a:r>
-            <a:endParaRPr lang="de-DE" b="1" dirty="0">
+              <a:t>Gliederung in Teilprodukte</a:t>
+            </a:r>
+            <a:endParaRPr lang="de-DE" sz="2800" dirty="0">
               <a:effectLst>
                 <a:outerShdw blurRad="38100" dist="38100" dir="2700000" algn="tl">
                   <a:srgbClr val="000000">
@@ -7964,24 +11380,198 @@
                   </a:srgbClr>
                 </a:outerShdw>
               </a:effectLst>
-              <a:latin typeface="+mn-lt"/>
             </a:endParaRPr>
+          </a:p>
+        </p:txBody>
+      </p:sp>
+      <p:sp>
+        <p:nvSpPr>
+          <p:cNvPr id="2" name="Textfeld 1"/>
+          <p:cNvSpPr txBox="1"/>
+          <p:nvPr/>
+        </p:nvSpPr>
+        <p:spPr>
+          <a:xfrm>
+            <a:off x="1331640" y="1611960"/>
+            <a:ext cx="4910319" cy="369332"/>
+          </a:xfrm>
+          <a:prstGeom prst="rect">
+            <a:avLst/>
+          </a:prstGeom>
+          <a:noFill/>
+        </p:spPr>
+        <p:txBody>
+          <a:bodyPr wrap="none" rtlCol="0">
+            <a:spAutoFit/>
+          </a:bodyPr>
+          <a:lstStyle/>
+          <a:p>
+            <a:pPr marL="285750" indent="-285750">
+              <a:buFont typeface="Wingdings" pitchFamily="2" charset="2"/>
+              <a:buChar char="Ø"/>
+            </a:pPr>
+            <a:r>
+              <a:rPr lang="de-DE" dirty="0" smtClean="0"/>
+              <a:t>Nicht möglich, da sie aufeinander aufbauen</a:t>
+            </a:r>
+            <a:endParaRPr lang="de-DE" dirty="0"/>
+          </a:p>
+        </p:txBody>
+      </p:sp>
+      <p:sp>
+        <p:nvSpPr>
+          <p:cNvPr id="3" name="Textfeld 2"/>
+          <p:cNvSpPr txBox="1"/>
+          <p:nvPr/>
+        </p:nvSpPr>
+        <p:spPr>
+          <a:xfrm>
+            <a:off x="1331640" y="2519683"/>
+            <a:ext cx="4367542" cy="2585323"/>
+          </a:xfrm>
+          <a:prstGeom prst="rect">
+            <a:avLst/>
+          </a:prstGeom>
+          <a:noFill/>
+        </p:spPr>
+        <p:txBody>
+          <a:bodyPr wrap="none" rtlCol="0">
+            <a:spAutoFit/>
+          </a:bodyPr>
+          <a:lstStyle/>
+          <a:p>
+            <a:pPr marL="285750" indent="-285750">
+              <a:buFont typeface="Wingdings" pitchFamily="2" charset="2"/>
+              <a:buChar char="Ø"/>
+            </a:pPr>
+            <a:r>
+              <a:rPr lang="de-DE" dirty="0" smtClean="0">
+                <a:sym typeface="Wingdings" pitchFamily="2" charset="2"/>
+              </a:rPr>
+              <a:t> Gliederung wie folgt:</a:t>
+            </a:r>
+          </a:p>
+          <a:p>
+            <a:pPr marL="742950" lvl="1" indent="-285750">
+              <a:buFont typeface="Wingdings" pitchFamily="2" charset="2"/>
+              <a:buChar char="§"/>
+            </a:pPr>
+            <a:r>
+              <a:rPr lang="de-DE" dirty="0" smtClean="0">
+                <a:sym typeface="Wingdings" pitchFamily="2" charset="2"/>
+              </a:rPr>
+              <a:t>Login </a:t>
+            </a:r>
+          </a:p>
+          <a:p>
+            <a:pPr marL="742950" lvl="1" indent="-285750">
+              <a:buFont typeface="Wingdings" pitchFamily="2" charset="2"/>
+              <a:buChar char="§"/>
+            </a:pPr>
+            <a:r>
+              <a:rPr lang="de-DE" dirty="0" smtClean="0">
+                <a:sym typeface="Wingdings" pitchFamily="2" charset="2"/>
+              </a:rPr>
+              <a:t>Registrierung</a:t>
+            </a:r>
+          </a:p>
+          <a:p>
+            <a:pPr marL="742950" lvl="1" indent="-285750">
+              <a:buFont typeface="Wingdings" pitchFamily="2" charset="2"/>
+              <a:buChar char="§"/>
+            </a:pPr>
+            <a:r>
+              <a:rPr lang="de-DE" dirty="0" smtClean="0">
+                <a:sym typeface="Wingdings" pitchFamily="2" charset="2"/>
+              </a:rPr>
+              <a:t>Profil</a:t>
+            </a:r>
+          </a:p>
+          <a:p>
+            <a:pPr marL="742950" lvl="1" indent="-285750">
+              <a:buFont typeface="Wingdings" pitchFamily="2" charset="2"/>
+              <a:buChar char="§"/>
+            </a:pPr>
+            <a:r>
+              <a:rPr lang="de-DE" dirty="0" smtClean="0">
+                <a:sym typeface="Wingdings" pitchFamily="2" charset="2"/>
+              </a:rPr>
+              <a:t>Veröffentlichen von Ideen </a:t>
+            </a:r>
+          </a:p>
+          <a:p>
+            <a:pPr marL="742950" lvl="1" indent="-285750">
+              <a:buFont typeface="Wingdings" pitchFamily="2" charset="2"/>
+              <a:buChar char="§"/>
+            </a:pPr>
+            <a:r>
+              <a:rPr lang="de-DE" dirty="0" smtClean="0">
+                <a:sym typeface="Wingdings" pitchFamily="2" charset="2"/>
+              </a:rPr>
+              <a:t>Bewerten und Kommentieren </a:t>
+            </a:r>
+          </a:p>
+          <a:p>
+            <a:pPr marL="742950" lvl="1" indent="-285750">
+              <a:buFont typeface="Wingdings" pitchFamily="2" charset="2"/>
+              <a:buChar char="§"/>
+            </a:pPr>
+            <a:r>
+              <a:rPr lang="de-DE" dirty="0" smtClean="0">
+                <a:sym typeface="Wingdings" pitchFamily="2" charset="2"/>
+              </a:rPr>
+              <a:t>Nachrichtenversand</a:t>
+            </a:r>
+          </a:p>
+          <a:p>
+            <a:pPr marL="742950" lvl="1" indent="-285750">
+              <a:buFont typeface="Wingdings" pitchFamily="2" charset="2"/>
+              <a:buChar char="§"/>
+            </a:pPr>
+            <a:r>
+              <a:rPr lang="de-DE" dirty="0" smtClean="0">
+                <a:sym typeface="Wingdings" pitchFamily="2" charset="2"/>
+              </a:rPr>
+              <a:t>Wettbewerbsstatus</a:t>
+            </a:r>
+          </a:p>
+          <a:p>
+            <a:pPr marL="742950" lvl="1" indent="-285750">
+              <a:buFont typeface="Wingdings" pitchFamily="2" charset="2"/>
+              <a:buChar char="§"/>
+            </a:pPr>
+            <a:r>
+              <a:rPr lang="de-DE" dirty="0" smtClean="0">
+                <a:sym typeface="Wingdings" pitchFamily="2" charset="2"/>
+              </a:rPr>
+              <a:t>Kategorisierung der Wettbewerbe</a:t>
+            </a:r>
+            <a:endParaRPr lang="de-DE" dirty="0"/>
           </a:p>
         </p:txBody>
       </p:sp>
     </p:spTree>
     <p:extLst>
       <p:ext uri="{BB962C8B-B14F-4D97-AF65-F5344CB8AC3E}">
-        <p14:creationId xmlns:p14="http://schemas.microsoft.com/office/powerpoint/2010/main" val="630942293"/>
+        <p14:creationId xmlns:p14="http://schemas.microsoft.com/office/powerpoint/2010/main" val="112350765"/>
       </p:ext>
     </p:extLst>
   </p:cSld>
   <p:clrMapOvr>
     <a:masterClrMapping/>
   </p:clrMapOvr>
-  <p:transition spd="slow">
-    <p:push dir="u"/>
-  </p:transition>
+  <mc:AlternateContent xmlns:mc="http://schemas.openxmlformats.org/markup-compatibility/2006">
+    <mc:Choice xmlns:p14="http://schemas.microsoft.com/office/powerpoint/2010/main" Requires="p14">
+      <p:transition spd="med" p14:dur="700">
+        <p:fade/>
+      </p:transition>
+    </mc:Choice>
+    <mc:Fallback>
+      <p:transition spd="med">
+        <p:fade/>
+      </p:transition>
+    </mc:Fallback>
+  </mc:AlternateContent>
   <p:timing>
     <p:tnLst>
       <p:par>
@@ -8009,30 +11599,78 @@
           <a:chExt cx="0" cy="0"/>
         </a:xfrm>
       </p:grpSpPr>
-      <p:sp>
-        <p:nvSpPr>
-          <p:cNvPr id="4" name="Textfeld 3"/>
-          <p:cNvSpPr txBox="1"/>
-          <p:nvPr/>
-        </p:nvSpPr>
-        <p:spPr>
-          <a:xfrm>
-            <a:off x="504884" y="285769"/>
-            <a:ext cx="4523995" cy="523220"/>
-          </a:xfrm>
-          <a:prstGeom prst="rect">
-            <a:avLst/>
-          </a:prstGeom>
-          <a:noFill/>
-        </p:spPr>
-        <p:txBody>
-          <a:bodyPr wrap="none" rtlCol="0">
-            <a:spAutoFit/>
-          </a:bodyPr>
-          <a:lstStyle/>
-          <a:p>
-            <a:r>
-              <a:rPr lang="de-DE" sz="2800" dirty="0" smtClean="0">
+      <p:pic>
+        <p:nvPicPr>
+          <p:cNvPr id="3" name="Picture 2" descr="C:\Users\The Lin Nguyen\crowd-innovation\Meilenstein_3\Daten\crowd_innovation.jpg"/>
+          <p:cNvPicPr>
+            <a:picLocks noChangeAspect="1" noChangeArrowheads="1"/>
+          </p:cNvPicPr>
+          <p:nvPr/>
+        </p:nvPicPr>
+        <p:blipFill>
+          <a:blip r:embed="rId2" cstate="print">
+            <a:extLst>
+              <a:ext uri="{28A0092B-C50C-407E-A947-70E740481C1C}">
+                <a14:useLocalDpi xmlns:a14="http://schemas.microsoft.com/office/drawing/2010/main" val="0"/>
+              </a:ext>
+            </a:extLst>
+          </a:blip>
+          <a:srcRect/>
+          <a:stretch>
+            <a:fillRect/>
+          </a:stretch>
+        </p:blipFill>
+        <p:spPr bwMode="auto">
+          <a:xfrm>
+            <a:off x="827584" y="997773"/>
+            <a:ext cx="6912768" cy="4887691"/>
+          </a:xfrm>
+          <a:prstGeom prst="rect">
+            <a:avLst/>
+          </a:prstGeom>
+          <a:ln>
+            <a:noFill/>
+          </a:ln>
+          <a:effectLst>
+            <a:outerShdw blurRad="292100" dist="139700" dir="2700000" algn="tl" rotWithShape="0">
+              <a:srgbClr val="333333">
+                <a:alpha val="65000"/>
+              </a:srgbClr>
+            </a:outerShdw>
+          </a:effectLst>
+          <a:extLst>
+            <a:ext uri="{909E8E84-426E-40DD-AFC4-6F175D3DCCD1}">
+              <a14:hiddenFill xmlns:a14="http://schemas.microsoft.com/office/drawing/2010/main">
+                <a:solidFill>
+                  <a:srgbClr val="FFFFFF"/>
+                </a:solidFill>
+              </a14:hiddenFill>
+            </a:ext>
+          </a:extLst>
+        </p:spPr>
+      </p:pic>
+      <p:sp>
+        <p:nvSpPr>
+          <p:cNvPr id="2" name="Titel 1"/>
+          <p:cNvSpPr>
+            <a:spLocks noGrp="1"/>
+          </p:cNvSpPr>
+          <p:nvPr>
+            <p:ph type="title"/>
+          </p:nvPr>
+        </p:nvSpPr>
+        <p:spPr>
+          <a:xfrm>
+            <a:off x="3851920" y="5814500"/>
+            <a:ext cx="4536504" cy="638836"/>
+          </a:xfrm>
+        </p:spPr>
+        <p:txBody>
+          <a:bodyPr/>
+          <a:lstStyle/>
+          <a:p>
+            <a:r>
+              <a:rPr lang="de-DE" b="1" dirty="0" smtClean="0">
                 <a:effectLst>
                   <a:outerShdw blurRad="38100" dist="38100" dir="2700000" algn="tl">
                     <a:srgbClr val="000000">
@@ -8040,10 +11678,11 @@
                     </a:srgbClr>
                   </a:outerShdw>
                 </a:effectLst>
+                <a:latin typeface="+mn-lt"/>
               </a:rPr>
-              <a:t>Entwicklungs-Konfiguration</a:t>
-            </a:r>
-            <a:endParaRPr lang="de-DE" sz="2800" dirty="0">
+              <a:t>10 Entwicklungs-Konfiguration </a:t>
+            </a:r>
+            <a:endParaRPr lang="de-DE" b="1" dirty="0">
               <a:effectLst>
                 <a:outerShdw blurRad="38100" dist="38100" dir="2700000" algn="tl">
                   <a:srgbClr val="000000">
@@ -8051,6 +11690,7 @@
                   </a:srgbClr>
                 </a:outerShdw>
               </a:effectLst>
+              <a:latin typeface="+mn-lt"/>
             </a:endParaRPr>
           </a:p>
         </p:txBody>
@@ -8058,7 +11698,7 @@
     </p:spTree>
     <p:extLst>
       <p:ext uri="{BB962C8B-B14F-4D97-AF65-F5344CB8AC3E}">
-        <p14:creationId xmlns:p14="http://schemas.microsoft.com/office/powerpoint/2010/main" val="2988150333"/>
+        <p14:creationId xmlns:p14="http://schemas.microsoft.com/office/powerpoint/2010/main" val="630942293"/>
       </p:ext>
     </p:extLst>
   </p:cSld>
@@ -8231,78 +11871,30 @@
           <a:chExt cx="0" cy="0"/>
         </a:xfrm>
       </p:grpSpPr>
-      <p:pic>
-        <p:nvPicPr>
-          <p:cNvPr id="3" name="Picture 2" descr="C:\Users\The Lin Nguyen\crowd-innovation\Meilenstein_3\Daten\crowd_innovation.jpg"/>
-          <p:cNvPicPr>
-            <a:picLocks noChangeAspect="1" noChangeArrowheads="1"/>
-          </p:cNvPicPr>
-          <p:nvPr/>
-        </p:nvPicPr>
-        <p:blipFill>
-          <a:blip r:embed="rId2" cstate="print">
-            <a:extLst>
-              <a:ext uri="{28A0092B-C50C-407E-A947-70E740481C1C}">
-                <a14:useLocalDpi xmlns:a14="http://schemas.microsoft.com/office/drawing/2010/main" val="0"/>
-              </a:ext>
-            </a:extLst>
-          </a:blip>
-          <a:srcRect/>
-          <a:stretch>
-            <a:fillRect/>
-          </a:stretch>
-        </p:blipFill>
-        <p:spPr bwMode="auto">
-          <a:xfrm>
-            <a:off x="827584" y="997773"/>
-            <a:ext cx="6912768" cy="4887691"/>
-          </a:xfrm>
-          <a:prstGeom prst="rect">
-            <a:avLst/>
-          </a:prstGeom>
-          <a:ln>
-            <a:noFill/>
-          </a:ln>
-          <a:effectLst>
-            <a:outerShdw blurRad="292100" dist="139700" dir="2700000" algn="tl" rotWithShape="0">
-              <a:srgbClr val="333333">
-                <a:alpha val="65000"/>
-              </a:srgbClr>
-            </a:outerShdw>
-          </a:effectLst>
-          <a:extLst>
-            <a:ext uri="{909E8E84-426E-40DD-AFC4-6F175D3DCCD1}">
-              <a14:hiddenFill xmlns:a14="http://schemas.microsoft.com/office/drawing/2010/main">
-                <a:solidFill>
-                  <a:srgbClr val="FFFFFF"/>
-                </a:solidFill>
-              </a14:hiddenFill>
-            </a:ext>
-          </a:extLst>
-        </p:spPr>
-      </p:pic>
-      <p:sp>
-        <p:nvSpPr>
-          <p:cNvPr id="2" name="Titel 1"/>
-          <p:cNvSpPr>
-            <a:spLocks noGrp="1"/>
-          </p:cNvSpPr>
-          <p:nvPr>
-            <p:ph type="title"/>
-          </p:nvPr>
-        </p:nvSpPr>
-        <p:spPr>
-          <a:xfrm>
-            <a:off x="3779912" y="5805264"/>
-            <a:ext cx="4680520" cy="638836"/>
-          </a:xfrm>
-        </p:spPr>
-        <p:txBody>
-          <a:bodyPr/>
-          <a:lstStyle/>
-          <a:p>
-            <a:r>
-              <a:rPr lang="de-DE" b="1" dirty="0" smtClean="0">
+      <p:sp>
+        <p:nvSpPr>
+          <p:cNvPr id="4" name="Textfeld 3"/>
+          <p:cNvSpPr txBox="1"/>
+          <p:nvPr/>
+        </p:nvSpPr>
+        <p:spPr>
+          <a:xfrm>
+            <a:off x="504884" y="285769"/>
+            <a:ext cx="4523995" cy="523220"/>
+          </a:xfrm>
+          <a:prstGeom prst="rect">
+            <a:avLst/>
+          </a:prstGeom>
+          <a:noFill/>
+        </p:spPr>
+        <p:txBody>
+          <a:bodyPr wrap="none" rtlCol="0">
+            <a:spAutoFit/>
+          </a:bodyPr>
+          <a:lstStyle/>
+          <a:p>
+            <a:r>
+              <a:rPr lang="de-DE" sz="2800" dirty="0" smtClean="0">
                 <a:effectLst>
                   <a:outerShdw blurRad="38100" dist="38100" dir="2700000" algn="tl">
                     <a:srgbClr val="000000">
@@ -8310,49 +11902,10 @@
                     </a:srgbClr>
                   </a:outerShdw>
                 </a:effectLst>
-                <a:latin typeface="+mn-lt"/>
               </a:rPr>
-              <a:t>11 Beschaffungs-</a:t>
-            </a:r>
-            <a:br>
-              <a:rPr lang="de-DE" b="1" dirty="0" smtClean="0">
-                <a:effectLst>
-                  <a:outerShdw blurRad="38100" dist="38100" dir="2700000" algn="tl">
-                    <a:srgbClr val="000000">
-                      <a:alpha val="43137"/>
-                    </a:srgbClr>
-                  </a:outerShdw>
-                </a:effectLst>
-                <a:latin typeface="+mn-lt"/>
-              </a:rPr>
-            </a:br>
-            <a:r>
-              <a:rPr lang="de-DE" b="1" dirty="0" err="1" smtClean="0">
-                <a:effectLst>
-                  <a:outerShdw blurRad="38100" dist="38100" dir="2700000" algn="tl">
-                    <a:srgbClr val="000000">
-                      <a:alpha val="43137"/>
-                    </a:srgbClr>
-                  </a:outerShdw>
-                </a:effectLst>
-                <a:latin typeface="+mn-lt"/>
-              </a:rPr>
-              <a:t>anforderungen</a:t>
-            </a:r>
-            <a:r>
-              <a:rPr lang="de-DE" b="1" dirty="0" smtClean="0">
-                <a:effectLst>
-                  <a:outerShdw blurRad="38100" dist="38100" dir="2700000" algn="tl">
-                    <a:srgbClr val="000000">
-                      <a:alpha val="43137"/>
-                    </a:srgbClr>
-                  </a:outerShdw>
-                </a:effectLst>
-                <a:latin typeface="+mn-lt"/>
-              </a:rPr>
-              <a:t> </a:t>
-            </a:r>
-            <a:endParaRPr lang="de-DE" b="1" dirty="0">
+              <a:t>Entwicklungs-Konfiguration</a:t>
+            </a:r>
+            <a:endParaRPr lang="de-DE" sz="2800" dirty="0">
               <a:effectLst>
                 <a:outerShdw blurRad="38100" dist="38100" dir="2700000" algn="tl">
                   <a:srgbClr val="000000">
@@ -8360,24 +11913,75 @@
                   </a:srgbClr>
                 </a:outerShdw>
               </a:effectLst>
-              <a:latin typeface="+mn-lt"/>
             </a:endParaRPr>
+          </a:p>
+        </p:txBody>
+      </p:sp>
+      <p:sp>
+        <p:nvSpPr>
+          <p:cNvPr id="2" name="Textfeld 1"/>
+          <p:cNvSpPr txBox="1"/>
+          <p:nvPr/>
+        </p:nvSpPr>
+        <p:spPr>
+          <a:xfrm>
+            <a:off x="1331640" y="1412775"/>
+            <a:ext cx="5756769" cy="646331"/>
+          </a:xfrm>
+          <a:prstGeom prst="rect">
+            <a:avLst/>
+          </a:prstGeom>
+          <a:noFill/>
+        </p:spPr>
+        <p:txBody>
+          <a:bodyPr wrap="none" rtlCol="0">
+            <a:spAutoFit/>
+          </a:bodyPr>
+          <a:lstStyle/>
+          <a:p>
+            <a:pPr marL="285750" indent="-285750">
+              <a:buFont typeface="Wingdings" pitchFamily="2" charset="2"/>
+              <a:buChar char="Ø"/>
+            </a:pPr>
+            <a:r>
+              <a:rPr lang="de-DE" dirty="0" smtClean="0"/>
+              <a:t>Hardware-Voraussetzungen:</a:t>
+            </a:r>
+          </a:p>
+          <a:p>
+            <a:pPr marL="742950" lvl="1" indent="-285750">
+              <a:buFontTx/>
+              <a:buChar char="-"/>
+            </a:pPr>
+            <a:r>
+              <a:rPr lang="de-DE" dirty="0" smtClean="0"/>
+              <a:t>mind. ein Quad-Core und 4GB Arbeitsspeicher </a:t>
+            </a:r>
           </a:p>
         </p:txBody>
       </p:sp>
     </p:spTree>
     <p:extLst>
       <p:ext uri="{BB962C8B-B14F-4D97-AF65-F5344CB8AC3E}">
-        <p14:creationId xmlns:p14="http://schemas.microsoft.com/office/powerpoint/2010/main" val="796819231"/>
+        <p14:creationId xmlns:p14="http://schemas.microsoft.com/office/powerpoint/2010/main" val="2988150333"/>
       </p:ext>
     </p:extLst>
   </p:cSld>
   <p:clrMapOvr>
     <a:masterClrMapping/>
   </p:clrMapOvr>
-  <p:transition spd="slow">
-    <p:push dir="u"/>
-  </p:transition>
+  <mc:AlternateContent xmlns:mc="http://schemas.openxmlformats.org/markup-compatibility/2006">
+    <mc:Choice xmlns:p14="http://schemas.microsoft.com/office/powerpoint/2010/main" Requires="p14">
+      <p:transition spd="med" p14:dur="700">
+        <p:fade/>
+      </p:transition>
+    </mc:Choice>
+    <mc:Fallback>
+      <p:transition spd="med">
+        <p:fade/>
+      </p:transition>
+    </mc:Fallback>
+  </mc:AlternateContent>
   <p:timing>
     <p:tnLst>
       <p:par>
@@ -8405,30 +12009,78 @@
           <a:chExt cx="0" cy="0"/>
         </a:xfrm>
       </p:grpSpPr>
-      <p:sp>
-        <p:nvSpPr>
-          <p:cNvPr id="4" name="Textfeld 3"/>
-          <p:cNvSpPr txBox="1"/>
-          <p:nvPr/>
-        </p:nvSpPr>
-        <p:spPr>
-          <a:xfrm>
-            <a:off x="504884" y="285769"/>
-            <a:ext cx="4700261" cy="523220"/>
-          </a:xfrm>
-          <a:prstGeom prst="rect">
-            <a:avLst/>
-          </a:prstGeom>
-          <a:noFill/>
-        </p:spPr>
-        <p:txBody>
-          <a:bodyPr wrap="none" rtlCol="0">
-            <a:spAutoFit/>
-          </a:bodyPr>
-          <a:lstStyle/>
-          <a:p>
-            <a:r>
-              <a:rPr lang="de-DE" sz="2800" dirty="0" smtClean="0">
+      <p:pic>
+        <p:nvPicPr>
+          <p:cNvPr id="3" name="Picture 2" descr="C:\Users\The Lin Nguyen\crowd-innovation\Meilenstein_3\Daten\crowd_innovation.jpg"/>
+          <p:cNvPicPr>
+            <a:picLocks noChangeAspect="1" noChangeArrowheads="1"/>
+          </p:cNvPicPr>
+          <p:nvPr/>
+        </p:nvPicPr>
+        <p:blipFill>
+          <a:blip r:embed="rId2" cstate="print">
+            <a:extLst>
+              <a:ext uri="{28A0092B-C50C-407E-A947-70E740481C1C}">
+                <a14:useLocalDpi xmlns:a14="http://schemas.microsoft.com/office/drawing/2010/main" val="0"/>
+              </a:ext>
+            </a:extLst>
+          </a:blip>
+          <a:srcRect/>
+          <a:stretch>
+            <a:fillRect/>
+          </a:stretch>
+        </p:blipFill>
+        <p:spPr bwMode="auto">
+          <a:xfrm>
+            <a:off x="827584" y="997773"/>
+            <a:ext cx="6912768" cy="4887691"/>
+          </a:xfrm>
+          <a:prstGeom prst="rect">
+            <a:avLst/>
+          </a:prstGeom>
+          <a:ln>
+            <a:noFill/>
+          </a:ln>
+          <a:effectLst>
+            <a:outerShdw blurRad="292100" dist="139700" dir="2700000" algn="tl" rotWithShape="0">
+              <a:srgbClr val="333333">
+                <a:alpha val="65000"/>
+              </a:srgbClr>
+            </a:outerShdw>
+          </a:effectLst>
+          <a:extLst>
+            <a:ext uri="{909E8E84-426E-40DD-AFC4-6F175D3DCCD1}">
+              <a14:hiddenFill xmlns:a14="http://schemas.microsoft.com/office/drawing/2010/main">
+                <a:solidFill>
+                  <a:srgbClr val="FFFFFF"/>
+                </a:solidFill>
+              </a14:hiddenFill>
+            </a:ext>
+          </a:extLst>
+        </p:spPr>
+      </p:pic>
+      <p:sp>
+        <p:nvSpPr>
+          <p:cNvPr id="2" name="Titel 1"/>
+          <p:cNvSpPr>
+            <a:spLocks noGrp="1"/>
+          </p:cNvSpPr>
+          <p:nvPr>
+            <p:ph type="title"/>
+          </p:nvPr>
+        </p:nvSpPr>
+        <p:spPr>
+          <a:xfrm>
+            <a:off x="3779912" y="5805264"/>
+            <a:ext cx="4680520" cy="638836"/>
+          </a:xfrm>
+        </p:spPr>
+        <p:txBody>
+          <a:bodyPr/>
+          <a:lstStyle/>
+          <a:p>
+            <a:r>
+              <a:rPr lang="de-DE" b="1" dirty="0" smtClean="0">
                 <a:effectLst>
                   <a:outerShdw blurRad="38100" dist="38100" dir="2700000" algn="tl">
                     <a:srgbClr val="000000">
@@ -8436,10 +12088,49 @@
                     </a:srgbClr>
                   </a:outerShdw>
                 </a:effectLst>
+                <a:latin typeface="+mn-lt"/>
               </a:rPr>
-              <a:t>Beschaffungsanforderungen</a:t>
-            </a:r>
-            <a:endParaRPr lang="de-DE" sz="2800" dirty="0">
+              <a:t>11 Beschaffungs-</a:t>
+            </a:r>
+            <a:br>
+              <a:rPr lang="de-DE" b="1" dirty="0" smtClean="0">
+                <a:effectLst>
+                  <a:outerShdw blurRad="38100" dist="38100" dir="2700000" algn="tl">
+                    <a:srgbClr val="000000">
+                      <a:alpha val="43137"/>
+                    </a:srgbClr>
+                  </a:outerShdw>
+                </a:effectLst>
+                <a:latin typeface="+mn-lt"/>
+              </a:rPr>
+            </a:br>
+            <a:r>
+              <a:rPr lang="de-DE" b="1" dirty="0" err="1" smtClean="0">
+                <a:effectLst>
+                  <a:outerShdw blurRad="38100" dist="38100" dir="2700000" algn="tl">
+                    <a:srgbClr val="000000">
+                      <a:alpha val="43137"/>
+                    </a:srgbClr>
+                  </a:outerShdw>
+                </a:effectLst>
+                <a:latin typeface="+mn-lt"/>
+              </a:rPr>
+              <a:t>anforderungen</a:t>
+            </a:r>
+            <a:r>
+              <a:rPr lang="de-DE" b="1" dirty="0" smtClean="0">
+                <a:effectLst>
+                  <a:outerShdw blurRad="38100" dist="38100" dir="2700000" algn="tl">
+                    <a:srgbClr val="000000">
+                      <a:alpha val="43137"/>
+                    </a:srgbClr>
+                  </a:outerShdw>
+                </a:effectLst>
+                <a:latin typeface="+mn-lt"/>
+              </a:rPr>
+              <a:t> </a:t>
+            </a:r>
+            <a:endParaRPr lang="de-DE" b="1" dirty="0">
               <a:effectLst>
                 <a:outerShdw blurRad="38100" dist="38100" dir="2700000" algn="tl">
                   <a:srgbClr val="000000">
@@ -8447,6 +12138,7 @@
                   </a:srgbClr>
                 </a:outerShdw>
               </a:effectLst>
+              <a:latin typeface="+mn-lt"/>
             </a:endParaRPr>
           </a:p>
         </p:txBody>
@@ -8454,7 +12146,7 @@
     </p:spTree>
     <p:extLst>
       <p:ext uri="{BB962C8B-B14F-4D97-AF65-F5344CB8AC3E}">
-        <p14:creationId xmlns:p14="http://schemas.microsoft.com/office/powerpoint/2010/main" val="3938836325"/>
+        <p14:creationId xmlns:p14="http://schemas.microsoft.com/office/powerpoint/2010/main" val="796819231"/>
       </p:ext>
     </p:extLst>
   </p:cSld>
@@ -8491,78 +12183,30 @@
           <a:chExt cx="0" cy="0"/>
         </a:xfrm>
       </p:grpSpPr>
-      <p:pic>
-        <p:nvPicPr>
-          <p:cNvPr id="3" name="Picture 2" descr="C:\Users\The Lin Nguyen\crowd-innovation\Meilenstein_3\Daten\crowd_innovation.jpg"/>
-          <p:cNvPicPr>
-            <a:picLocks noChangeAspect="1" noChangeArrowheads="1"/>
-          </p:cNvPicPr>
-          <p:nvPr/>
-        </p:nvPicPr>
-        <p:blipFill>
-          <a:blip r:embed="rId2" cstate="print">
-            <a:extLst>
-              <a:ext uri="{28A0092B-C50C-407E-A947-70E740481C1C}">
-                <a14:useLocalDpi xmlns:a14="http://schemas.microsoft.com/office/drawing/2010/main" val="0"/>
-              </a:ext>
-            </a:extLst>
-          </a:blip>
-          <a:srcRect/>
-          <a:stretch>
-            <a:fillRect/>
-          </a:stretch>
-        </p:blipFill>
-        <p:spPr bwMode="auto">
-          <a:xfrm>
-            <a:off x="827584" y="997773"/>
-            <a:ext cx="6912768" cy="4887691"/>
-          </a:xfrm>
-          <a:prstGeom prst="rect">
-            <a:avLst/>
-          </a:prstGeom>
-          <a:ln>
-            <a:noFill/>
-          </a:ln>
-          <a:effectLst>
-            <a:outerShdw blurRad="292100" dist="139700" dir="2700000" algn="tl" rotWithShape="0">
-              <a:srgbClr val="333333">
-                <a:alpha val="65000"/>
-              </a:srgbClr>
-            </a:outerShdw>
-          </a:effectLst>
-          <a:extLst>
-            <a:ext uri="{909E8E84-426E-40DD-AFC4-6F175D3DCCD1}">
-              <a14:hiddenFill xmlns:a14="http://schemas.microsoft.com/office/drawing/2010/main">
-                <a:solidFill>
-                  <a:srgbClr val="FFFFFF"/>
-                </a:solidFill>
-              </a14:hiddenFill>
-            </a:ext>
-          </a:extLst>
-        </p:spPr>
-      </p:pic>
-      <p:sp>
-        <p:nvSpPr>
-          <p:cNvPr id="2" name="Titel 1"/>
-          <p:cNvSpPr>
-            <a:spLocks noGrp="1"/>
-          </p:cNvSpPr>
-          <p:nvPr>
-            <p:ph type="title"/>
-          </p:nvPr>
-        </p:nvSpPr>
-        <p:spPr>
-          <a:xfrm>
-            <a:off x="5004048" y="6021288"/>
-            <a:ext cx="3312368" cy="638836"/>
-          </a:xfrm>
-        </p:spPr>
-        <p:txBody>
-          <a:bodyPr/>
-          <a:lstStyle/>
-          <a:p>
-            <a:r>
-              <a:rPr lang="de-DE" sz="4000" b="1" dirty="0" smtClean="0">
+      <p:sp>
+        <p:nvSpPr>
+          <p:cNvPr id="4" name="Textfeld 3"/>
+          <p:cNvSpPr txBox="1"/>
+          <p:nvPr/>
+        </p:nvSpPr>
+        <p:spPr>
+          <a:xfrm>
+            <a:off x="504884" y="285769"/>
+            <a:ext cx="4700261" cy="523220"/>
+          </a:xfrm>
+          <a:prstGeom prst="rect">
+            <a:avLst/>
+          </a:prstGeom>
+          <a:noFill/>
+        </p:spPr>
+        <p:txBody>
+          <a:bodyPr wrap="none" rtlCol="0">
+            <a:spAutoFit/>
+          </a:bodyPr>
+          <a:lstStyle/>
+          <a:p>
+            <a:r>
+              <a:rPr lang="de-DE" sz="2800" dirty="0" smtClean="0">
                 <a:effectLst>
                   <a:outerShdw blurRad="38100" dist="38100" dir="2700000" algn="tl">
                     <a:srgbClr val="000000">
@@ -8570,11 +12214,10 @@
                     </a:srgbClr>
                   </a:outerShdw>
                 </a:effectLst>
-                <a:latin typeface="+mn-lt"/>
               </a:rPr>
-              <a:t>12 Glossar</a:t>
-            </a:r>
-            <a:endParaRPr lang="de-DE" sz="4000" b="1" dirty="0">
+              <a:t>Beschaffungsanforderungen</a:t>
+            </a:r>
+            <a:endParaRPr lang="de-DE" sz="2800" dirty="0">
               <a:effectLst>
                 <a:outerShdw blurRad="38100" dist="38100" dir="2700000" algn="tl">
                   <a:srgbClr val="000000">
@@ -8582,24 +12225,110 @@
                   </a:srgbClr>
                 </a:outerShdw>
               </a:effectLst>
-              <a:latin typeface="+mn-lt"/>
             </a:endParaRPr>
+          </a:p>
+        </p:txBody>
+      </p:sp>
+      <p:sp>
+        <p:nvSpPr>
+          <p:cNvPr id="2" name="Textfeld 1"/>
+          <p:cNvSpPr txBox="1"/>
+          <p:nvPr/>
+        </p:nvSpPr>
+        <p:spPr>
+          <a:xfrm>
+            <a:off x="958198" y="1988840"/>
+            <a:ext cx="5448928" cy="369332"/>
+          </a:xfrm>
+          <a:prstGeom prst="rect">
+            <a:avLst/>
+          </a:prstGeom>
+          <a:noFill/>
+        </p:spPr>
+        <p:txBody>
+          <a:bodyPr wrap="none" rtlCol="0">
+            <a:spAutoFit/>
+          </a:bodyPr>
+          <a:lstStyle/>
+          <a:p>
+            <a:pPr marL="285750" indent="-285750">
+              <a:buFont typeface="Wingdings" pitchFamily="2" charset="2"/>
+              <a:buChar char="Ø"/>
+            </a:pPr>
+            <a:r>
+              <a:rPr lang="de-DE" dirty="0" smtClean="0"/>
+              <a:t>geeignete Server werden benötigt (gemäß 3.4.2)</a:t>
+            </a:r>
+            <a:endParaRPr lang="de-DE" dirty="0"/>
+          </a:p>
+        </p:txBody>
+      </p:sp>
+      <p:sp>
+        <p:nvSpPr>
+          <p:cNvPr id="3" name="Textfeld 2"/>
+          <p:cNvSpPr txBox="1"/>
+          <p:nvPr/>
+        </p:nvSpPr>
+        <p:spPr>
+          <a:xfrm>
+            <a:off x="958198" y="2847001"/>
+            <a:ext cx="5666936" cy="646331"/>
+          </a:xfrm>
+          <a:prstGeom prst="rect">
+            <a:avLst/>
+          </a:prstGeom>
+          <a:noFill/>
+        </p:spPr>
+        <p:txBody>
+          <a:bodyPr wrap="none" rtlCol="0">
+            <a:spAutoFit/>
+          </a:bodyPr>
+          <a:lstStyle/>
+          <a:p>
+            <a:pPr marL="285750" indent="-285750">
+              <a:buFont typeface="Wingdings" pitchFamily="2" charset="2"/>
+              <a:buChar char="Ø"/>
+            </a:pPr>
+            <a:r>
+              <a:rPr lang="de-DE" dirty="0" smtClean="0"/>
+              <a:t>die für die Entwicklung benötigten PCs sind bereits</a:t>
+            </a:r>
+          </a:p>
+          <a:p>
+            <a:r>
+              <a:rPr lang="de-DE" dirty="0"/>
+              <a:t> </a:t>
+            </a:r>
+            <a:r>
+              <a:rPr lang="de-DE" dirty="0" smtClean="0"/>
+              <a:t>    vorhanden</a:t>
+            </a:r>
+            <a:endParaRPr lang="de-DE" dirty="0"/>
           </a:p>
         </p:txBody>
       </p:sp>
     </p:spTree>
     <p:extLst>
       <p:ext uri="{BB962C8B-B14F-4D97-AF65-F5344CB8AC3E}">
-        <p14:creationId xmlns:p14="http://schemas.microsoft.com/office/powerpoint/2010/main" val="2842307678"/>
+        <p14:creationId xmlns:p14="http://schemas.microsoft.com/office/powerpoint/2010/main" val="3938836325"/>
       </p:ext>
     </p:extLst>
   </p:cSld>
   <p:clrMapOvr>
     <a:masterClrMapping/>
   </p:clrMapOvr>
-  <p:transition spd="slow">
-    <p:push dir="u"/>
-  </p:transition>
+  <mc:AlternateContent xmlns:mc="http://schemas.openxmlformats.org/markup-compatibility/2006">
+    <mc:Choice xmlns:p14="http://schemas.microsoft.com/office/powerpoint/2010/main" Requires="p14">
+      <p:transition spd="med" p14:dur="700">
+        <p:fade/>
+      </p:transition>
+    </mc:Choice>
+    <mc:Fallback>
+      <p:transition spd="med">
+        <p:fade/>
+      </p:transition>
+    </mc:Fallback>
+  </mc:AlternateContent>
   <p:timing>
     <p:tnLst>
       <p:par>
@@ -8627,6 +12356,142 @@
           <a:chExt cx="0" cy="0"/>
         </a:xfrm>
       </p:grpSpPr>
+      <p:pic>
+        <p:nvPicPr>
+          <p:cNvPr id="3" name="Picture 2" descr="C:\Users\The Lin Nguyen\crowd-innovation\Meilenstein_3\Daten\crowd_innovation.jpg"/>
+          <p:cNvPicPr>
+            <a:picLocks noChangeAspect="1" noChangeArrowheads="1"/>
+          </p:cNvPicPr>
+          <p:nvPr/>
+        </p:nvPicPr>
+        <p:blipFill>
+          <a:blip r:embed="rId2" cstate="print">
+            <a:extLst>
+              <a:ext uri="{28A0092B-C50C-407E-A947-70E740481C1C}">
+                <a14:useLocalDpi xmlns:a14="http://schemas.microsoft.com/office/drawing/2010/main" val="0"/>
+              </a:ext>
+            </a:extLst>
+          </a:blip>
+          <a:srcRect/>
+          <a:stretch>
+            <a:fillRect/>
+          </a:stretch>
+        </p:blipFill>
+        <p:spPr bwMode="auto">
+          <a:xfrm>
+            <a:off x="827584" y="997773"/>
+            <a:ext cx="6912768" cy="4887691"/>
+          </a:xfrm>
+          <a:prstGeom prst="rect">
+            <a:avLst/>
+          </a:prstGeom>
+          <a:ln>
+            <a:noFill/>
+          </a:ln>
+          <a:effectLst>
+            <a:outerShdw blurRad="292100" dist="139700" dir="2700000" algn="tl" rotWithShape="0">
+              <a:srgbClr val="333333">
+                <a:alpha val="65000"/>
+              </a:srgbClr>
+            </a:outerShdw>
+          </a:effectLst>
+          <a:extLst>
+            <a:ext uri="{909E8E84-426E-40DD-AFC4-6F175D3DCCD1}">
+              <a14:hiddenFill xmlns:a14="http://schemas.microsoft.com/office/drawing/2010/main">
+                <a:solidFill>
+                  <a:srgbClr val="FFFFFF"/>
+                </a:solidFill>
+              </a14:hiddenFill>
+            </a:ext>
+          </a:extLst>
+        </p:spPr>
+      </p:pic>
+      <p:sp>
+        <p:nvSpPr>
+          <p:cNvPr id="2" name="Titel 1"/>
+          <p:cNvSpPr>
+            <a:spLocks noGrp="1"/>
+          </p:cNvSpPr>
+          <p:nvPr>
+            <p:ph type="title"/>
+          </p:nvPr>
+        </p:nvSpPr>
+        <p:spPr>
+          <a:xfrm>
+            <a:off x="5004048" y="6021288"/>
+            <a:ext cx="3312368" cy="638836"/>
+          </a:xfrm>
+        </p:spPr>
+        <p:txBody>
+          <a:bodyPr/>
+          <a:lstStyle/>
+          <a:p>
+            <a:r>
+              <a:rPr lang="de-DE" sz="4000" b="1" dirty="0" smtClean="0">
+                <a:effectLst>
+                  <a:outerShdw blurRad="38100" dist="38100" dir="2700000" algn="tl">
+                    <a:srgbClr val="000000">
+                      <a:alpha val="43137"/>
+                    </a:srgbClr>
+                  </a:outerShdw>
+                </a:effectLst>
+                <a:latin typeface="+mn-lt"/>
+              </a:rPr>
+              <a:t>12 Glossar</a:t>
+            </a:r>
+            <a:endParaRPr lang="de-DE" sz="4000" b="1" dirty="0">
+              <a:effectLst>
+                <a:outerShdw blurRad="38100" dist="38100" dir="2700000" algn="tl">
+                  <a:srgbClr val="000000">
+                    <a:alpha val="43137"/>
+                  </a:srgbClr>
+                </a:outerShdw>
+              </a:effectLst>
+              <a:latin typeface="+mn-lt"/>
+            </a:endParaRPr>
+          </a:p>
+        </p:txBody>
+      </p:sp>
+    </p:spTree>
+    <p:extLst>
+      <p:ext uri="{BB962C8B-B14F-4D97-AF65-F5344CB8AC3E}">
+        <p14:creationId xmlns:p14="http://schemas.microsoft.com/office/powerpoint/2010/main" val="2842307678"/>
+      </p:ext>
+    </p:extLst>
+  </p:cSld>
+  <p:clrMapOvr>
+    <a:masterClrMapping/>
+  </p:clrMapOvr>
+  <p:transition spd="slow">
+    <p:push dir="u"/>
+  </p:transition>
+  <p:timing>
+    <p:tnLst>
+      <p:par>
+        <p:cTn id="1" dur="indefinite" restart="never" nodeType="tmRoot"/>
+      </p:par>
+    </p:tnLst>
+  </p:timing>
+</p:sld>
+</file>
+
+<file path=ppt/slides/slide44.xml><?xml version="1.0" encoding="utf-8"?>
+<p:sld xmlns:a="http://schemas.openxmlformats.org/drawingml/2006/main" xmlns:r="http://schemas.openxmlformats.org/officeDocument/2006/relationships" xmlns:p="http://schemas.openxmlformats.org/presentationml/2006/main">
+  <p:cSld>
+    <p:spTree>
+      <p:nvGrpSpPr>
+        <p:cNvPr id="1" name=""/>
+        <p:cNvGrpSpPr/>
+        <p:nvPr/>
+      </p:nvGrpSpPr>
+      <p:grpSpPr>
+        <a:xfrm>
+          <a:off x="0" y="0"/>
+          <a:ext cx="0" cy="0"/>
+          <a:chOff x="0" y="0"/>
+          <a:chExt cx="0" cy="0"/>
+        </a:xfrm>
+      </p:grpSpPr>
       <p:sp>
         <p:nvSpPr>
           <p:cNvPr id="4" name="Textfeld 3"/>
@@ -8673,6 +12538,216 @@
           </a:p>
         </p:txBody>
       </p:sp>
+      <p:sp>
+        <p:nvSpPr>
+          <p:cNvPr id="2" name="Textfeld 1"/>
+          <p:cNvSpPr txBox="1"/>
+          <p:nvPr/>
+        </p:nvSpPr>
+        <p:spPr>
+          <a:xfrm>
+            <a:off x="1618069" y="1599183"/>
+            <a:ext cx="987771" cy="461665"/>
+          </a:xfrm>
+          <a:prstGeom prst="rect">
+            <a:avLst/>
+          </a:prstGeom>
+          <a:noFill/>
+        </p:spPr>
+        <p:txBody>
+          <a:bodyPr wrap="none" rtlCol="0">
+            <a:spAutoFit/>
+          </a:bodyPr>
+          <a:lstStyle/>
+          <a:p>
+            <a:r>
+              <a:rPr lang="de-DE" sz="2400" b="1" dirty="0" smtClean="0"/>
+              <a:t>Ideen</a:t>
+            </a:r>
+            <a:endParaRPr lang="de-DE" sz="2400" b="1" dirty="0"/>
+          </a:p>
+        </p:txBody>
+      </p:sp>
+      <p:sp>
+        <p:nvSpPr>
+          <p:cNvPr id="5" name="Textfeld 4"/>
+          <p:cNvSpPr txBox="1"/>
+          <p:nvPr/>
+        </p:nvSpPr>
+        <p:spPr>
+          <a:xfrm>
+            <a:off x="5099212" y="1599182"/>
+            <a:ext cx="1244251" cy="461665"/>
+          </a:xfrm>
+          <a:prstGeom prst="rect">
+            <a:avLst/>
+          </a:prstGeom>
+          <a:noFill/>
+        </p:spPr>
+        <p:txBody>
+          <a:bodyPr wrap="none" rtlCol="0">
+            <a:spAutoFit/>
+          </a:bodyPr>
+          <a:lstStyle/>
+          <a:p>
+            <a:r>
+              <a:rPr lang="de-DE" sz="2400" b="1" dirty="0" smtClean="0"/>
+              <a:t>Medien</a:t>
+            </a:r>
+            <a:endParaRPr lang="de-DE" sz="2400" b="1" dirty="0"/>
+          </a:p>
+        </p:txBody>
+      </p:sp>
+      <p:sp>
+        <p:nvSpPr>
+          <p:cNvPr id="6" name="Textfeld 5"/>
+          <p:cNvSpPr txBox="1"/>
+          <p:nvPr/>
+        </p:nvSpPr>
+        <p:spPr>
+          <a:xfrm>
+            <a:off x="1618069" y="2535287"/>
+            <a:ext cx="1737976" cy="461665"/>
+          </a:xfrm>
+          <a:prstGeom prst="rect">
+            <a:avLst/>
+          </a:prstGeom>
+          <a:noFill/>
+        </p:spPr>
+        <p:txBody>
+          <a:bodyPr wrap="none" rtlCol="0">
+            <a:spAutoFit/>
+          </a:bodyPr>
+          <a:lstStyle/>
+          <a:p>
+            <a:r>
+              <a:rPr lang="de-DE" sz="2400" b="1" dirty="0" smtClean="0"/>
+              <a:t>Innovation</a:t>
+            </a:r>
+            <a:endParaRPr lang="de-DE" sz="2400" b="1" dirty="0"/>
+          </a:p>
+        </p:txBody>
+      </p:sp>
+      <p:sp>
+        <p:nvSpPr>
+          <p:cNvPr id="7" name="Textfeld 6"/>
+          <p:cNvSpPr txBox="1"/>
+          <p:nvPr/>
+        </p:nvSpPr>
+        <p:spPr>
+          <a:xfrm>
+            <a:off x="1618069" y="3543399"/>
+            <a:ext cx="1244251" cy="461665"/>
+          </a:xfrm>
+          <a:prstGeom prst="rect">
+            <a:avLst/>
+          </a:prstGeom>
+          <a:noFill/>
+        </p:spPr>
+        <p:txBody>
+          <a:bodyPr wrap="none" rtlCol="0">
+            <a:spAutoFit/>
+          </a:bodyPr>
+          <a:lstStyle/>
+          <a:p>
+            <a:r>
+              <a:rPr lang="de-DE" sz="2400" b="1" dirty="0" smtClean="0"/>
+              <a:t>MySQL</a:t>
+            </a:r>
+            <a:endParaRPr lang="de-DE" sz="2400" b="1" dirty="0"/>
+          </a:p>
+        </p:txBody>
+      </p:sp>
+      <p:sp>
+        <p:nvSpPr>
+          <p:cNvPr id="12" name="Textfeld 11"/>
+          <p:cNvSpPr txBox="1"/>
+          <p:nvPr/>
+        </p:nvSpPr>
+        <p:spPr>
+          <a:xfrm>
+            <a:off x="5099211" y="3543398"/>
+            <a:ext cx="1244251" cy="461665"/>
+          </a:xfrm>
+          <a:prstGeom prst="rect">
+            <a:avLst/>
+          </a:prstGeom>
+          <a:noFill/>
+        </p:spPr>
+        <p:txBody>
+          <a:bodyPr wrap="none" rtlCol="0">
+            <a:spAutoFit/>
+          </a:bodyPr>
+          <a:lstStyle/>
+          <a:p>
+            <a:r>
+              <a:rPr lang="de-DE" sz="2400" b="1" dirty="0" smtClean="0"/>
+              <a:t>XHTML</a:t>
+            </a:r>
+            <a:endParaRPr lang="de-DE" sz="2400" b="1" dirty="0"/>
+          </a:p>
+        </p:txBody>
+      </p:sp>
+      <p:sp>
+        <p:nvSpPr>
+          <p:cNvPr id="13" name="Textfeld 12"/>
+          <p:cNvSpPr txBox="1"/>
+          <p:nvPr/>
+        </p:nvSpPr>
+        <p:spPr>
+          <a:xfrm>
+            <a:off x="1618069" y="4623519"/>
+            <a:ext cx="870751" cy="461665"/>
+          </a:xfrm>
+          <a:prstGeom prst="rect">
+            <a:avLst/>
+          </a:prstGeom>
+          <a:noFill/>
+        </p:spPr>
+        <p:txBody>
+          <a:bodyPr wrap="none" rtlCol="0">
+            <a:spAutoFit/>
+          </a:bodyPr>
+          <a:lstStyle/>
+          <a:p>
+            <a:r>
+              <a:rPr lang="de-DE" sz="2400" b="1" dirty="0" smtClean="0"/>
+              <a:t>Java</a:t>
+            </a:r>
+            <a:endParaRPr lang="de-DE" sz="2400" b="1" dirty="0"/>
+          </a:p>
+        </p:txBody>
+      </p:sp>
+      <p:sp>
+        <p:nvSpPr>
+          <p:cNvPr id="14" name="Textfeld 13"/>
+          <p:cNvSpPr txBox="1"/>
+          <p:nvPr/>
+        </p:nvSpPr>
+        <p:spPr>
+          <a:xfrm>
+            <a:off x="5099212" y="2535286"/>
+            <a:ext cx="1261884" cy="461665"/>
+          </a:xfrm>
+          <a:prstGeom prst="rect">
+            <a:avLst/>
+          </a:prstGeom>
+          <a:noFill/>
+        </p:spPr>
+        <p:txBody>
+          <a:bodyPr wrap="none" rtlCol="0">
+            <a:spAutoFit/>
+          </a:bodyPr>
+          <a:lstStyle/>
+          <a:p>
+            <a:r>
+              <a:rPr lang="de-DE" sz="2400" b="1" dirty="0" err="1" smtClean="0"/>
+              <a:t>Eclipse</a:t>
+            </a:r>
+            <a:endParaRPr lang="de-DE" sz="2400" b="1" dirty="0"/>
+          </a:p>
+        </p:txBody>
+      </p:sp>
     </p:spTree>
     <p:extLst>
       <p:ext uri="{BB962C8B-B14F-4D97-AF65-F5344CB8AC3E}">
@@ -8683,9 +12758,18 @@
   <p:clrMapOvr>
     <a:masterClrMapping/>
   </p:clrMapOvr>
-  <p:transition spd="slow">
-    <p:push dir="u"/>
-  </p:transition>
+  <mc:AlternateContent xmlns:mc="http://schemas.openxmlformats.org/markup-compatibility/2006">
+    <mc:Choice xmlns:p14="http://schemas.microsoft.com/office/powerpoint/2010/main" Requires="p14">
+      <p:transition spd="med" p14:dur="700">
+        <p:fade/>
+      </p:transition>
+    </mc:Choice>
+    <mc:Fallback>
+      <p:transition spd="med">
+        <p:fade/>
+      </p:transition>
+    </mc:Fallback>
+  </mc:AlternateContent>
   <p:timing>
     <p:tnLst>
       <p:par>
@@ -8902,7 +12986,7 @@
         <p:spPr>
           <a:xfrm>
             <a:off x="988876" y="3726323"/>
-            <a:ext cx="6878806" cy="2585323"/>
+            <a:ext cx="6102953" cy="2585323"/>
           </a:xfrm>
           <a:prstGeom prst="rect">
             <a:avLst/>
@@ -8925,61 +13009,21 @@
             </a:r>
           </a:p>
           <a:p>
-            <a:r>
-              <a:rPr lang="de-DE" dirty="0"/>
-              <a:t>	</a:t>
-            </a:r>
+            <a:pPr marL="285750" indent="-285750">
+              <a:buFont typeface="Wingdings" pitchFamily="2" charset="2"/>
+              <a:buChar char="§"/>
+            </a:pPr>
             <a:r>
               <a:rPr lang="de-DE" dirty="0" smtClean="0"/>
-              <a:t>- jeder Mitarbeiter kann die Ideen der anderen bewerten,</a:t>
-            </a:r>
-          </a:p>
-          <a:p>
+              <a:t>jeder </a:t>
+            </a:r>
             <a:r>
               <a:rPr lang="de-DE" dirty="0" smtClean="0"/>
-              <a:t>	  sowohl positiv als auch negativ</a:t>
-            </a:r>
-          </a:p>
-          <a:p>
-            <a:r>
-              <a:rPr lang="de-DE" dirty="0"/>
-              <a:t>	</a:t>
+              <a:t>Mitarbeiter kann die Ideen der anderen </a:t>
             </a:r>
             <a:r>
               <a:rPr lang="de-DE" dirty="0" smtClean="0"/>
-              <a:t>- in einem Navigationsreiter werden alle Reha-Geräte</a:t>
-            </a:r>
-          </a:p>
-          <a:p>
-            <a:r>
-              <a:rPr lang="de-DE" dirty="0" smtClean="0"/>
-              <a:t>	  aufgelistet</a:t>
-            </a:r>
-          </a:p>
-          <a:p>
-            <a:r>
-              <a:rPr lang="de-DE" dirty="0"/>
-              <a:t>	</a:t>
-            </a:r>
-            <a:r>
-              <a:rPr lang="de-DE" dirty="0" smtClean="0"/>
-              <a:t>- auf jedem Gerät läuft ein Wettbewerb mit einem vor-</a:t>
-            </a:r>
-          </a:p>
-          <a:p>
-            <a:r>
-              <a:rPr lang="de-DE" dirty="0" smtClean="0"/>
-              <a:t>	  gegebenen Zeitlimit</a:t>
-            </a:r>
-          </a:p>
-          <a:p>
-            <a:r>
-              <a:rPr lang="de-DE" dirty="0"/>
-              <a:t>	</a:t>
-            </a:r>
-            <a:r>
-              <a:rPr lang="de-DE" dirty="0" smtClean="0"/>
-              <a:t>- die Ideen werden durch Texte, Videos und Skizzen</a:t>
+              <a:t>bewerten,</a:t>
             </a:r>
           </a:p>
           <a:p>
@@ -8989,7 +13033,104 @@
             </a:r>
             <a:r>
               <a:rPr lang="de-DE" dirty="0" smtClean="0"/>
-              <a:t> 	  veranschaulicht</a:t>
+              <a:t>   </a:t>
+            </a:r>
+            <a:r>
+              <a:rPr lang="de-DE" dirty="0" smtClean="0"/>
+              <a:t>sowohl </a:t>
+            </a:r>
+            <a:r>
+              <a:rPr lang="de-DE" dirty="0" smtClean="0"/>
+              <a:t>positiv als auch </a:t>
+            </a:r>
+            <a:r>
+              <a:rPr lang="de-DE" dirty="0" smtClean="0"/>
+              <a:t>negativ</a:t>
+            </a:r>
+          </a:p>
+          <a:p>
+            <a:pPr marL="285750" indent="-285750">
+              <a:buFont typeface="Wingdings" pitchFamily="2" charset="2"/>
+              <a:buChar char="§"/>
+            </a:pPr>
+            <a:r>
+              <a:rPr lang="de-DE" dirty="0" smtClean="0"/>
+              <a:t>in </a:t>
+            </a:r>
+            <a:r>
+              <a:rPr lang="de-DE" dirty="0" smtClean="0"/>
+              <a:t>einem Navigationsreiter werden alle Reha-Geräte</a:t>
+            </a:r>
+          </a:p>
+          <a:p>
+            <a:r>
+              <a:rPr lang="de-DE" dirty="0" smtClean="0"/>
+              <a:t>     aufgelistet</a:t>
+            </a:r>
+            <a:endParaRPr lang="de-DE" dirty="0" smtClean="0"/>
+          </a:p>
+          <a:p>
+            <a:pPr marL="285750" indent="-285750">
+              <a:buFont typeface="Wingdings" pitchFamily="2" charset="2"/>
+              <a:buChar char="§"/>
+            </a:pPr>
+            <a:r>
+              <a:rPr lang="de-DE" dirty="0" smtClean="0"/>
+              <a:t>auf </a:t>
+            </a:r>
+            <a:r>
+              <a:rPr lang="de-DE" dirty="0" smtClean="0"/>
+              <a:t>jedem Gerät läuft ein Wettbewerb mit einem vor-</a:t>
+            </a:r>
+          </a:p>
+          <a:p>
+            <a:r>
+              <a:rPr lang="de-DE" dirty="0"/>
+              <a:t> </a:t>
+            </a:r>
+            <a:r>
+              <a:rPr lang="de-DE" dirty="0" smtClean="0"/>
+              <a:t>    </a:t>
+            </a:r>
+            <a:r>
+              <a:rPr lang="de-DE" dirty="0" smtClean="0"/>
+              <a:t>gegebenen Zeitlimit</a:t>
+            </a:r>
+          </a:p>
+          <a:p>
+            <a:pPr marL="285750" indent="-285750">
+              <a:buFont typeface="Wingdings" pitchFamily="2" charset="2"/>
+              <a:buChar char="§"/>
+            </a:pPr>
+            <a:r>
+              <a:rPr lang="de-DE" dirty="0" smtClean="0"/>
+              <a:t>die </a:t>
+            </a:r>
+            <a:r>
+              <a:rPr lang="de-DE" dirty="0" smtClean="0"/>
+              <a:t>Ideen werden durch Texte, Videos und Skizzen</a:t>
+            </a:r>
+          </a:p>
+          <a:p>
+            <a:r>
+              <a:rPr lang="de-DE" dirty="0"/>
+              <a:t> </a:t>
+            </a:r>
+            <a:r>
+              <a:rPr lang="de-DE" dirty="0" smtClean="0"/>
+              <a:t> </a:t>
+            </a:r>
+            <a:r>
+              <a:rPr lang="de-DE" dirty="0"/>
+              <a:t> </a:t>
+            </a:r>
+            <a:r>
+              <a:rPr lang="de-DE" dirty="0" smtClean="0"/>
+              <a:t>  </a:t>
+            </a:r>
+            <a:r>
+              <a:rPr lang="de-DE" dirty="0" smtClean="0"/>
+              <a:t>veranschaulicht</a:t>
             </a:r>
             <a:endParaRPr lang="de-DE" dirty="0"/>
           </a:p>
@@ -9005,9 +13146,18 @@
   <p:clrMapOvr>
     <a:masterClrMapping/>
   </p:clrMapOvr>
-  <p:transition spd="slow">
-    <p:push dir="u"/>
-  </p:transition>
+  <mc:AlternateContent xmlns:mc="http://schemas.openxmlformats.org/markup-compatibility/2006">
+    <mc:Choice xmlns:p14="http://schemas.microsoft.com/office/powerpoint/2010/main" Requires="p14">
+      <p:transition spd="med" p14:dur="700">
+        <p:fade/>
+      </p:transition>
+    </mc:Choice>
+    <mc:Fallback>
+      <p:transition spd="med">
+        <p:fade/>
+      </p:transition>
+    </mc:Fallback>
+  </mc:AlternateContent>
   <p:timing>
     <p:tnLst>
       <p:par>
@@ -9225,7 +13375,7 @@
         </p:nvSpPr>
         <p:spPr>
           <a:xfrm>
-            <a:off x="863311" y="1164732"/>
+            <a:off x="836090" y="1124744"/>
             <a:ext cx="2185214" cy="369332"/>
           </a:xfrm>
           <a:prstGeom prst="rect">
@@ -9255,7 +13405,7 @@
         </p:nvSpPr>
         <p:spPr>
           <a:xfrm>
-            <a:off x="1115616" y="1629148"/>
+            <a:off x="1115616" y="1700808"/>
             <a:ext cx="3486852" cy="369332"/>
           </a:xfrm>
           <a:prstGeom prst="rect">
@@ -9289,7 +13439,7 @@
         </p:nvSpPr>
         <p:spPr>
           <a:xfrm>
-            <a:off x="1115616" y="2060848"/>
+            <a:off x="1115615" y="2305627"/>
             <a:ext cx="6218369" cy="369332"/>
           </a:xfrm>
           <a:prstGeom prst="rect">
@@ -9323,7 +13473,7 @@
         </p:nvSpPr>
         <p:spPr>
           <a:xfrm>
-            <a:off x="1115616" y="2501151"/>
+            <a:off x="1115615" y="2854677"/>
             <a:ext cx="6064545" cy="646331"/>
           </a:xfrm>
           <a:prstGeom prst="rect">
@@ -9363,7 +13513,7 @@
         </p:nvSpPr>
         <p:spPr>
           <a:xfrm>
-            <a:off x="1115616" y="3148656"/>
+            <a:off x="1115616" y="3752064"/>
             <a:ext cx="4320413" cy="369332"/>
           </a:xfrm>
           <a:prstGeom prst="rect">
@@ -9397,7 +13547,7 @@
         </p:nvSpPr>
         <p:spPr>
           <a:xfrm>
-            <a:off x="1115616" y="3536380"/>
+            <a:off x="1115616" y="4355812"/>
             <a:ext cx="2790187" cy="369332"/>
           </a:xfrm>
           <a:prstGeom prst="rect">
@@ -9425,44 +13575,14 @@
       </p:sp>
       <p:sp>
         <p:nvSpPr>
-          <p:cNvPr id="10" name="Textfeld 9"/>
-          <p:cNvSpPr txBox="1"/>
-          <p:nvPr/>
-        </p:nvSpPr>
-        <p:spPr>
-          <a:xfrm>
-            <a:off x="863311" y="3995772"/>
-            <a:ext cx="2172390" cy="369332"/>
-          </a:xfrm>
-          <a:prstGeom prst="rect">
-            <a:avLst/>
-          </a:prstGeom>
-          <a:noFill/>
-        </p:spPr>
-        <p:txBody>
-          <a:bodyPr wrap="none" rtlCol="0">
-            <a:spAutoFit/>
-          </a:bodyPr>
-          <a:lstStyle/>
-          <a:p>
-            <a:r>
-              <a:rPr lang="de-DE" b="1" dirty="0" smtClean="0"/>
-              <a:t>2.2 Kann-Kriterien</a:t>
-            </a:r>
-            <a:endParaRPr lang="de-DE" b="1" dirty="0"/>
-          </a:p>
-        </p:txBody>
-      </p:sp>
-      <p:sp>
-        <p:nvSpPr>
-          <p:cNvPr id="11" name="Textfeld 10"/>
-          <p:cNvSpPr txBox="1"/>
-          <p:nvPr/>
-        </p:nvSpPr>
-        <p:spPr>
-          <a:xfrm>
-            <a:off x="1115616" y="4425792"/>
-            <a:ext cx="4204997" cy="369332"/>
+          <p:cNvPr id="4" name="Textfeld 3"/>
+          <p:cNvSpPr txBox="1"/>
+          <p:nvPr/>
+        </p:nvSpPr>
+        <p:spPr>
+          <a:xfrm>
+            <a:off x="1115616" y="4931876"/>
+            <a:ext cx="1178528" cy="369332"/>
           </a:xfrm>
           <a:prstGeom prst="rect">
             <a:avLst/>
@@ -9480,108 +13600,10 @@
               <a:buChar char="Ø"/>
             </a:pPr>
             <a:r>
-              <a:rPr lang="de-DE" dirty="0" smtClean="0"/>
-              <a:t>Auswertungsmöglichkeit der Juroren</a:t>
+              <a:rPr lang="de-DE" dirty="0" err="1" smtClean="0"/>
+              <a:t>Logout</a:t>
             </a:r>
             <a:endParaRPr lang="de-DE" dirty="0"/>
-          </a:p>
-        </p:txBody>
-      </p:sp>
-      <p:sp>
-        <p:nvSpPr>
-          <p:cNvPr id="12" name="Textfeld 11"/>
-          <p:cNvSpPr txBox="1"/>
-          <p:nvPr/>
-        </p:nvSpPr>
-        <p:spPr>
-          <a:xfrm>
-            <a:off x="1115616" y="4831882"/>
-            <a:ext cx="2935484" cy="369332"/>
-          </a:xfrm>
-          <a:prstGeom prst="rect">
-            <a:avLst/>
-          </a:prstGeom>
-          <a:noFill/>
-        </p:spPr>
-        <p:txBody>
-          <a:bodyPr wrap="none" rtlCol="0">
-            <a:spAutoFit/>
-          </a:bodyPr>
-          <a:lstStyle/>
-          <a:p>
-            <a:pPr marL="285750" indent="-285750">
-              <a:buFont typeface="Wingdings" pitchFamily="2" charset="2"/>
-              <a:buChar char="Ø"/>
-            </a:pPr>
-            <a:r>
-              <a:rPr lang="de-DE" dirty="0" smtClean="0"/>
-              <a:t>Verwaltung der Prämien</a:t>
-            </a:r>
-            <a:endParaRPr lang="de-DE" dirty="0"/>
-          </a:p>
-        </p:txBody>
-      </p:sp>
-      <p:sp>
-        <p:nvSpPr>
-          <p:cNvPr id="13" name="Textfeld 12"/>
-          <p:cNvSpPr txBox="1"/>
-          <p:nvPr/>
-        </p:nvSpPr>
-        <p:spPr>
-          <a:xfrm>
-            <a:off x="1115616" y="5238638"/>
-            <a:ext cx="2730235" cy="369332"/>
-          </a:xfrm>
-          <a:prstGeom prst="rect">
-            <a:avLst/>
-          </a:prstGeom>
-          <a:noFill/>
-        </p:spPr>
-        <p:txBody>
-          <a:bodyPr wrap="none" rtlCol="0">
-            <a:spAutoFit/>
-          </a:bodyPr>
-          <a:lstStyle/>
-          <a:p>
-            <a:pPr marL="285750" indent="-285750">
-              <a:buFont typeface="Wingdings" pitchFamily="2" charset="2"/>
-              <a:buChar char="Ø"/>
-            </a:pPr>
-            <a:r>
-              <a:rPr lang="de-DE" dirty="0" smtClean="0"/>
-              <a:t>Forum Produkteinsatz</a:t>
-            </a:r>
-            <a:endParaRPr lang="de-DE" dirty="0"/>
-          </a:p>
-        </p:txBody>
-      </p:sp>
-      <p:sp>
-        <p:nvSpPr>
-          <p:cNvPr id="14" name="Textfeld 13"/>
-          <p:cNvSpPr txBox="1"/>
-          <p:nvPr/>
-        </p:nvSpPr>
-        <p:spPr>
-          <a:xfrm>
-            <a:off x="863311" y="5661248"/>
-            <a:ext cx="2946063" cy="369332"/>
-          </a:xfrm>
-          <a:prstGeom prst="rect">
-            <a:avLst/>
-          </a:prstGeom>
-          <a:noFill/>
-        </p:spPr>
-        <p:txBody>
-          <a:bodyPr wrap="none" rtlCol="0">
-            <a:spAutoFit/>
-          </a:bodyPr>
-          <a:lstStyle/>
-          <a:p>
-            <a:r>
-              <a:rPr lang="de-DE" b="1" dirty="0" smtClean="0"/>
-              <a:t>2.3 Abgrenzungskriterien</a:t>
-            </a:r>
-            <a:endParaRPr lang="de-DE" b="1" dirty="0"/>
           </a:p>
         </p:txBody>
       </p:sp>
@@ -9595,9 +13617,18 @@
   <p:clrMapOvr>
     <a:masterClrMapping/>
   </p:clrMapOvr>
-  <p:transition spd="slow">
-    <p:push dir="u"/>
-  </p:transition>
+  <mc:AlternateContent xmlns:mc="http://schemas.openxmlformats.org/markup-compatibility/2006">
+    <mc:Choice xmlns:p14="http://schemas.microsoft.com/office/powerpoint/2010/main" Requires="p14">
+      <p:transition spd="med" p14:dur="700">
+        <p:fade/>
+      </p:transition>
+    </mc:Choice>
+    <mc:Fallback>
+      <p:transition spd="med">
+        <p:fade/>
+      </p:transition>
+    </mc:Fallback>
+  </mc:AlternateContent>
   <p:timing>
     <p:tnLst>
       <p:par>
@@ -9673,13 +13704,145 @@
       </p:sp>
       <p:sp>
         <p:nvSpPr>
+          <p:cNvPr id="10" name="Textfeld 9"/>
+          <p:cNvSpPr txBox="1"/>
+          <p:nvPr/>
+        </p:nvSpPr>
+        <p:spPr>
+          <a:xfrm>
+            <a:off x="863311" y="1259468"/>
+            <a:ext cx="2172390" cy="369332"/>
+          </a:xfrm>
+          <a:prstGeom prst="rect">
+            <a:avLst/>
+          </a:prstGeom>
+          <a:noFill/>
+        </p:spPr>
+        <p:txBody>
+          <a:bodyPr wrap="none" rtlCol="0">
+            <a:spAutoFit/>
+          </a:bodyPr>
+          <a:lstStyle/>
+          <a:p>
+            <a:r>
+              <a:rPr lang="de-DE" b="1" dirty="0" smtClean="0"/>
+              <a:t>2.2 Kann-Kriterien</a:t>
+            </a:r>
+            <a:endParaRPr lang="de-DE" b="1" dirty="0"/>
+          </a:p>
+        </p:txBody>
+      </p:sp>
+      <p:sp>
+        <p:nvSpPr>
+          <p:cNvPr id="11" name="Textfeld 10"/>
+          <p:cNvSpPr txBox="1"/>
+          <p:nvPr/>
+        </p:nvSpPr>
+        <p:spPr>
+          <a:xfrm>
+            <a:off x="1547664" y="2492896"/>
+            <a:ext cx="4204997" cy="369332"/>
+          </a:xfrm>
+          <a:prstGeom prst="rect">
+            <a:avLst/>
+          </a:prstGeom>
+          <a:noFill/>
+        </p:spPr>
+        <p:txBody>
+          <a:bodyPr wrap="none" rtlCol="0">
+            <a:spAutoFit/>
+          </a:bodyPr>
+          <a:lstStyle/>
+          <a:p>
+            <a:pPr marL="285750" indent="-285750">
+              <a:buFont typeface="Wingdings" pitchFamily="2" charset="2"/>
+              <a:buChar char="Ø"/>
+            </a:pPr>
+            <a:r>
+              <a:rPr lang="de-DE" dirty="0" smtClean="0"/>
+              <a:t>Auswertungsmöglichkeit der Juroren</a:t>
+            </a:r>
+            <a:endParaRPr lang="de-DE" dirty="0"/>
+          </a:p>
+        </p:txBody>
+      </p:sp>
+      <p:sp>
+        <p:nvSpPr>
+          <p:cNvPr id="12" name="Textfeld 11"/>
+          <p:cNvSpPr txBox="1"/>
+          <p:nvPr/>
+        </p:nvSpPr>
+        <p:spPr>
+          <a:xfrm>
+            <a:off x="1547664" y="2898986"/>
+            <a:ext cx="2935484" cy="369332"/>
+          </a:xfrm>
+          <a:prstGeom prst="rect">
+            <a:avLst/>
+          </a:prstGeom>
+          <a:noFill/>
+        </p:spPr>
+        <p:txBody>
+          <a:bodyPr wrap="none" rtlCol="0">
+            <a:spAutoFit/>
+          </a:bodyPr>
+          <a:lstStyle/>
+          <a:p>
+            <a:pPr marL="285750" indent="-285750">
+              <a:buFont typeface="Wingdings" pitchFamily="2" charset="2"/>
+              <a:buChar char="Ø"/>
+            </a:pPr>
+            <a:r>
+              <a:rPr lang="de-DE" dirty="0" smtClean="0"/>
+              <a:t>Verwaltung der Prämien</a:t>
+            </a:r>
+            <a:endParaRPr lang="de-DE" dirty="0"/>
+          </a:p>
+        </p:txBody>
+      </p:sp>
+      <p:sp>
+        <p:nvSpPr>
+          <p:cNvPr id="13" name="Textfeld 12"/>
+          <p:cNvSpPr txBox="1"/>
+          <p:nvPr/>
+        </p:nvSpPr>
+        <p:spPr>
+          <a:xfrm>
+            <a:off x="1547664" y="3305742"/>
+            <a:ext cx="2730235" cy="369332"/>
+          </a:xfrm>
+          <a:prstGeom prst="rect">
+            <a:avLst/>
+          </a:prstGeom>
+          <a:noFill/>
+        </p:spPr>
+        <p:txBody>
+          <a:bodyPr wrap="none" rtlCol="0">
+            <a:spAutoFit/>
+          </a:bodyPr>
+          <a:lstStyle/>
+          <a:p>
+            <a:pPr marL="285750" indent="-285750">
+              <a:buFont typeface="Wingdings" pitchFamily="2" charset="2"/>
+              <a:buChar char="Ø"/>
+            </a:pPr>
+            <a:r>
+              <a:rPr lang="de-DE" dirty="0" smtClean="0"/>
+              <a:t>Forum Produkteinsatz</a:t>
+            </a:r>
+            <a:endParaRPr lang="de-DE" dirty="0"/>
+          </a:p>
+        </p:txBody>
+      </p:sp>
+      <p:sp>
+        <p:nvSpPr>
           <p:cNvPr id="14" name="Textfeld 13"/>
           <p:cNvSpPr txBox="1"/>
           <p:nvPr/>
         </p:nvSpPr>
         <p:spPr>
           <a:xfrm>
-            <a:off x="863311" y="1035770"/>
+            <a:off x="863311" y="4203612"/>
             <a:ext cx="2946063" cy="369332"/>
           </a:xfrm>
           <a:prstGeom prst="rect">
@@ -9698,22 +13861,95 @@
               <a:t>2.3 Abgrenzungskriterien</a:t>
             </a:r>
             <a:endParaRPr lang="de-DE" b="1" dirty="0"/>
+          </a:p>
+        </p:txBody>
+      </p:sp>
+      <p:sp>
+        <p:nvSpPr>
+          <p:cNvPr id="4" name="Textfeld 3"/>
+          <p:cNvSpPr txBox="1"/>
+          <p:nvPr/>
+        </p:nvSpPr>
+        <p:spPr>
+          <a:xfrm>
+            <a:off x="1146173" y="1907540"/>
+            <a:ext cx="5827236" cy="369332"/>
+          </a:xfrm>
+          <a:prstGeom prst="rect">
+            <a:avLst/>
+          </a:prstGeom>
+          <a:noFill/>
+        </p:spPr>
+        <p:txBody>
+          <a:bodyPr wrap="none" rtlCol="0">
+            <a:spAutoFit/>
+          </a:bodyPr>
+          <a:lstStyle/>
+          <a:p>
+            <a:r>
+              <a:rPr lang="de-DE" dirty="0" smtClean="0"/>
+              <a:t>Für das Intranet sind folgende Kriterien erstrebenswert:</a:t>
+            </a:r>
+            <a:endParaRPr lang="de-DE" dirty="0"/>
+          </a:p>
+        </p:txBody>
+      </p:sp>
+      <p:sp>
+        <p:nvSpPr>
+          <p:cNvPr id="15" name="Textfeld 14"/>
+          <p:cNvSpPr txBox="1"/>
+          <p:nvPr/>
+        </p:nvSpPr>
+        <p:spPr>
+          <a:xfrm>
+            <a:off x="1547664" y="4757499"/>
+            <a:ext cx="5974713" cy="369332"/>
+          </a:xfrm>
+          <a:prstGeom prst="rect">
+            <a:avLst/>
+          </a:prstGeom>
+          <a:noFill/>
+        </p:spPr>
+        <p:txBody>
+          <a:bodyPr wrap="none" rtlCol="0">
+            <a:spAutoFit/>
+          </a:bodyPr>
+          <a:lstStyle/>
+          <a:p>
+            <a:pPr marL="285750" indent="-285750">
+              <a:buFont typeface="Wingdings" pitchFamily="2" charset="2"/>
+              <a:buChar char="Ø"/>
+            </a:pPr>
+            <a:r>
+              <a:rPr lang="de-DE" dirty="0" smtClean="0"/>
+              <a:t>Das Intranet ist nicht über einen Browser zu erreichen</a:t>
+            </a:r>
+            <a:endParaRPr lang="de-DE" dirty="0"/>
           </a:p>
         </p:txBody>
       </p:sp>
     </p:spTree>
     <p:extLst>
       <p:ext uri="{BB962C8B-B14F-4D97-AF65-F5344CB8AC3E}">
-        <p14:creationId xmlns:p14="http://schemas.microsoft.com/office/powerpoint/2010/main" val="3052780164"/>
+        <p14:creationId xmlns:p14="http://schemas.microsoft.com/office/powerpoint/2010/main" val="3659978701"/>
       </p:ext>
     </p:extLst>
   </p:cSld>
   <p:clrMapOvr>
     <a:masterClrMapping/>
   </p:clrMapOvr>
-  <p:transition spd="slow">
-    <p:push dir="u"/>
-  </p:transition>
+  <mc:AlternateContent xmlns:mc="http://schemas.openxmlformats.org/markup-compatibility/2006">
+    <mc:Choice xmlns:p14="http://schemas.microsoft.com/office/powerpoint/2010/main" Requires="p14">
+      <p:transition spd="med" p14:dur="700">
+        <p:fade/>
+      </p:transition>
+    </mc:Choice>
+    <mc:Fallback>
+      <p:transition spd="med">
+        <p:fade/>
+      </p:transition>
+    </mc:Fallback>
+  </mc:AlternateContent>
   <p:timing>
     <p:tnLst>
       <p:par>
